--- a/Apresentação - Banco de Dados.pptx
+++ b/Apresentação - Banco de Dados.pptx
@@ -4492,6 +4492,17 @@
                 </a:solidFill>
               </a:rPr>
               <a:t>. Heleno Cardoso</a:t>
+            </a:r>
+          </a:p>
+          <a:p>
+            <a:pPr algn="r" hangingPunct="1"/>
+            <a:r>
+              <a:rPr lang="pt-BR" sz="2000" b="1" dirty="0">
+                <a:solidFill>
+                  <a:schemeClr val="bg1"/>
+                </a:solidFill>
+              </a:rPr>
+              <a:t>E-mail: helenocardosofilho@gmail.com</a:t>
             </a:r>
           </a:p>
         </p:txBody>
@@ -14265,7 +14276,7 @@
             </a:ln>
             <a:extLst>
               <a:ext uri="{C572A759-6A51-4108-AA02-DFA0A04FC94B}">
-                <ma14:wrappingTextBoxFlag xmlns="" xmlns:m="http://schemas.openxmlformats.org/officeDocument/2006/math" xmlns:a14="http://schemas.microsoft.com/office/drawing/2010/main" xmlns:ma14="http://schemas.microsoft.com/office/mac/drawingml/2011/main" val="1"/>
+                <ma14:wrappingTextBoxFlag xmlns:ma14="http://schemas.microsoft.com/office/mac/drawingml/2011/main" xmlns:a14="http://schemas.microsoft.com/office/drawing/2010/main" xmlns:m="http://schemas.openxmlformats.org/officeDocument/2006/math" xmlns="" val="1"/>
               </a:ext>
             </a:extLst>
           </p:spPr>

--- a/Apresentação - Banco de Dados.pptx
+++ b/Apresentação - Banco de Dados.pptx
@@ -5,7 +5,7 @@
     <p:sldMasterId id="2147483648" r:id="rId1"/>
   </p:sldMasterIdLst>
   <p:notesMasterIdLst>
-    <p:notesMasterId r:id="rId22"/>
+    <p:notesMasterId r:id="rId26"/>
   </p:notesMasterIdLst>
   <p:sldIdLst>
     <p:sldId id="256" r:id="rId2"/>
@@ -13,21 +13,25 @@
     <p:sldId id="331" r:id="rId4"/>
     <p:sldId id="332" r:id="rId5"/>
     <p:sldId id="333" r:id="rId6"/>
-    <p:sldId id="362" r:id="rId7"/>
-    <p:sldId id="334" r:id="rId8"/>
-    <p:sldId id="365" r:id="rId9"/>
-    <p:sldId id="364" r:id="rId10"/>
-    <p:sldId id="366" r:id="rId11"/>
-    <p:sldId id="347" r:id="rId12"/>
-    <p:sldId id="335" r:id="rId13"/>
-    <p:sldId id="340" r:id="rId14"/>
-    <p:sldId id="284" r:id="rId15"/>
-    <p:sldId id="276" r:id="rId16"/>
-    <p:sldId id="277" r:id="rId17"/>
-    <p:sldId id="279" r:id="rId18"/>
-    <p:sldId id="336" r:id="rId19"/>
-    <p:sldId id="341" r:id="rId20"/>
-    <p:sldId id="309" r:id="rId21"/>
+    <p:sldId id="369" r:id="rId7"/>
+    <p:sldId id="370" r:id="rId8"/>
+    <p:sldId id="334" r:id="rId9"/>
+    <p:sldId id="365" r:id="rId10"/>
+    <p:sldId id="364" r:id="rId11"/>
+    <p:sldId id="367" r:id="rId12"/>
+    <p:sldId id="366" r:id="rId13"/>
+    <p:sldId id="368" r:id="rId14"/>
+    <p:sldId id="347" r:id="rId15"/>
+    <p:sldId id="335" r:id="rId16"/>
+    <p:sldId id="340" r:id="rId17"/>
+    <p:sldId id="284" r:id="rId18"/>
+    <p:sldId id="276" r:id="rId19"/>
+    <p:sldId id="277" r:id="rId20"/>
+    <p:sldId id="279" r:id="rId21"/>
+    <p:sldId id="336" r:id="rId22"/>
+    <p:sldId id="341" r:id="rId23"/>
+    <p:sldId id="371" r:id="rId24"/>
+    <p:sldId id="309" r:id="rId25"/>
   </p:sldIdLst>
   <p:sldSz cx="9144000" cy="5143500" type="screen16x9"/>
   <p:notesSz cx="6858000" cy="9144000"/>
@@ -635,7 +639,7 @@
     </p:spTree>
     <p:extLst>
       <p:ext uri="{BB962C8B-B14F-4D97-AF65-F5344CB8AC3E}">
-        <p14:creationId xmlns:p14="http://schemas.microsoft.com/office/powerpoint/2010/main" val="2690279454"/>
+        <p14:creationId xmlns:p14="http://schemas.microsoft.com/office/powerpoint/2010/main" val="301303113"/>
       </p:ext>
     </p:extLst>
   </p:cSld>
@@ -701,7 +705,7 @@
     </p:spTree>
     <p:extLst>
       <p:ext uri="{BB962C8B-B14F-4D97-AF65-F5344CB8AC3E}">
-        <p14:creationId xmlns:p14="http://schemas.microsoft.com/office/powerpoint/2010/main" val="371893395"/>
+        <p14:creationId xmlns:p14="http://schemas.microsoft.com/office/powerpoint/2010/main" val="4208206617"/>
       </p:ext>
     </p:extLst>
   </p:cSld>
@@ -767,7 +771,7 @@
     </p:spTree>
     <p:extLst>
       <p:ext uri="{BB962C8B-B14F-4D97-AF65-F5344CB8AC3E}">
-        <p14:creationId xmlns:p14="http://schemas.microsoft.com/office/powerpoint/2010/main" val="2567907220"/>
+        <p14:creationId xmlns:p14="http://schemas.microsoft.com/office/powerpoint/2010/main" val="2484314533"/>
       </p:ext>
     </p:extLst>
   </p:cSld>
@@ -833,7 +837,271 @@
     </p:spTree>
     <p:extLst>
       <p:ext uri="{BB962C8B-B14F-4D97-AF65-F5344CB8AC3E}">
+        <p14:creationId xmlns:p14="http://schemas.microsoft.com/office/powerpoint/2010/main" val="2690279454"/>
+      </p:ext>
+    </p:extLst>
+  </p:cSld>
+  <p:clrMapOvr>
+    <a:masterClrMapping/>
+  </p:clrMapOvr>
+</p:notes>
+</file>
+
+<file path=ppt/notesSlides/notesSlide14.xml><?xml version="1.0" encoding="utf-8"?>
+<p:notes xmlns:a="http://schemas.openxmlformats.org/drawingml/2006/main" xmlns:r="http://schemas.openxmlformats.org/officeDocument/2006/relationships" xmlns:p="http://schemas.openxmlformats.org/presentationml/2006/main">
+  <p:cSld>
+    <p:spTree>
+      <p:nvGrpSpPr>
+        <p:cNvPr id="1" name=""/>
+        <p:cNvGrpSpPr/>
+        <p:nvPr/>
+      </p:nvGrpSpPr>
+      <p:grpSpPr>
+        <a:xfrm>
+          <a:off x="0" y="0"/>
+          <a:ext cx="0" cy="0"/>
+          <a:chOff x="0" y="0"/>
+          <a:chExt cx="0" cy="0"/>
+        </a:xfrm>
+      </p:grpSpPr>
+      <p:sp>
+        <p:nvSpPr>
+          <p:cNvPr id="2" name="Espaço Reservado para Imagem de Slide 1"/>
+          <p:cNvSpPr>
+            <a:spLocks noGrp="1" noRot="1" noChangeAspect="1"/>
+          </p:cNvSpPr>
+          <p:nvPr>
+            <p:ph type="sldImg"/>
+          </p:nvPr>
+        </p:nvSpPr>
+        <p:spPr>
+          <a:xfrm>
+            <a:off x="381000" y="685800"/>
+            <a:ext cx="6096000" cy="3429000"/>
+          </a:xfrm>
+        </p:spPr>
+      </p:sp>
+      <p:sp>
+        <p:nvSpPr>
+          <p:cNvPr id="3" name="Espaço Reservado para Anotações 2"/>
+          <p:cNvSpPr>
+            <a:spLocks noGrp="1"/>
+          </p:cNvSpPr>
+          <p:nvPr>
+            <p:ph type="body" idx="1"/>
+          </p:nvPr>
+        </p:nvSpPr>
+        <p:spPr/>
+        <p:txBody>
+          <a:bodyPr/>
+          <a:lstStyle/>
+          <a:p>
+            <a:endParaRPr lang="pt-BR" dirty="0"/>
+          </a:p>
+        </p:txBody>
+      </p:sp>
+    </p:spTree>
+    <p:extLst>
+      <p:ext uri="{BB962C8B-B14F-4D97-AF65-F5344CB8AC3E}">
+        <p14:creationId xmlns:p14="http://schemas.microsoft.com/office/powerpoint/2010/main" val="371893395"/>
+      </p:ext>
+    </p:extLst>
+  </p:cSld>
+  <p:clrMapOvr>
+    <a:masterClrMapping/>
+  </p:clrMapOvr>
+</p:notes>
+</file>
+
+<file path=ppt/notesSlides/notesSlide15.xml><?xml version="1.0" encoding="utf-8"?>
+<p:notes xmlns:a="http://schemas.openxmlformats.org/drawingml/2006/main" xmlns:r="http://schemas.openxmlformats.org/officeDocument/2006/relationships" xmlns:p="http://schemas.openxmlformats.org/presentationml/2006/main">
+  <p:cSld>
+    <p:spTree>
+      <p:nvGrpSpPr>
+        <p:cNvPr id="1" name=""/>
+        <p:cNvGrpSpPr/>
+        <p:nvPr/>
+      </p:nvGrpSpPr>
+      <p:grpSpPr>
+        <a:xfrm>
+          <a:off x="0" y="0"/>
+          <a:ext cx="0" cy="0"/>
+          <a:chOff x="0" y="0"/>
+          <a:chExt cx="0" cy="0"/>
+        </a:xfrm>
+      </p:grpSpPr>
+      <p:sp>
+        <p:nvSpPr>
+          <p:cNvPr id="2" name="Espaço Reservado para Imagem de Slide 1"/>
+          <p:cNvSpPr>
+            <a:spLocks noGrp="1" noRot="1" noChangeAspect="1"/>
+          </p:cNvSpPr>
+          <p:nvPr>
+            <p:ph type="sldImg"/>
+          </p:nvPr>
+        </p:nvSpPr>
+        <p:spPr>
+          <a:xfrm>
+            <a:off x="381000" y="685800"/>
+            <a:ext cx="6096000" cy="3429000"/>
+          </a:xfrm>
+        </p:spPr>
+      </p:sp>
+      <p:sp>
+        <p:nvSpPr>
+          <p:cNvPr id="3" name="Espaço Reservado para Anotações 2"/>
+          <p:cNvSpPr>
+            <a:spLocks noGrp="1"/>
+          </p:cNvSpPr>
+          <p:nvPr>
+            <p:ph type="body" idx="1"/>
+          </p:nvPr>
+        </p:nvSpPr>
+        <p:spPr/>
+        <p:txBody>
+          <a:bodyPr/>
+          <a:lstStyle/>
+          <a:p>
+            <a:endParaRPr lang="pt-BR" dirty="0"/>
+          </a:p>
+        </p:txBody>
+      </p:sp>
+    </p:spTree>
+    <p:extLst>
+      <p:ext uri="{BB962C8B-B14F-4D97-AF65-F5344CB8AC3E}">
+        <p14:creationId xmlns:p14="http://schemas.microsoft.com/office/powerpoint/2010/main" val="2567907220"/>
+      </p:ext>
+    </p:extLst>
+  </p:cSld>
+  <p:clrMapOvr>
+    <a:masterClrMapping/>
+  </p:clrMapOvr>
+</p:notes>
+</file>
+
+<file path=ppt/notesSlides/notesSlide16.xml><?xml version="1.0" encoding="utf-8"?>
+<p:notes xmlns:a="http://schemas.openxmlformats.org/drawingml/2006/main" xmlns:r="http://schemas.openxmlformats.org/officeDocument/2006/relationships" xmlns:p="http://schemas.openxmlformats.org/presentationml/2006/main">
+  <p:cSld>
+    <p:spTree>
+      <p:nvGrpSpPr>
+        <p:cNvPr id="1" name=""/>
+        <p:cNvGrpSpPr/>
+        <p:nvPr/>
+      </p:nvGrpSpPr>
+      <p:grpSpPr>
+        <a:xfrm>
+          <a:off x="0" y="0"/>
+          <a:ext cx="0" cy="0"/>
+          <a:chOff x="0" y="0"/>
+          <a:chExt cx="0" cy="0"/>
+        </a:xfrm>
+      </p:grpSpPr>
+      <p:sp>
+        <p:nvSpPr>
+          <p:cNvPr id="2" name="Espaço Reservado para Imagem de Slide 1"/>
+          <p:cNvSpPr>
+            <a:spLocks noGrp="1" noRot="1" noChangeAspect="1"/>
+          </p:cNvSpPr>
+          <p:nvPr>
+            <p:ph type="sldImg"/>
+          </p:nvPr>
+        </p:nvSpPr>
+        <p:spPr>
+          <a:xfrm>
+            <a:off x="381000" y="685800"/>
+            <a:ext cx="6096000" cy="3429000"/>
+          </a:xfrm>
+        </p:spPr>
+      </p:sp>
+      <p:sp>
+        <p:nvSpPr>
+          <p:cNvPr id="3" name="Espaço Reservado para Anotações 2"/>
+          <p:cNvSpPr>
+            <a:spLocks noGrp="1"/>
+          </p:cNvSpPr>
+          <p:nvPr>
+            <p:ph type="body" idx="1"/>
+          </p:nvPr>
+        </p:nvSpPr>
+        <p:spPr/>
+        <p:txBody>
+          <a:bodyPr/>
+          <a:lstStyle/>
+          <a:p>
+            <a:endParaRPr lang="pt-BR" dirty="0"/>
+          </a:p>
+        </p:txBody>
+      </p:sp>
+    </p:spTree>
+    <p:extLst>
+      <p:ext uri="{BB962C8B-B14F-4D97-AF65-F5344CB8AC3E}">
         <p14:creationId xmlns:p14="http://schemas.microsoft.com/office/powerpoint/2010/main" val="4248038200"/>
+      </p:ext>
+    </p:extLst>
+  </p:cSld>
+  <p:clrMapOvr>
+    <a:masterClrMapping/>
+  </p:clrMapOvr>
+</p:notes>
+</file>
+
+<file path=ppt/notesSlides/notesSlide17.xml><?xml version="1.0" encoding="utf-8"?>
+<p:notes xmlns:a="http://schemas.openxmlformats.org/drawingml/2006/main" xmlns:r="http://schemas.openxmlformats.org/officeDocument/2006/relationships" xmlns:p="http://schemas.openxmlformats.org/presentationml/2006/main">
+  <p:cSld>
+    <p:spTree>
+      <p:nvGrpSpPr>
+        <p:cNvPr id="1" name=""/>
+        <p:cNvGrpSpPr/>
+        <p:nvPr/>
+      </p:nvGrpSpPr>
+      <p:grpSpPr>
+        <a:xfrm>
+          <a:off x="0" y="0"/>
+          <a:ext cx="0" cy="0"/>
+          <a:chOff x="0" y="0"/>
+          <a:chExt cx="0" cy="0"/>
+        </a:xfrm>
+      </p:grpSpPr>
+      <p:sp>
+        <p:nvSpPr>
+          <p:cNvPr id="2" name="Espaço Reservado para Imagem de Slide 1"/>
+          <p:cNvSpPr>
+            <a:spLocks noGrp="1" noRot="1" noChangeAspect="1"/>
+          </p:cNvSpPr>
+          <p:nvPr>
+            <p:ph type="sldImg"/>
+          </p:nvPr>
+        </p:nvSpPr>
+        <p:spPr>
+          <a:xfrm>
+            <a:off x="381000" y="685800"/>
+            <a:ext cx="6096000" cy="3429000"/>
+          </a:xfrm>
+        </p:spPr>
+      </p:sp>
+      <p:sp>
+        <p:nvSpPr>
+          <p:cNvPr id="3" name="Espaço Reservado para Anotações 2"/>
+          <p:cNvSpPr>
+            <a:spLocks noGrp="1"/>
+          </p:cNvSpPr>
+          <p:nvPr>
+            <p:ph type="body" idx="1"/>
+          </p:nvPr>
+        </p:nvSpPr>
+        <p:spPr/>
+        <p:txBody>
+          <a:bodyPr/>
+          <a:lstStyle/>
+          <a:p>
+            <a:endParaRPr lang="pt-BR" dirty="0"/>
+          </a:p>
+        </p:txBody>
+      </p:sp>
+    </p:spTree>
+    <p:extLst>
+      <p:ext uri="{BB962C8B-B14F-4D97-AF65-F5344CB8AC3E}">
+        <p14:creationId xmlns:p14="http://schemas.microsoft.com/office/powerpoint/2010/main" val="999319190"/>
       </p:ext>
     </p:extLst>
   </p:cSld>
@@ -1031,7 +1299,7 @@
     </p:spTree>
     <p:extLst>
       <p:ext uri="{BB962C8B-B14F-4D97-AF65-F5344CB8AC3E}">
-        <p14:creationId xmlns:p14="http://schemas.microsoft.com/office/powerpoint/2010/main" val="4278736099"/>
+        <p14:creationId xmlns:p14="http://schemas.microsoft.com/office/powerpoint/2010/main" val="2051359054"/>
       </p:ext>
     </p:extLst>
   </p:cSld>
@@ -1097,7 +1365,7 @@
     </p:spTree>
     <p:extLst>
       <p:ext uri="{BB962C8B-B14F-4D97-AF65-F5344CB8AC3E}">
-        <p14:creationId xmlns:p14="http://schemas.microsoft.com/office/powerpoint/2010/main" val="940003229"/>
+        <p14:creationId xmlns:p14="http://schemas.microsoft.com/office/powerpoint/2010/main" val="933152865"/>
       </p:ext>
     </p:extLst>
   </p:cSld>
@@ -1163,7 +1431,7 @@
     </p:spTree>
     <p:extLst>
       <p:ext uri="{BB962C8B-B14F-4D97-AF65-F5344CB8AC3E}">
-        <p14:creationId xmlns:p14="http://schemas.microsoft.com/office/powerpoint/2010/main" val="4221087421"/>
+        <p14:creationId xmlns:p14="http://schemas.microsoft.com/office/powerpoint/2010/main" val="940003229"/>
       </p:ext>
     </p:extLst>
   </p:cSld>
@@ -1229,7 +1497,7 @@
     </p:spTree>
     <p:extLst>
       <p:ext uri="{BB962C8B-B14F-4D97-AF65-F5344CB8AC3E}">
-        <p14:creationId xmlns:p14="http://schemas.microsoft.com/office/powerpoint/2010/main" val="1602463434"/>
+        <p14:creationId xmlns:p14="http://schemas.microsoft.com/office/powerpoint/2010/main" val="4221087421"/>
       </p:ext>
     </p:extLst>
   </p:cSld>
@@ -1295,7 +1563,7 @@
     </p:spTree>
     <p:extLst>
       <p:ext uri="{BB962C8B-B14F-4D97-AF65-F5344CB8AC3E}">
-        <p14:creationId xmlns:p14="http://schemas.microsoft.com/office/powerpoint/2010/main" val="301303113"/>
+        <p14:creationId xmlns:p14="http://schemas.microsoft.com/office/powerpoint/2010/main" val="1602463434"/>
       </p:ext>
     </p:extLst>
   </p:cSld>
@@ -1361,7 +1629,7 @@
     </p:spTree>
     <p:extLst>
       <p:ext uri="{BB962C8B-B14F-4D97-AF65-F5344CB8AC3E}">
-        <p14:creationId xmlns:p14="http://schemas.microsoft.com/office/powerpoint/2010/main" val="2484314533"/>
+        <p14:creationId xmlns:p14="http://schemas.microsoft.com/office/powerpoint/2010/main" val="434994699"/>
       </p:ext>
     </p:extLst>
   </p:cSld>
@@ -4904,10 +5172,7 @@
           </a:bodyPr>
           <a:lstStyle/>
           <a:p>
-            <a:pPr marL="457200" indent="-457200" algn="just" eaLnBrk="0" hangingPunct="0">
-              <a:buFont typeface="+mj-lt"/>
-              <a:buAutoNum type="arabicPeriod" startAt="13"/>
-            </a:pPr>
+            <a:pPr algn="just" eaLnBrk="0" hangingPunct="0"/>
             <a:r>
               <a:rPr lang="pt-BR" sz="2200" dirty="0">
                 <a:solidFill>
@@ -4916,17 +5181,17 @@
                 <a:latin typeface="Times New Roman" panose="02020603050405020304" pitchFamily="18" charset="0"/>
                 <a:cs typeface="Times New Roman" panose="02020603050405020304" pitchFamily="18" charset="0"/>
               </a:rPr>
-              <a:t>Construções de funções no </a:t>
-            </a:r>
-            <a:r>
-              <a:rPr lang="pt-BR" sz="2200" b="1" dirty="0" err="1">
+              <a:t>3.   Projeto De </a:t>
+            </a:r>
+            <a:r>
+              <a:rPr lang="pt-BR" sz="2200" dirty="0" err="1">
                 <a:solidFill>
                   <a:schemeClr val="tx1"/>
                 </a:solidFill>
                 <a:latin typeface="Times New Roman" panose="02020603050405020304" pitchFamily="18" charset="0"/>
                 <a:cs typeface="Times New Roman" panose="02020603050405020304" pitchFamily="18" charset="0"/>
               </a:rPr>
-              <a:t>Matlab</a:t>
+              <a:t>Bd</a:t>
             </a:r>
             <a:r>
               <a:rPr lang="pt-BR" sz="2200" dirty="0">
@@ -4936,12 +5201,308 @@
                 <a:latin typeface="Times New Roman" panose="02020603050405020304" pitchFamily="18" charset="0"/>
                 <a:cs typeface="Times New Roman" panose="02020603050405020304" pitchFamily="18" charset="0"/>
               </a:rPr>
-              <a:t> de forma analítica e paramétrica;</a:t>
-            </a:r>
-          </a:p>
+              <a:t>: Modelagem Lógica E Física</a:t>
+            </a:r>
+          </a:p>
+          <a:p>
+            <a:pPr algn="just" eaLnBrk="0" hangingPunct="0"/>
+            <a:endParaRPr lang="pt-BR" sz="2200" dirty="0">
+              <a:solidFill>
+                <a:schemeClr val="tx1"/>
+              </a:solidFill>
+              <a:latin typeface="Times New Roman" panose="02020603050405020304" pitchFamily="18" charset="0"/>
+              <a:cs typeface="Times New Roman" panose="02020603050405020304" pitchFamily="18" charset="0"/>
+            </a:endParaRPr>
+          </a:p>
+          <a:p>
+            <a:pPr algn="just" eaLnBrk="0" hangingPunct="0"/>
+            <a:r>
+              <a:rPr lang="pt-BR" sz="2200" dirty="0">
+                <a:solidFill>
+                  <a:schemeClr val="tx1"/>
+                </a:solidFill>
+                <a:latin typeface="Times New Roman" panose="02020603050405020304" pitchFamily="18" charset="0"/>
+                <a:cs typeface="Times New Roman" panose="02020603050405020304" pitchFamily="18" charset="0"/>
+              </a:rPr>
+              <a:t>3.1 Modelo Relacional</a:t>
+            </a:r>
+          </a:p>
+          <a:p>
+            <a:pPr algn="just" eaLnBrk="0" hangingPunct="0"/>
+            <a:endParaRPr lang="pt-BR" sz="2200" dirty="0">
+              <a:solidFill>
+                <a:schemeClr val="tx1"/>
+              </a:solidFill>
+              <a:latin typeface="Times New Roman" panose="02020603050405020304" pitchFamily="18" charset="0"/>
+              <a:cs typeface="Times New Roman" panose="02020603050405020304" pitchFamily="18" charset="0"/>
+            </a:endParaRPr>
+          </a:p>
+          <a:p>
+            <a:pPr algn="just" eaLnBrk="0" hangingPunct="0"/>
+            <a:r>
+              <a:rPr lang="pt-BR" sz="2200" dirty="0">
+                <a:solidFill>
+                  <a:schemeClr val="tx1"/>
+                </a:solidFill>
+                <a:latin typeface="Times New Roman" panose="02020603050405020304" pitchFamily="18" charset="0"/>
+                <a:cs typeface="Times New Roman" panose="02020603050405020304" pitchFamily="18" charset="0"/>
+              </a:rPr>
+              <a:t>3.2 Formas Normais</a:t>
+            </a:r>
+          </a:p>
+          <a:p>
+            <a:pPr algn="just" eaLnBrk="0" hangingPunct="0"/>
+            <a:endParaRPr lang="pt-BR" sz="2200" dirty="0">
+              <a:solidFill>
+                <a:schemeClr val="tx1"/>
+              </a:solidFill>
+              <a:latin typeface="Times New Roman" panose="02020603050405020304" pitchFamily="18" charset="0"/>
+              <a:cs typeface="Times New Roman" panose="02020603050405020304" pitchFamily="18" charset="0"/>
+            </a:endParaRPr>
+          </a:p>
+          <a:p>
+            <a:pPr algn="just" eaLnBrk="0" hangingPunct="0"/>
+            <a:r>
+              <a:rPr lang="pt-BR" sz="2200" dirty="0">
+                <a:solidFill>
+                  <a:schemeClr val="tx1"/>
+                </a:solidFill>
+                <a:latin typeface="Times New Roman" panose="02020603050405020304" pitchFamily="18" charset="0"/>
+                <a:cs typeface="Times New Roman" panose="02020603050405020304" pitchFamily="18" charset="0"/>
+              </a:rPr>
+              <a:t>3.3 Mapeamento Conceitual­ Lógico </a:t>
+            </a:r>
+          </a:p>
+          <a:p>
+            <a:pPr algn="just" eaLnBrk="0" hangingPunct="0"/>
+            <a:endParaRPr lang="pt-BR" sz="2200" dirty="0">
+              <a:solidFill>
+                <a:schemeClr val="tx1"/>
+              </a:solidFill>
+              <a:latin typeface="Times New Roman" panose="02020603050405020304" pitchFamily="18" charset="0"/>
+              <a:cs typeface="Times New Roman" panose="02020603050405020304" pitchFamily="18" charset="0"/>
+            </a:endParaRPr>
+          </a:p>
+          <a:p>
+            <a:pPr algn="just" eaLnBrk="0" hangingPunct="0"/>
+            <a:r>
+              <a:rPr lang="pt-BR" sz="2200" dirty="0">
+                <a:solidFill>
+                  <a:schemeClr val="tx1"/>
+                </a:solidFill>
+                <a:latin typeface="Times New Roman" panose="02020603050405020304" pitchFamily="18" charset="0"/>
+                <a:cs typeface="Times New Roman" panose="02020603050405020304" pitchFamily="18" charset="0"/>
+              </a:rPr>
+              <a:t>3.4 Modelo No </a:t>
+            </a:r>
+            <a:r>
+              <a:rPr lang="pt-BR" sz="2200" dirty="0" err="1">
+                <a:solidFill>
+                  <a:schemeClr val="tx1"/>
+                </a:solidFill>
+                <a:latin typeface="Times New Roman" panose="02020603050405020304" pitchFamily="18" charset="0"/>
+                <a:cs typeface="Times New Roman" panose="02020603050405020304" pitchFamily="18" charset="0"/>
+              </a:rPr>
+              <a:t>Sgbd</a:t>
+            </a:r>
+            <a:endParaRPr lang="pt-BR" sz="2200" dirty="0">
+              <a:solidFill>
+                <a:schemeClr val="tx1"/>
+              </a:solidFill>
+              <a:latin typeface="Times New Roman" panose="02020603050405020304" pitchFamily="18" charset="0"/>
+              <a:cs typeface="Times New Roman" panose="02020603050405020304" pitchFamily="18" charset="0"/>
+            </a:endParaRPr>
+          </a:p>
+        </p:txBody>
+      </p:sp>
+      <p:cxnSp>
+        <p:nvCxnSpPr>
+          <p:cNvPr id="4" name="Conector reto 3">
+            <a:extLst>
+              <a:ext uri="{FF2B5EF4-FFF2-40B4-BE49-F238E27FC236}">
+                <a16:creationId xmlns:a16="http://schemas.microsoft.com/office/drawing/2014/main" id="{53C1D5BE-B08D-43BA-9100-4319F7669DAD}"/>
+              </a:ext>
+            </a:extLst>
+          </p:cNvPr>
+          <p:cNvCxnSpPr>
+            <a:cxnSpLocks/>
+          </p:cNvCxnSpPr>
+          <p:nvPr/>
+        </p:nvCxnSpPr>
+        <p:spPr>
+          <a:xfrm flipV="1">
+            <a:off x="310728" y="902136"/>
+            <a:ext cx="8699160" cy="40954"/>
+          </a:xfrm>
+          <a:prstGeom prst="line">
+            <a:avLst/>
+          </a:prstGeom>
+          <a:ln w="38100">
+            <a:headEnd type="none" w="med" len="med"/>
+            <a:tailEnd type="none" w="med" len="med"/>
+          </a:ln>
+          <a:scene3d>
+            <a:camera prst="orthographicFront"/>
+            <a:lightRig rig="threePt" dir="t"/>
+          </a:scene3d>
+          <a:sp3d>
+            <a:bevelT prst="convex"/>
+          </a:sp3d>
+        </p:spPr>
+        <p:style>
+          <a:lnRef idx="3">
+            <a:schemeClr val="accent1"/>
+          </a:lnRef>
+          <a:fillRef idx="0">
+            <a:schemeClr val="accent1"/>
+          </a:fillRef>
+          <a:effectRef idx="2">
+            <a:schemeClr val="accent1"/>
+          </a:effectRef>
+          <a:fontRef idx="minor">
+            <a:schemeClr val="tx1"/>
+          </a:fontRef>
+        </p:style>
+      </p:cxnSp>
+    </p:spTree>
+    <p:extLst>
+      <p:ext uri="{BB962C8B-B14F-4D97-AF65-F5344CB8AC3E}">
+        <p14:creationId xmlns:p14="http://schemas.microsoft.com/office/powerpoint/2010/main" val="3782970873"/>
+      </p:ext>
+    </p:extLst>
+  </p:cSld>
+  <p:clrMapOvr>
+    <a:masterClrMapping/>
+  </p:clrMapOvr>
+  <p:transition spd="med"/>
+</p:sld>
+</file>
+
+<file path=ppt/slides/slide11.xml><?xml version="1.0" encoding="utf-8"?>
+<p:sld xmlns:a="http://schemas.openxmlformats.org/drawingml/2006/main" xmlns:r="http://schemas.openxmlformats.org/officeDocument/2006/relationships" xmlns:p="http://schemas.openxmlformats.org/presentationml/2006/main">
+  <p:cSld>
+    <p:spTree>
+      <p:nvGrpSpPr>
+        <p:cNvPr id="1" name=""/>
+        <p:cNvGrpSpPr/>
+        <p:nvPr/>
+      </p:nvGrpSpPr>
+      <p:grpSpPr>
+        <a:xfrm>
+          <a:off x="0" y="0"/>
+          <a:ext cx="0" cy="0"/>
+          <a:chOff x="0" y="0"/>
+          <a:chExt cx="0" cy="0"/>
+        </a:xfrm>
+      </p:grpSpPr>
+      <p:sp>
+        <p:nvSpPr>
+          <p:cNvPr id="6" name="Title 1"/>
+          <p:cNvSpPr>
+            <a:spLocks noGrp="1"/>
+          </p:cNvSpPr>
+          <p:nvPr>
+            <p:ph type="title"/>
+          </p:nvPr>
+        </p:nvSpPr>
+        <p:spPr>
+          <a:xfrm>
+            <a:off x="457200" y="205980"/>
+            <a:ext cx="8229600" cy="857251"/>
+          </a:xfrm>
+        </p:spPr>
+        <p:txBody>
+          <a:bodyPr/>
+          <a:lstStyle/>
+          <a:p>
+            <a:r>
+              <a:rPr lang="en-US" b="1" dirty="0" err="1">
+                <a:solidFill>
+                  <a:srgbClr val="0070C0"/>
+                </a:solidFill>
+              </a:rPr>
+              <a:t>Unidades</a:t>
+            </a:r>
+            <a:r>
+              <a:rPr lang="en-US" b="1" dirty="0">
+                <a:solidFill>
+                  <a:srgbClr val="0070C0"/>
+                </a:solidFill>
+              </a:rPr>
+              <a:t>/</a:t>
+            </a:r>
+            <a:r>
+              <a:rPr lang="en-US" b="1" dirty="0" err="1">
+                <a:solidFill>
+                  <a:srgbClr val="0070C0"/>
+                </a:solidFill>
+              </a:rPr>
+              <a:t>Conteúdos</a:t>
+            </a:r>
+            <a:endParaRPr lang="en-US" b="1" dirty="0">
+              <a:solidFill>
+                <a:srgbClr val="0070C0"/>
+              </a:solidFill>
+            </a:endParaRPr>
+          </a:p>
+        </p:txBody>
+      </p:sp>
+      <p:sp>
+        <p:nvSpPr>
+          <p:cNvPr id="8" name="Text Placeholder 2"/>
+          <p:cNvSpPr>
+            <a:spLocks noGrp="1"/>
+          </p:cNvSpPr>
+          <p:nvPr>
+            <p:ph type="body" sz="half" idx="1"/>
+          </p:nvPr>
+        </p:nvSpPr>
+        <p:spPr>
+          <a:xfrm>
+            <a:off x="142865" y="1104186"/>
+            <a:ext cx="8865056" cy="3833334"/>
+          </a:xfrm>
+        </p:spPr>
+        <p:txBody>
+          <a:bodyPr>
+            <a:noAutofit/>
+          </a:bodyPr>
+          <a:lstStyle/>
           <a:p>
             <a:pPr marL="457200" indent="-457200" algn="just" eaLnBrk="0" hangingPunct="0">
-              <a:buAutoNum type="arabicPeriod" startAt="13"/>
+              <a:buAutoNum type="arabicPeriod" startAt="4"/>
+            </a:pPr>
+            <a:r>
+              <a:rPr lang="pt-BR" sz="2200" dirty="0">
+                <a:solidFill>
+                  <a:schemeClr val="tx1"/>
+                </a:solidFill>
+                <a:latin typeface="Times New Roman" panose="02020603050405020304" pitchFamily="18" charset="0"/>
+                <a:cs typeface="Times New Roman" panose="02020603050405020304" pitchFamily="18" charset="0"/>
+              </a:rPr>
+              <a:t>Criação E Manipulação De Objetos No </a:t>
+            </a:r>
+            <a:r>
+              <a:rPr lang="pt-BR" sz="2200" dirty="0" err="1">
+                <a:solidFill>
+                  <a:schemeClr val="tx1"/>
+                </a:solidFill>
+                <a:latin typeface="Times New Roman" panose="02020603050405020304" pitchFamily="18" charset="0"/>
+                <a:cs typeface="Times New Roman" panose="02020603050405020304" pitchFamily="18" charset="0"/>
+              </a:rPr>
+              <a:t>Postgresql</a:t>
+            </a:r>
+            <a:endParaRPr lang="pt-BR" sz="2200" dirty="0">
+              <a:solidFill>
+                <a:schemeClr val="tx1"/>
+              </a:solidFill>
+              <a:latin typeface="Times New Roman" panose="02020603050405020304" pitchFamily="18" charset="0"/>
+              <a:cs typeface="Times New Roman" panose="02020603050405020304" pitchFamily="18" charset="0"/>
+            </a:endParaRPr>
+          </a:p>
+          <a:p>
+            <a:pPr marL="457200" indent="-457200" algn="just" eaLnBrk="0" hangingPunct="0">
+              <a:buAutoNum type="arabicPeriod" startAt="4"/>
             </a:pPr>
             <a:endParaRPr lang="pt-BR" sz="2200" dirty="0">
               <a:solidFill>
@@ -4952,8 +5513,8 @@
             </a:endParaRPr>
           </a:p>
           <a:p>
-            <a:pPr marL="457200" indent="-457200" algn="just" eaLnBrk="0" hangingPunct="0">
-              <a:buAutoNum type="arabicPeriod" startAt="13"/>
+            <a:pPr marL="0" indent="0" algn="just" eaLnBrk="0" hangingPunct="0">
+              <a:buNone/>
             </a:pPr>
             <a:r>
               <a:rPr lang="pt-BR" sz="2200" dirty="0">
@@ -4963,7 +5524,7 @@
                 <a:latin typeface="Times New Roman" panose="02020603050405020304" pitchFamily="18" charset="0"/>
                 <a:cs typeface="Times New Roman" panose="02020603050405020304" pitchFamily="18" charset="0"/>
               </a:rPr>
-              <a:t>Construção de superfícies e objetos 3D no </a:t>
+              <a:t>4.1 </a:t>
             </a:r>
             <a:r>
               <a:rPr lang="pt-BR" sz="2200" dirty="0" err="1">
@@ -4973,8 +5534,32 @@
                 <a:latin typeface="Times New Roman" panose="02020603050405020304" pitchFamily="18" charset="0"/>
                 <a:cs typeface="Times New Roman" panose="02020603050405020304" pitchFamily="18" charset="0"/>
               </a:rPr>
-              <a:t>Matlab</a:t>
-            </a:r>
+              <a:t>Postgresql</a:t>
+            </a:r>
+            <a:endParaRPr lang="pt-BR" sz="2200" dirty="0">
+              <a:solidFill>
+                <a:schemeClr val="tx1"/>
+              </a:solidFill>
+              <a:latin typeface="Times New Roman" panose="02020603050405020304" pitchFamily="18" charset="0"/>
+              <a:cs typeface="Times New Roman" panose="02020603050405020304" pitchFamily="18" charset="0"/>
+            </a:endParaRPr>
+          </a:p>
+          <a:p>
+            <a:pPr marL="0" indent="0" algn="just" eaLnBrk="0" hangingPunct="0">
+              <a:buNone/>
+            </a:pPr>
+            <a:endParaRPr lang="pt-BR" sz="2200" dirty="0">
+              <a:solidFill>
+                <a:schemeClr val="tx1"/>
+              </a:solidFill>
+              <a:latin typeface="Times New Roman" panose="02020603050405020304" pitchFamily="18" charset="0"/>
+              <a:cs typeface="Times New Roman" panose="02020603050405020304" pitchFamily="18" charset="0"/>
+            </a:endParaRPr>
+          </a:p>
+          <a:p>
+            <a:pPr marL="0" indent="0" algn="just" eaLnBrk="0" hangingPunct="0">
+              <a:buNone/>
+            </a:pPr>
             <a:r>
               <a:rPr lang="pt-BR" sz="2200" dirty="0">
                 <a:solidFill>
@@ -4983,18 +5568,52 @@
                 <a:latin typeface="Times New Roman" panose="02020603050405020304" pitchFamily="18" charset="0"/>
                 <a:cs typeface="Times New Roman" panose="02020603050405020304" pitchFamily="18" charset="0"/>
               </a:rPr>
-              <a:t>. Construções de animações 3D no </a:t>
-            </a:r>
-            <a:r>
-              <a:rPr lang="pt-BR" sz="2200" b="1" dirty="0" err="1">
+              <a:t>4.2 Criação E Alteração De Tabelas</a:t>
+            </a:r>
+          </a:p>
+          <a:p>
+            <a:pPr marL="0" indent="0" algn="just" eaLnBrk="0" hangingPunct="0">
+              <a:buNone/>
+            </a:pPr>
+            <a:endParaRPr lang="pt-BR" sz="2200" dirty="0">
+              <a:solidFill>
+                <a:schemeClr val="tx1"/>
+              </a:solidFill>
+              <a:latin typeface="Times New Roman" panose="02020603050405020304" pitchFamily="18" charset="0"/>
+              <a:cs typeface="Times New Roman" panose="02020603050405020304" pitchFamily="18" charset="0"/>
+            </a:endParaRPr>
+          </a:p>
+          <a:p>
+            <a:pPr marL="0" indent="0" algn="just" eaLnBrk="0" hangingPunct="0">
+              <a:buNone/>
+            </a:pPr>
+            <a:r>
+              <a:rPr lang="pt-BR" sz="2200" dirty="0">
                 <a:solidFill>
                   <a:schemeClr val="tx1"/>
                 </a:solidFill>
                 <a:latin typeface="Times New Roman" panose="02020603050405020304" pitchFamily="18" charset="0"/>
                 <a:cs typeface="Times New Roman" panose="02020603050405020304" pitchFamily="18" charset="0"/>
               </a:rPr>
-              <a:t>Matlab</a:t>
-            </a:r>
+              <a:t>4.3 Manipulação De Linhas Nas Tabelas</a:t>
+            </a:r>
+          </a:p>
+          <a:p>
+            <a:pPr marL="0" indent="0" algn="just" eaLnBrk="0" hangingPunct="0">
+              <a:buNone/>
+            </a:pPr>
+            <a:endParaRPr lang="pt-BR" sz="2200" dirty="0">
+              <a:solidFill>
+                <a:schemeClr val="tx1"/>
+              </a:solidFill>
+              <a:latin typeface="Times New Roman" panose="02020603050405020304" pitchFamily="18" charset="0"/>
+              <a:cs typeface="Times New Roman" panose="02020603050405020304" pitchFamily="18" charset="0"/>
+            </a:endParaRPr>
+          </a:p>
+          <a:p>
+            <a:pPr marL="0" indent="0" algn="just" eaLnBrk="0" hangingPunct="0">
+              <a:buNone/>
+            </a:pPr>
             <a:r>
               <a:rPr lang="pt-BR" sz="2200" dirty="0">
                 <a:solidFill>
@@ -5003,7 +5622,292 @@
                 <a:latin typeface="Times New Roman" panose="02020603050405020304" pitchFamily="18" charset="0"/>
                 <a:cs typeface="Times New Roman" panose="02020603050405020304" pitchFamily="18" charset="0"/>
               </a:rPr>
-              <a:t>.</a:t>
+              <a:t>4.4 Controle De Transação</a:t>
+            </a:r>
+          </a:p>
+        </p:txBody>
+      </p:sp>
+      <p:cxnSp>
+        <p:nvCxnSpPr>
+          <p:cNvPr id="4" name="Conector reto 3">
+            <a:extLst>
+              <a:ext uri="{FF2B5EF4-FFF2-40B4-BE49-F238E27FC236}">
+                <a16:creationId xmlns:a16="http://schemas.microsoft.com/office/drawing/2014/main" id="{53C1D5BE-B08D-43BA-9100-4319F7669DAD}"/>
+              </a:ext>
+            </a:extLst>
+          </p:cNvPr>
+          <p:cNvCxnSpPr>
+            <a:cxnSpLocks/>
+          </p:cNvCxnSpPr>
+          <p:nvPr/>
+        </p:nvCxnSpPr>
+        <p:spPr>
+          <a:xfrm flipV="1">
+            <a:off x="310728" y="902136"/>
+            <a:ext cx="8699160" cy="40954"/>
+          </a:xfrm>
+          <a:prstGeom prst="line">
+            <a:avLst/>
+          </a:prstGeom>
+          <a:ln w="38100">
+            <a:headEnd type="none" w="med" len="med"/>
+            <a:tailEnd type="none" w="med" len="med"/>
+          </a:ln>
+          <a:scene3d>
+            <a:camera prst="orthographicFront"/>
+            <a:lightRig rig="threePt" dir="t"/>
+          </a:scene3d>
+          <a:sp3d>
+            <a:bevelT prst="convex"/>
+          </a:sp3d>
+        </p:spPr>
+        <p:style>
+          <a:lnRef idx="3">
+            <a:schemeClr val="accent1"/>
+          </a:lnRef>
+          <a:fillRef idx="0">
+            <a:schemeClr val="accent1"/>
+          </a:fillRef>
+          <a:effectRef idx="2">
+            <a:schemeClr val="accent1"/>
+          </a:effectRef>
+          <a:fontRef idx="minor">
+            <a:schemeClr val="tx1"/>
+          </a:fontRef>
+        </p:style>
+      </p:cxnSp>
+    </p:spTree>
+    <p:extLst>
+      <p:ext uri="{BB962C8B-B14F-4D97-AF65-F5344CB8AC3E}">
+        <p14:creationId xmlns:p14="http://schemas.microsoft.com/office/powerpoint/2010/main" val="3135635756"/>
+      </p:ext>
+    </p:extLst>
+  </p:cSld>
+  <p:clrMapOvr>
+    <a:masterClrMapping/>
+  </p:clrMapOvr>
+  <p:transition spd="med"/>
+</p:sld>
+</file>
+
+<file path=ppt/slides/slide12.xml><?xml version="1.0" encoding="utf-8"?>
+<p:sld xmlns:a="http://schemas.openxmlformats.org/drawingml/2006/main" xmlns:r="http://schemas.openxmlformats.org/officeDocument/2006/relationships" xmlns:p="http://schemas.openxmlformats.org/presentationml/2006/main">
+  <p:cSld>
+    <p:spTree>
+      <p:nvGrpSpPr>
+        <p:cNvPr id="1" name=""/>
+        <p:cNvGrpSpPr/>
+        <p:nvPr/>
+      </p:nvGrpSpPr>
+      <p:grpSpPr>
+        <a:xfrm>
+          <a:off x="0" y="0"/>
+          <a:ext cx="0" cy="0"/>
+          <a:chOff x="0" y="0"/>
+          <a:chExt cx="0" cy="0"/>
+        </a:xfrm>
+      </p:grpSpPr>
+      <p:sp>
+        <p:nvSpPr>
+          <p:cNvPr id="6" name="Title 1"/>
+          <p:cNvSpPr>
+            <a:spLocks noGrp="1"/>
+          </p:cNvSpPr>
+          <p:nvPr>
+            <p:ph type="title"/>
+          </p:nvPr>
+        </p:nvSpPr>
+        <p:spPr>
+          <a:xfrm>
+            <a:off x="457200" y="205980"/>
+            <a:ext cx="8229600" cy="857251"/>
+          </a:xfrm>
+        </p:spPr>
+        <p:txBody>
+          <a:bodyPr/>
+          <a:lstStyle/>
+          <a:p>
+            <a:r>
+              <a:rPr lang="en-US" b="1" dirty="0" err="1">
+                <a:solidFill>
+                  <a:srgbClr val="0070C0"/>
+                </a:solidFill>
+              </a:rPr>
+              <a:t>Unidades</a:t>
+            </a:r>
+            <a:r>
+              <a:rPr lang="en-US" b="1" dirty="0">
+                <a:solidFill>
+                  <a:srgbClr val="0070C0"/>
+                </a:solidFill>
+              </a:rPr>
+              <a:t>/</a:t>
+            </a:r>
+            <a:r>
+              <a:rPr lang="en-US" b="1" dirty="0" err="1">
+                <a:solidFill>
+                  <a:srgbClr val="0070C0"/>
+                </a:solidFill>
+              </a:rPr>
+              <a:t>Conteúdos</a:t>
+            </a:r>
+            <a:endParaRPr lang="en-US" b="1" dirty="0">
+              <a:solidFill>
+                <a:srgbClr val="0070C0"/>
+              </a:solidFill>
+            </a:endParaRPr>
+          </a:p>
+        </p:txBody>
+      </p:sp>
+      <p:sp>
+        <p:nvSpPr>
+          <p:cNvPr id="8" name="Text Placeholder 2"/>
+          <p:cNvSpPr>
+            <a:spLocks noGrp="1"/>
+          </p:cNvSpPr>
+          <p:nvPr>
+            <p:ph type="body" sz="half" idx="1"/>
+          </p:nvPr>
+        </p:nvSpPr>
+        <p:spPr>
+          <a:xfrm>
+            <a:off x="142865" y="1104186"/>
+            <a:ext cx="8865056" cy="3833334"/>
+          </a:xfrm>
+        </p:spPr>
+        <p:txBody>
+          <a:bodyPr>
+            <a:noAutofit/>
+          </a:bodyPr>
+          <a:lstStyle/>
+          <a:p>
+            <a:pPr marL="457200" indent="-457200" algn="just" eaLnBrk="0" hangingPunct="0">
+              <a:buAutoNum type="arabicPeriod" startAt="5"/>
+            </a:pPr>
+            <a:r>
+              <a:rPr lang="pt-BR" sz="2200" dirty="0">
+                <a:solidFill>
+                  <a:schemeClr val="tx1"/>
+                </a:solidFill>
+                <a:latin typeface="Times New Roman" panose="02020603050405020304" pitchFamily="18" charset="0"/>
+                <a:cs typeface="Times New Roman" panose="02020603050405020304" pitchFamily="18" charset="0"/>
+              </a:rPr>
+              <a:t>Consultas Em Uma Tabela No </a:t>
+            </a:r>
+            <a:r>
+              <a:rPr lang="pt-BR" sz="2200" dirty="0" err="1">
+                <a:solidFill>
+                  <a:schemeClr val="tx1"/>
+                </a:solidFill>
+                <a:latin typeface="Times New Roman" panose="02020603050405020304" pitchFamily="18" charset="0"/>
+                <a:cs typeface="Times New Roman" panose="02020603050405020304" pitchFamily="18" charset="0"/>
+              </a:rPr>
+              <a:t>Postgresql</a:t>
+            </a:r>
+            <a:endParaRPr lang="pt-BR" sz="2200" dirty="0">
+              <a:solidFill>
+                <a:schemeClr val="tx1"/>
+              </a:solidFill>
+              <a:latin typeface="Times New Roman" panose="02020603050405020304" pitchFamily="18" charset="0"/>
+              <a:cs typeface="Times New Roman" panose="02020603050405020304" pitchFamily="18" charset="0"/>
+            </a:endParaRPr>
+          </a:p>
+          <a:p>
+            <a:pPr marL="457200" indent="-457200" algn="just" eaLnBrk="0" hangingPunct="0">
+              <a:buAutoNum type="arabicPeriod" startAt="5"/>
+            </a:pPr>
+            <a:endParaRPr lang="pt-BR" sz="2200" dirty="0">
+              <a:solidFill>
+                <a:schemeClr val="tx1"/>
+              </a:solidFill>
+              <a:latin typeface="Times New Roman" panose="02020603050405020304" pitchFamily="18" charset="0"/>
+              <a:cs typeface="Times New Roman" panose="02020603050405020304" pitchFamily="18" charset="0"/>
+            </a:endParaRPr>
+          </a:p>
+          <a:p>
+            <a:pPr marL="0" indent="0" algn="just" eaLnBrk="0" hangingPunct="0">
+              <a:buNone/>
+            </a:pPr>
+            <a:r>
+              <a:rPr lang="pt-BR" sz="2200" dirty="0">
+                <a:solidFill>
+                  <a:schemeClr val="tx1"/>
+                </a:solidFill>
+                <a:latin typeface="Times New Roman" panose="02020603050405020304" pitchFamily="18" charset="0"/>
+                <a:cs typeface="Times New Roman" panose="02020603050405020304" pitchFamily="18" charset="0"/>
+              </a:rPr>
+              <a:t>5.1 Comando </a:t>
+            </a:r>
+            <a:r>
+              <a:rPr lang="pt-BR" sz="2200" dirty="0" err="1">
+                <a:solidFill>
+                  <a:schemeClr val="tx1"/>
+                </a:solidFill>
+                <a:latin typeface="Times New Roman" panose="02020603050405020304" pitchFamily="18" charset="0"/>
+                <a:cs typeface="Times New Roman" panose="02020603050405020304" pitchFamily="18" charset="0"/>
+              </a:rPr>
+              <a:t>Select</a:t>
+            </a:r>
+            <a:endParaRPr lang="pt-BR" sz="2200" dirty="0">
+              <a:solidFill>
+                <a:schemeClr val="tx1"/>
+              </a:solidFill>
+              <a:latin typeface="Times New Roman" panose="02020603050405020304" pitchFamily="18" charset="0"/>
+              <a:cs typeface="Times New Roman" panose="02020603050405020304" pitchFamily="18" charset="0"/>
+            </a:endParaRPr>
+          </a:p>
+          <a:p>
+            <a:pPr marL="0" indent="0" algn="just" eaLnBrk="0" hangingPunct="0">
+              <a:buNone/>
+            </a:pPr>
+            <a:endParaRPr lang="pt-BR" sz="2200" dirty="0">
+              <a:solidFill>
+                <a:schemeClr val="tx1"/>
+              </a:solidFill>
+              <a:latin typeface="Times New Roman" panose="02020603050405020304" pitchFamily="18" charset="0"/>
+              <a:cs typeface="Times New Roman" panose="02020603050405020304" pitchFamily="18" charset="0"/>
+            </a:endParaRPr>
+          </a:p>
+          <a:p>
+            <a:pPr marL="0" indent="0" algn="just" eaLnBrk="0" hangingPunct="0">
+              <a:buNone/>
+            </a:pPr>
+            <a:r>
+              <a:rPr lang="pt-BR" sz="2200" dirty="0">
+                <a:solidFill>
+                  <a:schemeClr val="tx1"/>
+                </a:solidFill>
+                <a:latin typeface="Times New Roman" panose="02020603050405020304" pitchFamily="18" charset="0"/>
+                <a:cs typeface="Times New Roman" panose="02020603050405020304" pitchFamily="18" charset="0"/>
+              </a:rPr>
+              <a:t>5.2 Cláusula Where</a:t>
+            </a:r>
+          </a:p>
+          <a:p>
+            <a:pPr marL="0" indent="0" algn="just" eaLnBrk="0" hangingPunct="0">
+              <a:buNone/>
+            </a:pPr>
+            <a:endParaRPr lang="pt-BR" sz="2200" dirty="0">
+              <a:solidFill>
+                <a:schemeClr val="tx1"/>
+              </a:solidFill>
+              <a:latin typeface="Times New Roman" panose="02020603050405020304" pitchFamily="18" charset="0"/>
+              <a:cs typeface="Times New Roman" panose="02020603050405020304" pitchFamily="18" charset="0"/>
+            </a:endParaRPr>
+          </a:p>
+          <a:p>
+            <a:pPr marL="0" indent="0" algn="just" eaLnBrk="0" hangingPunct="0">
+              <a:buNone/>
+            </a:pPr>
+            <a:r>
+              <a:rPr lang="pt-BR" sz="2200" dirty="0">
+                <a:solidFill>
+                  <a:schemeClr val="tx1"/>
+                </a:solidFill>
+                <a:latin typeface="Times New Roman" panose="02020603050405020304" pitchFamily="18" charset="0"/>
+                <a:cs typeface="Times New Roman" panose="02020603050405020304" pitchFamily="18" charset="0"/>
+              </a:rPr>
+              <a:t>5.3 Agrupamento De Dados</a:t>
             </a:r>
           </a:p>
         </p:txBody>
@@ -5071,7 +5975,298 @@
 </p:sld>
 </file>
 
-<file path=ppt/slides/slide11.xml><?xml version="1.0" encoding="utf-8"?>
+<file path=ppt/slides/slide13.xml><?xml version="1.0" encoding="utf-8"?>
+<p:sld xmlns:a="http://schemas.openxmlformats.org/drawingml/2006/main" xmlns:r="http://schemas.openxmlformats.org/officeDocument/2006/relationships" xmlns:p="http://schemas.openxmlformats.org/presentationml/2006/main">
+  <p:cSld>
+    <p:spTree>
+      <p:nvGrpSpPr>
+        <p:cNvPr id="1" name=""/>
+        <p:cNvGrpSpPr/>
+        <p:nvPr/>
+      </p:nvGrpSpPr>
+      <p:grpSpPr>
+        <a:xfrm>
+          <a:off x="0" y="0"/>
+          <a:ext cx="0" cy="0"/>
+          <a:chOff x="0" y="0"/>
+          <a:chExt cx="0" cy="0"/>
+        </a:xfrm>
+      </p:grpSpPr>
+      <p:sp>
+        <p:nvSpPr>
+          <p:cNvPr id="6" name="Title 1"/>
+          <p:cNvSpPr>
+            <a:spLocks noGrp="1"/>
+          </p:cNvSpPr>
+          <p:nvPr>
+            <p:ph type="title"/>
+          </p:nvPr>
+        </p:nvSpPr>
+        <p:spPr>
+          <a:xfrm>
+            <a:off x="457200" y="205980"/>
+            <a:ext cx="8229600" cy="857251"/>
+          </a:xfrm>
+        </p:spPr>
+        <p:txBody>
+          <a:bodyPr/>
+          <a:lstStyle/>
+          <a:p>
+            <a:r>
+              <a:rPr lang="en-US" b="1" dirty="0" err="1">
+                <a:solidFill>
+                  <a:srgbClr val="0070C0"/>
+                </a:solidFill>
+              </a:rPr>
+              <a:t>Unidades</a:t>
+            </a:r>
+            <a:r>
+              <a:rPr lang="en-US" b="1" dirty="0">
+                <a:solidFill>
+                  <a:srgbClr val="0070C0"/>
+                </a:solidFill>
+              </a:rPr>
+              <a:t>/</a:t>
+            </a:r>
+            <a:r>
+              <a:rPr lang="en-US" b="1" dirty="0" err="1">
+                <a:solidFill>
+                  <a:srgbClr val="0070C0"/>
+                </a:solidFill>
+              </a:rPr>
+              <a:t>Conteúdos</a:t>
+            </a:r>
+            <a:endParaRPr lang="en-US" b="1" dirty="0">
+              <a:solidFill>
+                <a:srgbClr val="0070C0"/>
+              </a:solidFill>
+            </a:endParaRPr>
+          </a:p>
+        </p:txBody>
+      </p:sp>
+      <p:sp>
+        <p:nvSpPr>
+          <p:cNvPr id="8" name="Text Placeholder 2"/>
+          <p:cNvSpPr>
+            <a:spLocks noGrp="1"/>
+          </p:cNvSpPr>
+          <p:nvPr>
+            <p:ph type="body" sz="half" idx="1"/>
+          </p:nvPr>
+        </p:nvSpPr>
+        <p:spPr>
+          <a:xfrm>
+            <a:off x="142865" y="1104186"/>
+            <a:ext cx="8865056" cy="3833334"/>
+          </a:xfrm>
+        </p:spPr>
+        <p:txBody>
+          <a:bodyPr>
+            <a:noAutofit/>
+          </a:bodyPr>
+          <a:lstStyle/>
+          <a:p>
+            <a:pPr marL="0" indent="0" algn="just" eaLnBrk="0" hangingPunct="0">
+              <a:buNone/>
+            </a:pPr>
+            <a:r>
+              <a:rPr lang="pt-BR" sz="2200" dirty="0">
+                <a:solidFill>
+                  <a:schemeClr val="tx1"/>
+                </a:solidFill>
+                <a:latin typeface="Times New Roman" panose="02020603050405020304" pitchFamily="18" charset="0"/>
+                <a:cs typeface="Times New Roman" panose="02020603050405020304" pitchFamily="18" charset="0"/>
+              </a:rPr>
+              <a:t>6. Consulta Com Várias Tabelas No </a:t>
+            </a:r>
+            <a:r>
+              <a:rPr lang="pt-BR" sz="2200" dirty="0" err="1">
+                <a:solidFill>
+                  <a:schemeClr val="tx1"/>
+                </a:solidFill>
+                <a:latin typeface="Times New Roman" panose="02020603050405020304" pitchFamily="18" charset="0"/>
+                <a:cs typeface="Times New Roman" panose="02020603050405020304" pitchFamily="18" charset="0"/>
+              </a:rPr>
+              <a:t>Postgresql</a:t>
+            </a:r>
+            <a:r>
+              <a:rPr lang="pt-BR" sz="2200" dirty="0">
+                <a:solidFill>
+                  <a:schemeClr val="tx1"/>
+                </a:solidFill>
+                <a:latin typeface="Times New Roman" panose="02020603050405020304" pitchFamily="18" charset="0"/>
+                <a:cs typeface="Times New Roman" panose="02020603050405020304" pitchFamily="18" charset="0"/>
+              </a:rPr>
+              <a:t> (Atividade Prática Supervisionada)</a:t>
+            </a:r>
+          </a:p>
+          <a:p>
+            <a:pPr marL="0" indent="0" algn="just" eaLnBrk="0" hangingPunct="0">
+              <a:buNone/>
+            </a:pPr>
+            <a:endParaRPr lang="pt-BR" sz="2200" dirty="0">
+              <a:solidFill>
+                <a:schemeClr val="tx1"/>
+              </a:solidFill>
+              <a:latin typeface="Times New Roman" panose="02020603050405020304" pitchFamily="18" charset="0"/>
+              <a:cs typeface="Times New Roman" panose="02020603050405020304" pitchFamily="18" charset="0"/>
+            </a:endParaRPr>
+          </a:p>
+          <a:p>
+            <a:pPr marL="0" indent="0" algn="just" eaLnBrk="0" hangingPunct="0">
+              <a:buNone/>
+            </a:pPr>
+            <a:r>
+              <a:rPr lang="pt-BR" sz="2200" dirty="0">
+                <a:solidFill>
+                  <a:schemeClr val="tx1"/>
+                </a:solidFill>
+                <a:latin typeface="Times New Roman" panose="02020603050405020304" pitchFamily="18" charset="0"/>
+                <a:cs typeface="Times New Roman" panose="02020603050405020304" pitchFamily="18" charset="0"/>
+              </a:rPr>
+              <a:t>6.1 Junções Interior E Exterior</a:t>
+            </a:r>
+          </a:p>
+          <a:p>
+            <a:pPr marL="0" indent="0" algn="just" eaLnBrk="0" hangingPunct="0">
+              <a:buNone/>
+            </a:pPr>
+            <a:endParaRPr lang="pt-BR" sz="2200" dirty="0">
+              <a:solidFill>
+                <a:schemeClr val="tx1"/>
+              </a:solidFill>
+              <a:latin typeface="Times New Roman" panose="02020603050405020304" pitchFamily="18" charset="0"/>
+              <a:cs typeface="Times New Roman" panose="02020603050405020304" pitchFamily="18" charset="0"/>
+            </a:endParaRPr>
+          </a:p>
+          <a:p>
+            <a:pPr marL="0" indent="0" algn="just" eaLnBrk="0" hangingPunct="0">
+              <a:buNone/>
+            </a:pPr>
+            <a:r>
+              <a:rPr lang="pt-BR" sz="2200" dirty="0">
+                <a:solidFill>
+                  <a:schemeClr val="tx1"/>
+                </a:solidFill>
+                <a:latin typeface="Times New Roman" panose="02020603050405020304" pitchFamily="18" charset="0"/>
+                <a:cs typeface="Times New Roman" panose="02020603050405020304" pitchFamily="18" charset="0"/>
+              </a:rPr>
+              <a:t>6.2 </a:t>
+            </a:r>
+            <a:r>
+              <a:rPr lang="pt-BR" sz="2200" dirty="0" err="1">
+                <a:solidFill>
+                  <a:schemeClr val="tx1"/>
+                </a:solidFill>
+                <a:latin typeface="Times New Roman" panose="02020603050405020304" pitchFamily="18" charset="0"/>
+                <a:cs typeface="Times New Roman" panose="02020603050405020304" pitchFamily="18" charset="0"/>
+              </a:rPr>
+              <a:t>Subconsultas</a:t>
+            </a:r>
+            <a:r>
+              <a:rPr lang="pt-BR" sz="2200" dirty="0">
+                <a:solidFill>
+                  <a:schemeClr val="tx1"/>
+                </a:solidFill>
+                <a:latin typeface="Times New Roman" panose="02020603050405020304" pitchFamily="18" charset="0"/>
+                <a:cs typeface="Times New Roman" panose="02020603050405020304" pitchFamily="18" charset="0"/>
+              </a:rPr>
+              <a:t> Aninhadas E Correlatas</a:t>
+            </a:r>
+          </a:p>
+          <a:p>
+            <a:pPr marL="0" indent="0" algn="just" eaLnBrk="0" hangingPunct="0">
+              <a:buNone/>
+            </a:pPr>
+            <a:endParaRPr lang="pt-BR" sz="2200" dirty="0">
+              <a:solidFill>
+                <a:schemeClr val="tx1"/>
+              </a:solidFill>
+              <a:latin typeface="Times New Roman" panose="02020603050405020304" pitchFamily="18" charset="0"/>
+              <a:cs typeface="Times New Roman" panose="02020603050405020304" pitchFamily="18" charset="0"/>
+            </a:endParaRPr>
+          </a:p>
+          <a:p>
+            <a:pPr marL="0" indent="0" algn="just" eaLnBrk="0" hangingPunct="0">
+              <a:buNone/>
+            </a:pPr>
+            <a:r>
+              <a:rPr lang="pt-BR" sz="2200" dirty="0">
+                <a:solidFill>
+                  <a:schemeClr val="tx1"/>
+                </a:solidFill>
+                <a:latin typeface="Times New Roman" panose="02020603050405020304" pitchFamily="18" charset="0"/>
+                <a:cs typeface="Times New Roman" panose="02020603050405020304" pitchFamily="18" charset="0"/>
+              </a:rPr>
+              <a:t>6.3 Operadores De Conjunto</a:t>
+            </a:r>
+          </a:p>
+        </p:txBody>
+      </p:sp>
+      <p:cxnSp>
+        <p:nvCxnSpPr>
+          <p:cNvPr id="4" name="Conector reto 3">
+            <a:extLst>
+              <a:ext uri="{FF2B5EF4-FFF2-40B4-BE49-F238E27FC236}">
+                <a16:creationId xmlns:a16="http://schemas.microsoft.com/office/drawing/2014/main" id="{53C1D5BE-B08D-43BA-9100-4319F7669DAD}"/>
+              </a:ext>
+            </a:extLst>
+          </p:cNvPr>
+          <p:cNvCxnSpPr>
+            <a:cxnSpLocks/>
+          </p:cNvCxnSpPr>
+          <p:nvPr/>
+        </p:nvCxnSpPr>
+        <p:spPr>
+          <a:xfrm flipV="1">
+            <a:off x="310728" y="902136"/>
+            <a:ext cx="8699160" cy="40954"/>
+          </a:xfrm>
+          <a:prstGeom prst="line">
+            <a:avLst/>
+          </a:prstGeom>
+          <a:ln w="38100">
+            <a:headEnd type="none" w="med" len="med"/>
+            <a:tailEnd type="none" w="med" len="med"/>
+          </a:ln>
+          <a:scene3d>
+            <a:camera prst="orthographicFront"/>
+            <a:lightRig rig="threePt" dir="t"/>
+          </a:scene3d>
+          <a:sp3d>
+            <a:bevelT prst="convex"/>
+          </a:sp3d>
+        </p:spPr>
+        <p:style>
+          <a:lnRef idx="3">
+            <a:schemeClr val="accent1"/>
+          </a:lnRef>
+          <a:fillRef idx="0">
+            <a:schemeClr val="accent1"/>
+          </a:fillRef>
+          <a:effectRef idx="2">
+            <a:schemeClr val="accent1"/>
+          </a:effectRef>
+          <a:fontRef idx="minor">
+            <a:schemeClr val="tx1"/>
+          </a:fontRef>
+        </p:style>
+      </p:cxnSp>
+    </p:spTree>
+    <p:extLst>
+      <p:ext uri="{BB962C8B-B14F-4D97-AF65-F5344CB8AC3E}">
+        <p14:creationId xmlns:p14="http://schemas.microsoft.com/office/powerpoint/2010/main" val="575443608"/>
+      </p:ext>
+    </p:extLst>
+  </p:cSld>
+  <p:clrMapOvr>
+    <a:masterClrMapping/>
+  </p:clrMapOvr>
+  <p:transition spd="med"/>
+</p:sld>
+</file>
+
+<file path=ppt/slides/slide14.xml><?xml version="1.0" encoding="utf-8"?>
 <p:sld xmlns:a="http://schemas.openxmlformats.org/drawingml/2006/main" xmlns:r="http://schemas.openxmlformats.org/officeDocument/2006/relationships" xmlns:p="http://schemas.openxmlformats.org/presentationml/2006/main">
   <p:cSld>
     <p:spTree>
@@ -5309,7 +6504,7 @@
 </p:sld>
 </file>
 
-<file path=ppt/slides/slide12.xml><?xml version="1.0" encoding="utf-8"?>
+<file path=ppt/slides/slide15.xml><?xml version="1.0" encoding="utf-8"?>
 <p:sld xmlns:a="http://schemas.openxmlformats.org/drawingml/2006/main" xmlns:r="http://schemas.openxmlformats.org/officeDocument/2006/relationships" xmlns:p="http://schemas.openxmlformats.org/presentationml/2006/main">
   <p:cSld>
     <p:spTree>
@@ -5656,7 +6851,7 @@
 </p:sld>
 </file>
 
-<file path=ppt/slides/slide13.xml><?xml version="1.0" encoding="utf-8"?>
+<file path=ppt/slides/slide16.xml><?xml version="1.0" encoding="utf-8"?>
 <p:sld xmlns:a="http://schemas.openxmlformats.org/drawingml/2006/main" xmlns:r="http://schemas.openxmlformats.org/officeDocument/2006/relationships" xmlns:p="http://schemas.openxmlformats.org/presentationml/2006/main">
   <p:cSld>
     <p:spTree>
@@ -6013,7 +7208,7 @@
 </p:sld>
 </file>
 
-<file path=ppt/slides/slide14.xml><?xml version="1.0" encoding="utf-8"?>
+<file path=ppt/slides/slide17.xml><?xml version="1.0" encoding="utf-8"?>
 <p:sld xmlns:a="http://schemas.openxmlformats.org/drawingml/2006/main" xmlns:r="http://schemas.openxmlformats.org/officeDocument/2006/relationships" xmlns:p="http://schemas.openxmlformats.org/presentationml/2006/main">
   <p:cSld>
     <p:spTree>
@@ -6094,7 +7289,7 @@
             <a:fld id="{E50FAC2A-6E90-4BEA-B3BF-15B8E63C5B7E}" type="slidenum">
               <a:rPr lang="pt-BR" smtClean="0"/>
               <a:pPr/>
-              <a:t>14</a:t>
+              <a:t>17</a:t>
             </a:fld>
             <a:endParaRPr lang="pt-BR"/>
           </a:p>
@@ -7017,7 +8212,7 @@
 </p:sld>
 </file>
 
-<file path=ppt/slides/slide15.xml><?xml version="1.0" encoding="utf-8"?>
+<file path=ppt/slides/slide18.xml><?xml version="1.0" encoding="utf-8"?>
 <p:sld xmlns:a="http://schemas.openxmlformats.org/drawingml/2006/main" xmlns:r="http://schemas.openxmlformats.org/officeDocument/2006/relationships" xmlns:p="http://schemas.openxmlformats.org/presentationml/2006/main">
   <p:cSld>
     <p:spTree>
@@ -7063,7 +8258,7 @@
             <a:fld id="{E50FAC2A-6E90-4BEA-B3BF-15B8E63C5B7E}" type="slidenum">
               <a:rPr lang="pt-BR" smtClean="0"/>
               <a:pPr/>
-              <a:t>15</a:t>
+              <a:t>18</a:t>
             </a:fld>
             <a:endParaRPr lang="pt-BR"/>
           </a:p>
@@ -7111,7 +8306,7 @@
 </p:sld>
 </file>
 
-<file path=ppt/slides/slide16.xml><?xml version="1.0" encoding="utf-8"?>
+<file path=ppt/slides/slide19.xml><?xml version="1.0" encoding="utf-8"?>
 <p:sld xmlns:a="http://schemas.openxmlformats.org/drawingml/2006/main" xmlns:r="http://schemas.openxmlformats.org/officeDocument/2006/relationships" xmlns:p="http://schemas.openxmlformats.org/presentationml/2006/main">
   <p:cSld>
     <p:spTree>
@@ -7157,7 +8352,7 @@
             <a:fld id="{E50FAC2A-6E90-4BEA-B3BF-15B8E63C5B7E}" type="slidenum">
               <a:rPr lang="pt-BR" smtClean="0"/>
               <a:pPr/>
-              <a:t>16</a:t>
+              <a:t>19</a:t>
             </a:fld>
             <a:endParaRPr lang="pt-BR"/>
           </a:p>
@@ -14276,7 +15471,7 @@
             </a:ln>
             <a:extLst>
               <a:ext uri="{C572A759-6A51-4108-AA02-DFA0A04FC94B}">
-                <ma14:wrappingTextBoxFlag xmlns:ma14="http://schemas.microsoft.com/office/mac/drawingml/2011/main" xmlns:a14="http://schemas.microsoft.com/office/drawing/2010/main" xmlns:m="http://schemas.openxmlformats.org/officeDocument/2006/math" xmlns="" val="1"/>
+                <ma14:wrappingTextBoxFlag xmlns="" xmlns:m="http://schemas.openxmlformats.org/officeDocument/2006/math" xmlns:a14="http://schemas.microsoft.com/office/drawing/2010/main" xmlns:ma14="http://schemas.microsoft.com/office/mac/drawingml/2011/main" val="1"/>
               </a:ext>
             </a:extLst>
           </p:spPr>
@@ -14482,871 +15677,6 @@
 </p:sld>
 </file>
 
-<file path=ppt/slides/slide17.xml><?xml version="1.0" encoding="utf-8"?>
-<p:sld xmlns:a="http://schemas.openxmlformats.org/drawingml/2006/main" xmlns:r="http://schemas.openxmlformats.org/officeDocument/2006/relationships" xmlns:p="http://schemas.openxmlformats.org/presentationml/2006/main">
-  <p:cSld>
-    <p:spTree>
-      <p:nvGrpSpPr>
-        <p:cNvPr id="1" name=""/>
-        <p:cNvGrpSpPr/>
-        <p:nvPr/>
-      </p:nvGrpSpPr>
-      <p:grpSpPr>
-        <a:xfrm>
-          <a:off x="0" y="0"/>
-          <a:ext cx="0" cy="0"/>
-          <a:chOff x="0" y="0"/>
-          <a:chExt cx="0" cy="0"/>
-        </a:xfrm>
-      </p:grpSpPr>
-      <p:sp>
-        <p:nvSpPr>
-          <p:cNvPr id="2" name="Título 1">
-            <a:extLst>
-              <a:ext uri="{FF2B5EF4-FFF2-40B4-BE49-F238E27FC236}">
-                <a16:creationId xmlns:a16="http://schemas.microsoft.com/office/drawing/2014/main" id="{BE70F8CA-DC02-4D15-8261-E003DFCF721F}"/>
-              </a:ext>
-            </a:extLst>
-          </p:cNvPr>
-          <p:cNvSpPr>
-            <a:spLocks noGrp="1"/>
-          </p:cNvSpPr>
-          <p:nvPr>
-            <p:ph type="title"/>
-          </p:nvPr>
-        </p:nvSpPr>
-        <p:spPr>
-          <a:xfrm>
-            <a:off x="822960" y="214953"/>
-            <a:ext cx="7543800" cy="1088068"/>
-          </a:xfrm>
-        </p:spPr>
-        <p:txBody>
-          <a:bodyPr>
-            <a:normAutofit/>
-          </a:bodyPr>
-          <a:lstStyle/>
-          <a:p>
-            <a:pPr defTabSz="336947">
-              <a:defRPr/>
-            </a:pPr>
-            <a:r>
-              <a:rPr lang="en-US" sz="4400" b="1" dirty="0" err="1">
-                <a:solidFill>
-                  <a:srgbClr val="0070C0"/>
-                </a:solidFill>
-              </a:rPr>
-              <a:t>Datas</a:t>
-            </a:r>
-            <a:r>
-              <a:rPr lang="en-US" sz="4400" b="1" dirty="0">
-                <a:solidFill>
-                  <a:srgbClr val="0070C0"/>
-                </a:solidFill>
-              </a:rPr>
-              <a:t> </a:t>
-            </a:r>
-            <a:r>
-              <a:rPr lang="en-US" sz="4400" b="1" dirty="0" err="1">
-                <a:solidFill>
-                  <a:srgbClr val="0070C0"/>
-                </a:solidFill>
-              </a:rPr>
-              <a:t>Avaliativas</a:t>
-            </a:r>
-            <a:r>
-              <a:rPr lang="en-US" sz="4400" b="1" dirty="0">
-                <a:solidFill>
-                  <a:srgbClr val="0070C0"/>
-                </a:solidFill>
-              </a:rPr>
-              <a:t> 2023.2</a:t>
-            </a:r>
-            <a:endParaRPr lang="en-US" sz="2400" dirty="0">
-              <a:latin typeface="Calibri"/>
-              <a:cs typeface="Calibri"/>
-            </a:endParaRPr>
-          </a:p>
-        </p:txBody>
-      </p:sp>
-      <p:sp>
-        <p:nvSpPr>
-          <p:cNvPr id="3" name="Espaço Reservado para Conteúdo 2">
-            <a:extLst>
-              <a:ext uri="{FF2B5EF4-FFF2-40B4-BE49-F238E27FC236}">
-                <a16:creationId xmlns:a16="http://schemas.microsoft.com/office/drawing/2014/main" id="{9E0854B4-920E-4A2E-8691-75CA4973B341}"/>
-              </a:ext>
-            </a:extLst>
-          </p:cNvPr>
-          <p:cNvSpPr>
-            <a:spLocks noGrp="1"/>
-          </p:cNvSpPr>
-          <p:nvPr>
-            <p:ph idx="1"/>
-          </p:nvPr>
-        </p:nvSpPr>
-        <p:spPr/>
-        <p:txBody>
-          <a:bodyPr>
-            <a:normAutofit/>
-          </a:bodyPr>
-          <a:lstStyle/>
-          <a:p>
-            <a:r>
-              <a:rPr lang="pt-BR" sz="2000" b="1" dirty="0">
-                <a:solidFill>
-                  <a:schemeClr val="tx1"/>
-                </a:solidFill>
-                <a:latin typeface="Times New Roman" panose="02020603050405020304" pitchFamily="18" charset="0"/>
-                <a:cs typeface="Times New Roman" panose="02020603050405020304" pitchFamily="18" charset="0"/>
-              </a:rPr>
-              <a:t>Avaliando o Aprendizado 1 (Presencial):</a:t>
-            </a:r>
-            <a:r>
-              <a:rPr lang="pt-BR" sz="2000" dirty="0">
-                <a:solidFill>
-                  <a:schemeClr val="tx1"/>
-                </a:solidFill>
-                <a:latin typeface="Times New Roman" panose="02020603050405020304" pitchFamily="18" charset="0"/>
-                <a:cs typeface="Times New Roman" panose="02020603050405020304" pitchFamily="18" charset="0"/>
-              </a:rPr>
-              <a:t> </a:t>
-            </a:r>
-            <a:r>
-              <a:rPr lang="pt-BR" sz="2000" b="1" dirty="0">
-                <a:solidFill>
-                  <a:srgbClr val="FF0000"/>
-                </a:solidFill>
-                <a:latin typeface="Times New Roman" panose="02020603050405020304" pitchFamily="18" charset="0"/>
-                <a:cs typeface="Times New Roman" panose="02020603050405020304" pitchFamily="18" charset="0"/>
-              </a:rPr>
-              <a:t>Final</a:t>
-            </a:r>
-            <a:r>
-              <a:rPr lang="pt-BR" sz="2000" dirty="0">
-                <a:solidFill>
-                  <a:schemeClr val="tx1"/>
-                </a:solidFill>
-                <a:latin typeface="Times New Roman" panose="02020603050405020304" pitchFamily="18" charset="0"/>
-                <a:cs typeface="Times New Roman" panose="02020603050405020304" pitchFamily="18" charset="0"/>
-              </a:rPr>
-              <a:t>/SETEMBRO</a:t>
-            </a:r>
-          </a:p>
-          <a:p>
-            <a:endParaRPr lang="pt-BR" sz="2000" b="1" dirty="0">
-              <a:solidFill>
-                <a:schemeClr val="tx1"/>
-              </a:solidFill>
-              <a:latin typeface="Times New Roman" panose="02020603050405020304" pitchFamily="18" charset="0"/>
-              <a:cs typeface="Times New Roman" panose="02020603050405020304" pitchFamily="18" charset="0"/>
-            </a:endParaRPr>
-          </a:p>
-          <a:p>
-            <a:r>
-              <a:rPr lang="pt-BR" sz="2000" b="1" dirty="0">
-                <a:solidFill>
-                  <a:schemeClr val="tx1"/>
-                </a:solidFill>
-                <a:latin typeface="Times New Roman" panose="02020603050405020304" pitchFamily="18" charset="0"/>
-                <a:cs typeface="Times New Roman" panose="02020603050405020304" pitchFamily="18" charset="0"/>
-              </a:rPr>
-              <a:t>Avaliando o Aprendizado 2 (Online):</a:t>
-            </a:r>
-            <a:r>
-              <a:rPr lang="pt-BR" sz="2000" dirty="0">
-                <a:solidFill>
-                  <a:schemeClr val="tx1"/>
-                </a:solidFill>
-                <a:latin typeface="Times New Roman" panose="02020603050405020304" pitchFamily="18" charset="0"/>
-                <a:cs typeface="Times New Roman" panose="02020603050405020304" pitchFamily="18" charset="0"/>
-              </a:rPr>
-              <a:t> </a:t>
-            </a:r>
-            <a:r>
-              <a:rPr lang="pt-BR" sz="2000" b="1" dirty="0">
-                <a:solidFill>
-                  <a:srgbClr val="FF0000"/>
-                </a:solidFill>
-                <a:latin typeface="Times New Roman" panose="02020603050405020304" pitchFamily="18" charset="0"/>
-                <a:cs typeface="Times New Roman" panose="02020603050405020304" pitchFamily="18" charset="0"/>
-              </a:rPr>
-              <a:t>02/OUT A 05/NOV</a:t>
-            </a:r>
-          </a:p>
-          <a:p>
-            <a:endParaRPr lang="pt-BR" sz="2000" b="1" dirty="0">
-              <a:solidFill>
-                <a:schemeClr val="tx1"/>
-              </a:solidFill>
-              <a:latin typeface="Times New Roman" panose="02020603050405020304" pitchFamily="18" charset="0"/>
-              <a:cs typeface="Times New Roman" panose="02020603050405020304" pitchFamily="18" charset="0"/>
-            </a:endParaRPr>
-          </a:p>
-          <a:p>
-            <a:r>
-              <a:rPr lang="pt-BR" sz="2000" b="1" dirty="0">
-                <a:solidFill>
-                  <a:schemeClr val="tx1"/>
-                </a:solidFill>
-                <a:latin typeface="Times New Roman" panose="02020603050405020304" pitchFamily="18" charset="0"/>
-                <a:cs typeface="Times New Roman" panose="02020603050405020304" pitchFamily="18" charset="0"/>
-              </a:rPr>
-              <a:t>AV (Presencial):</a:t>
-            </a:r>
-            <a:r>
-              <a:rPr lang="pt-BR" sz="2000" dirty="0">
-                <a:solidFill>
-                  <a:schemeClr val="tx1"/>
-                </a:solidFill>
-                <a:latin typeface="Times New Roman" panose="02020603050405020304" pitchFamily="18" charset="0"/>
-                <a:cs typeface="Times New Roman" panose="02020603050405020304" pitchFamily="18" charset="0"/>
-              </a:rPr>
-              <a:t> </a:t>
-            </a:r>
-            <a:r>
-              <a:rPr lang="pt-BR" sz="2000" b="1" dirty="0">
-                <a:solidFill>
-                  <a:srgbClr val="FF0000"/>
-                </a:solidFill>
-                <a:latin typeface="Times New Roman" panose="02020603050405020304" pitchFamily="18" charset="0"/>
-                <a:cs typeface="Times New Roman" panose="02020603050405020304" pitchFamily="18" charset="0"/>
-              </a:rPr>
-              <a:t>Início</a:t>
-            </a:r>
-            <a:r>
-              <a:rPr lang="pt-BR" sz="2000" dirty="0">
-                <a:solidFill>
-                  <a:schemeClr val="tx1"/>
-                </a:solidFill>
-                <a:latin typeface="Times New Roman" panose="02020603050405020304" pitchFamily="18" charset="0"/>
-                <a:cs typeface="Times New Roman" panose="02020603050405020304" pitchFamily="18" charset="0"/>
-              </a:rPr>
-              <a:t>/NOVEMBRO</a:t>
-            </a:r>
-          </a:p>
-          <a:p>
-            <a:endParaRPr lang="pt-BR" sz="2000" b="1" dirty="0">
-              <a:solidFill>
-                <a:srgbClr val="002060"/>
-              </a:solidFill>
-              <a:latin typeface="Times New Roman" panose="02020603050405020304" pitchFamily="18" charset="0"/>
-              <a:cs typeface="Times New Roman" panose="02020603050405020304" pitchFamily="18" charset="0"/>
-            </a:endParaRPr>
-          </a:p>
-          <a:p>
-            <a:r>
-              <a:rPr lang="pt-BR" sz="2000" b="1" dirty="0">
-                <a:solidFill>
-                  <a:srgbClr val="002060"/>
-                </a:solidFill>
-                <a:latin typeface="Times New Roman" panose="02020603050405020304" pitchFamily="18" charset="0"/>
-                <a:cs typeface="Times New Roman" panose="02020603050405020304" pitchFamily="18" charset="0"/>
-              </a:rPr>
-              <a:t>FIM DO SEMESTRE LETIVO:</a:t>
-            </a:r>
-            <a:r>
-              <a:rPr lang="pt-BR" sz="2000" dirty="0">
-                <a:solidFill>
-                  <a:schemeClr val="tx1"/>
-                </a:solidFill>
-                <a:latin typeface="Times New Roman" panose="02020603050405020304" pitchFamily="18" charset="0"/>
-                <a:cs typeface="Times New Roman" panose="02020603050405020304" pitchFamily="18" charset="0"/>
-              </a:rPr>
-              <a:t> </a:t>
-            </a:r>
-            <a:r>
-              <a:rPr lang="pt-BR" sz="2000" b="1" dirty="0">
-                <a:solidFill>
-                  <a:srgbClr val="FF0000"/>
-                </a:solidFill>
-                <a:latin typeface="Times New Roman" panose="02020603050405020304" pitchFamily="18" charset="0"/>
-                <a:cs typeface="Times New Roman" panose="02020603050405020304" pitchFamily="18" charset="0"/>
-              </a:rPr>
-              <a:t>07/DEZEMBRO</a:t>
-            </a:r>
-          </a:p>
-        </p:txBody>
-      </p:sp>
-      <p:sp>
-        <p:nvSpPr>
-          <p:cNvPr id="6" name="Espaço Reservado para Número de Slide 5">
-            <a:extLst>
-              <a:ext uri="{FF2B5EF4-FFF2-40B4-BE49-F238E27FC236}">
-                <a16:creationId xmlns:a16="http://schemas.microsoft.com/office/drawing/2014/main" id="{391249D3-C59D-41E6-AF88-D8DF193EA7EB}"/>
-              </a:ext>
-            </a:extLst>
-          </p:cNvPr>
-          <p:cNvSpPr>
-            <a:spLocks noGrp="1"/>
-          </p:cNvSpPr>
-          <p:nvPr>
-            <p:ph type="sldNum" sz="quarter" idx="12"/>
-          </p:nvPr>
-        </p:nvSpPr>
-        <p:spPr>
-          <a:xfrm>
-            <a:off x="8424556" y="4765688"/>
-            <a:ext cx="262247" cy="276995"/>
-          </a:xfrm>
-        </p:spPr>
-        <p:txBody>
-          <a:bodyPr/>
-          <a:lstStyle/>
-          <a:p>
-            <a:fld id="{E50FAC2A-6E90-4BEA-B3BF-15B8E63C5B7E}" type="slidenum">
-              <a:rPr lang="pt-BR" smtClean="0"/>
-              <a:pPr/>
-              <a:t>17</a:t>
-            </a:fld>
-            <a:endParaRPr lang="pt-BR"/>
-          </a:p>
-        </p:txBody>
-      </p:sp>
-    </p:spTree>
-    <p:extLst>
-      <p:ext uri="{BB962C8B-B14F-4D97-AF65-F5344CB8AC3E}">
-        <p14:creationId xmlns:p14="http://schemas.microsoft.com/office/powerpoint/2010/main" val="2726569474"/>
-      </p:ext>
-    </p:extLst>
-  </p:cSld>
-  <p:clrMapOvr>
-    <a:masterClrMapping/>
-  </p:clrMapOvr>
-</p:sld>
-</file>
-
-<file path=ppt/slides/slide18.xml><?xml version="1.0" encoding="utf-8"?>
-<p:sld xmlns:a="http://schemas.openxmlformats.org/drawingml/2006/main" xmlns:r="http://schemas.openxmlformats.org/officeDocument/2006/relationships" xmlns:p="http://schemas.openxmlformats.org/presentationml/2006/main">
-  <p:cSld>
-    <p:spTree>
-      <p:nvGrpSpPr>
-        <p:cNvPr id="1" name=""/>
-        <p:cNvGrpSpPr/>
-        <p:nvPr/>
-      </p:nvGrpSpPr>
-      <p:grpSpPr>
-        <a:xfrm>
-          <a:off x="0" y="0"/>
-          <a:ext cx="0" cy="0"/>
-          <a:chOff x="0" y="0"/>
-          <a:chExt cx="0" cy="0"/>
-        </a:xfrm>
-      </p:grpSpPr>
-      <p:sp>
-        <p:nvSpPr>
-          <p:cNvPr id="6" name="Title 1"/>
-          <p:cNvSpPr>
-            <a:spLocks noGrp="1"/>
-          </p:cNvSpPr>
-          <p:nvPr>
-            <p:ph type="title"/>
-          </p:nvPr>
-        </p:nvSpPr>
-        <p:spPr>
-          <a:xfrm>
-            <a:off x="457200" y="205980"/>
-            <a:ext cx="8229600" cy="857251"/>
-          </a:xfrm>
-        </p:spPr>
-        <p:txBody>
-          <a:bodyPr/>
-          <a:lstStyle/>
-          <a:p>
-            <a:r>
-              <a:rPr lang="en-US" b="1" dirty="0" err="1">
-                <a:solidFill>
-                  <a:srgbClr val="0070C0"/>
-                </a:solidFill>
-              </a:rPr>
-              <a:t>Referências</a:t>
-            </a:r>
-            <a:r>
-              <a:rPr lang="en-US" b="1" dirty="0">
-                <a:solidFill>
-                  <a:srgbClr val="0070C0"/>
-                </a:solidFill>
-              </a:rPr>
-              <a:t> </a:t>
-            </a:r>
-            <a:r>
-              <a:rPr lang="en-US" b="1" dirty="0" err="1">
-                <a:solidFill>
-                  <a:srgbClr val="0070C0"/>
-                </a:solidFill>
-              </a:rPr>
-              <a:t>Bibliográficas</a:t>
-            </a:r>
-            <a:endParaRPr lang="en-US" b="1" dirty="0">
-              <a:solidFill>
-                <a:srgbClr val="0070C0"/>
-              </a:solidFill>
-            </a:endParaRPr>
-          </a:p>
-        </p:txBody>
-      </p:sp>
-      <p:sp>
-        <p:nvSpPr>
-          <p:cNvPr id="8" name="Text Placeholder 2"/>
-          <p:cNvSpPr>
-            <a:spLocks noGrp="1"/>
-          </p:cNvSpPr>
-          <p:nvPr>
-            <p:ph type="body" sz="half" idx="1"/>
-          </p:nvPr>
-        </p:nvSpPr>
-        <p:spPr>
-          <a:xfrm>
-            <a:off x="142865" y="1116712"/>
-            <a:ext cx="8865056" cy="3833334"/>
-          </a:xfrm>
-        </p:spPr>
-        <p:txBody>
-          <a:bodyPr>
-            <a:noAutofit/>
-          </a:bodyPr>
-          <a:lstStyle/>
-          <a:p>
-            <a:pPr algn="just" eaLnBrk="0" hangingPunct="0"/>
-            <a:r>
-              <a:rPr lang="pt-BR" sz="1800" b="1" u="sng" dirty="0">
-                <a:solidFill>
-                  <a:schemeClr val="tx1"/>
-                </a:solidFill>
-                <a:latin typeface="Times New Roman" panose="02020603050405020304" pitchFamily="18" charset="0"/>
-                <a:cs typeface="Times New Roman" panose="02020603050405020304" pitchFamily="18" charset="0"/>
-              </a:rPr>
-              <a:t>BÁSICA</a:t>
-            </a:r>
-          </a:p>
-          <a:p>
-            <a:pPr marL="0" indent="0" algn="just" eaLnBrk="0" hangingPunct="0">
-              <a:buNone/>
-            </a:pPr>
-            <a:endParaRPr lang="pt-BR" sz="1600" dirty="0">
-              <a:solidFill>
-                <a:schemeClr val="tx1"/>
-              </a:solidFill>
-              <a:latin typeface="Times New Roman" panose="02020603050405020304" pitchFamily="18" charset="0"/>
-              <a:cs typeface="Times New Roman" panose="02020603050405020304" pitchFamily="18" charset="0"/>
-            </a:endParaRPr>
-          </a:p>
-          <a:p>
-            <a:pPr marL="0" indent="0" algn="just" eaLnBrk="0" hangingPunct="0">
-              <a:buNone/>
-            </a:pPr>
-            <a:r>
-              <a:rPr lang="pt-BR" sz="1600" dirty="0">
-                <a:solidFill>
-                  <a:schemeClr val="tx1"/>
-                </a:solidFill>
-                <a:latin typeface="Times New Roman" panose="02020603050405020304" pitchFamily="18" charset="0"/>
-                <a:cs typeface="Times New Roman" panose="02020603050405020304" pitchFamily="18" charset="0"/>
-              </a:rPr>
-              <a:t>	</a:t>
-            </a:r>
-            <a:r>
-              <a:rPr lang="pt-BR" sz="1600" b="1" dirty="0">
-                <a:solidFill>
-                  <a:srgbClr val="FF0000"/>
-                </a:solidFill>
-                <a:latin typeface="Times New Roman" panose="02020603050405020304" pitchFamily="18" charset="0"/>
-                <a:cs typeface="Times New Roman" panose="02020603050405020304" pitchFamily="18" charset="0"/>
-              </a:rPr>
-              <a:t>MONTGOMERY, Eduard</a:t>
-            </a:r>
-            <a:r>
-              <a:rPr lang="pt-BR" sz="1600" dirty="0">
-                <a:solidFill>
-                  <a:schemeClr val="tx1"/>
-                </a:solidFill>
-                <a:latin typeface="Times New Roman" panose="02020603050405020304" pitchFamily="18" charset="0"/>
-                <a:cs typeface="Times New Roman" panose="02020603050405020304" pitchFamily="18" charset="0"/>
-              </a:rPr>
-              <a:t>. Animação Gráfica no </a:t>
-            </a:r>
-            <a:r>
-              <a:rPr lang="pt-BR" sz="1600" dirty="0" err="1">
-                <a:solidFill>
-                  <a:schemeClr val="tx1"/>
-                </a:solidFill>
-                <a:latin typeface="Times New Roman" panose="02020603050405020304" pitchFamily="18" charset="0"/>
-                <a:cs typeface="Times New Roman" panose="02020603050405020304" pitchFamily="18" charset="0"/>
-              </a:rPr>
-              <a:t>Pc</a:t>
-            </a:r>
-            <a:r>
-              <a:rPr lang="pt-BR" sz="1600" dirty="0">
-                <a:solidFill>
-                  <a:schemeClr val="tx1"/>
-                </a:solidFill>
-                <a:latin typeface="Times New Roman" panose="02020603050405020304" pitchFamily="18" charset="0"/>
-                <a:cs typeface="Times New Roman" panose="02020603050405020304" pitchFamily="18" charset="0"/>
-              </a:rPr>
-              <a:t> Baseada em C para Windows. Rio de Janeiro:</a:t>
-            </a:r>
-          </a:p>
-          <a:p>
-            <a:pPr marL="0" indent="0" algn="just" eaLnBrk="0" hangingPunct="0">
-              <a:buNone/>
-            </a:pPr>
-            <a:r>
-              <a:rPr lang="pt-BR" sz="1600" dirty="0">
-                <a:solidFill>
-                  <a:schemeClr val="tx1"/>
-                </a:solidFill>
-                <a:latin typeface="Times New Roman" panose="02020603050405020304" pitchFamily="18" charset="0"/>
-                <a:cs typeface="Times New Roman" panose="02020603050405020304" pitchFamily="18" charset="0"/>
-              </a:rPr>
-              <a:t>Pioneira, 2005. </a:t>
-            </a:r>
-          </a:p>
-          <a:p>
-            <a:pPr marL="0" indent="0" algn="just" eaLnBrk="0" hangingPunct="0">
-              <a:buNone/>
-            </a:pPr>
-            <a:endParaRPr lang="pt-BR" sz="1600" dirty="0">
-              <a:solidFill>
-                <a:schemeClr val="tx1"/>
-              </a:solidFill>
-              <a:latin typeface="Times New Roman" panose="02020603050405020304" pitchFamily="18" charset="0"/>
-              <a:cs typeface="Times New Roman" panose="02020603050405020304" pitchFamily="18" charset="0"/>
-            </a:endParaRPr>
-          </a:p>
-          <a:p>
-            <a:pPr marL="0" indent="0" algn="just" eaLnBrk="0" hangingPunct="0">
-              <a:buNone/>
-            </a:pPr>
-            <a:r>
-              <a:rPr lang="pt-BR" sz="1600" dirty="0">
-                <a:solidFill>
-                  <a:schemeClr val="tx1"/>
-                </a:solidFill>
-                <a:latin typeface="Times New Roman" panose="02020603050405020304" pitchFamily="18" charset="0"/>
-                <a:cs typeface="Times New Roman" panose="02020603050405020304" pitchFamily="18" charset="0"/>
-              </a:rPr>
-              <a:t>	</a:t>
-            </a:r>
-          </a:p>
-        </p:txBody>
-      </p:sp>
-      <p:cxnSp>
-        <p:nvCxnSpPr>
-          <p:cNvPr id="4" name="Conector reto 3">
-            <a:extLst>
-              <a:ext uri="{FF2B5EF4-FFF2-40B4-BE49-F238E27FC236}">
-                <a16:creationId xmlns:a16="http://schemas.microsoft.com/office/drawing/2014/main" id="{53C1D5BE-B08D-43BA-9100-4319F7669DAD}"/>
-              </a:ext>
-            </a:extLst>
-          </p:cNvPr>
-          <p:cNvCxnSpPr>
-            <a:cxnSpLocks/>
-          </p:cNvCxnSpPr>
-          <p:nvPr/>
-        </p:nvCxnSpPr>
-        <p:spPr>
-          <a:xfrm flipV="1">
-            <a:off x="310728" y="902136"/>
-            <a:ext cx="8699160" cy="40954"/>
-          </a:xfrm>
-          <a:prstGeom prst="line">
-            <a:avLst/>
-          </a:prstGeom>
-          <a:ln w="38100">
-            <a:headEnd type="none" w="med" len="med"/>
-            <a:tailEnd type="none" w="med" len="med"/>
-          </a:ln>
-          <a:scene3d>
-            <a:camera prst="orthographicFront"/>
-            <a:lightRig rig="threePt" dir="t"/>
-          </a:scene3d>
-          <a:sp3d>
-            <a:bevelT prst="convex"/>
-          </a:sp3d>
-        </p:spPr>
-        <p:style>
-          <a:lnRef idx="3">
-            <a:schemeClr val="accent1"/>
-          </a:lnRef>
-          <a:fillRef idx="0">
-            <a:schemeClr val="accent1"/>
-          </a:fillRef>
-          <a:effectRef idx="2">
-            <a:schemeClr val="accent1"/>
-          </a:effectRef>
-          <a:fontRef idx="minor">
-            <a:schemeClr val="tx1"/>
-          </a:fontRef>
-        </p:style>
-      </p:cxnSp>
-    </p:spTree>
-    <p:extLst>
-      <p:ext uri="{BB962C8B-B14F-4D97-AF65-F5344CB8AC3E}">
-        <p14:creationId xmlns:p14="http://schemas.microsoft.com/office/powerpoint/2010/main" val="3363891325"/>
-      </p:ext>
-    </p:extLst>
-  </p:cSld>
-  <p:clrMapOvr>
-    <a:masterClrMapping/>
-  </p:clrMapOvr>
-  <p:transition spd="med"/>
-</p:sld>
-</file>
-
-<file path=ppt/slides/slide19.xml><?xml version="1.0" encoding="utf-8"?>
-<p:sld xmlns:a="http://schemas.openxmlformats.org/drawingml/2006/main" xmlns:r="http://schemas.openxmlformats.org/officeDocument/2006/relationships" xmlns:p="http://schemas.openxmlformats.org/presentationml/2006/main">
-  <p:cSld>
-    <p:spTree>
-      <p:nvGrpSpPr>
-        <p:cNvPr id="1" name=""/>
-        <p:cNvGrpSpPr/>
-        <p:nvPr/>
-      </p:nvGrpSpPr>
-      <p:grpSpPr>
-        <a:xfrm>
-          <a:off x="0" y="0"/>
-          <a:ext cx="0" cy="0"/>
-          <a:chOff x="0" y="0"/>
-          <a:chExt cx="0" cy="0"/>
-        </a:xfrm>
-      </p:grpSpPr>
-      <p:sp>
-        <p:nvSpPr>
-          <p:cNvPr id="6" name="Title 1"/>
-          <p:cNvSpPr>
-            <a:spLocks noGrp="1"/>
-          </p:cNvSpPr>
-          <p:nvPr>
-            <p:ph type="title"/>
-          </p:nvPr>
-        </p:nvSpPr>
-        <p:spPr>
-          <a:xfrm>
-            <a:off x="457200" y="205980"/>
-            <a:ext cx="8229600" cy="857251"/>
-          </a:xfrm>
-        </p:spPr>
-        <p:txBody>
-          <a:bodyPr/>
-          <a:lstStyle/>
-          <a:p>
-            <a:r>
-              <a:rPr lang="en-US" b="1" dirty="0" err="1">
-                <a:solidFill>
-                  <a:srgbClr val="0070C0"/>
-                </a:solidFill>
-              </a:rPr>
-              <a:t>Referências</a:t>
-            </a:r>
-            <a:r>
-              <a:rPr lang="en-US" b="1" dirty="0">
-                <a:solidFill>
-                  <a:srgbClr val="0070C0"/>
-                </a:solidFill>
-              </a:rPr>
-              <a:t> </a:t>
-            </a:r>
-            <a:r>
-              <a:rPr lang="en-US" b="1" dirty="0" err="1">
-                <a:solidFill>
-                  <a:srgbClr val="0070C0"/>
-                </a:solidFill>
-              </a:rPr>
-              <a:t>Bibliográficas</a:t>
-            </a:r>
-            <a:endParaRPr lang="en-US" b="1" dirty="0">
-              <a:solidFill>
-                <a:srgbClr val="0070C0"/>
-              </a:solidFill>
-            </a:endParaRPr>
-          </a:p>
-        </p:txBody>
-      </p:sp>
-      <p:sp>
-        <p:nvSpPr>
-          <p:cNvPr id="8" name="Text Placeholder 2"/>
-          <p:cNvSpPr>
-            <a:spLocks noGrp="1"/>
-          </p:cNvSpPr>
-          <p:nvPr>
-            <p:ph type="body" sz="half" idx="1"/>
-          </p:nvPr>
-        </p:nvSpPr>
-        <p:spPr>
-          <a:xfrm>
-            <a:off x="142865" y="1104186"/>
-            <a:ext cx="8865056" cy="3833334"/>
-          </a:xfrm>
-        </p:spPr>
-        <p:txBody>
-          <a:bodyPr>
-            <a:noAutofit/>
-          </a:bodyPr>
-          <a:lstStyle/>
-          <a:p>
-            <a:pPr algn="just" eaLnBrk="0" hangingPunct="0"/>
-            <a:r>
-              <a:rPr lang="pt-BR" sz="1800" b="1" u="sng" dirty="0">
-                <a:solidFill>
-                  <a:schemeClr val="tx1"/>
-                </a:solidFill>
-                <a:latin typeface="Times New Roman" panose="02020603050405020304" pitchFamily="18" charset="0"/>
-                <a:cs typeface="Times New Roman" panose="02020603050405020304" pitchFamily="18" charset="0"/>
-              </a:rPr>
-              <a:t>COMPLEMENTAR</a:t>
-            </a:r>
-          </a:p>
-          <a:p>
-            <a:pPr marL="0" indent="0" algn="just" eaLnBrk="0" hangingPunct="0">
-              <a:buNone/>
-            </a:pPr>
-            <a:endParaRPr lang="pt-BR" altLang="pt-BR" sz="1600" b="1" dirty="0">
-              <a:solidFill>
-                <a:schemeClr val="tx1"/>
-              </a:solidFill>
-              <a:latin typeface="Times New Roman" panose="02020603050405020304" pitchFamily="18" charset="0"/>
-              <a:cs typeface="Times New Roman" panose="02020603050405020304" pitchFamily="18" charset="0"/>
-            </a:endParaRPr>
-          </a:p>
-          <a:p>
-            <a:pPr marL="0" indent="0" algn="just" eaLnBrk="0" hangingPunct="0">
-              <a:buNone/>
-            </a:pPr>
-            <a:endParaRPr lang="pt-BR" altLang="pt-BR" sz="1600" b="1" dirty="0">
-              <a:solidFill>
-                <a:schemeClr val="tx1"/>
-              </a:solidFill>
-              <a:latin typeface="Times New Roman" panose="02020603050405020304" pitchFamily="18" charset="0"/>
-              <a:cs typeface="Times New Roman" panose="02020603050405020304" pitchFamily="18" charset="0"/>
-            </a:endParaRPr>
-          </a:p>
-          <a:p>
-            <a:pPr marL="0" indent="0" algn="just" eaLnBrk="0" hangingPunct="0">
-              <a:buNone/>
-            </a:pPr>
-            <a:r>
-              <a:rPr lang="pt-BR" altLang="pt-BR" sz="1600" dirty="0">
-                <a:solidFill>
-                  <a:schemeClr val="tx1"/>
-                </a:solidFill>
-                <a:latin typeface="Times New Roman" panose="02020603050405020304" pitchFamily="18" charset="0"/>
-                <a:cs typeface="Times New Roman" panose="02020603050405020304" pitchFamily="18" charset="0"/>
-              </a:rPr>
-              <a:t>	</a:t>
-            </a:r>
-            <a:r>
-              <a:rPr lang="pt-BR" altLang="pt-BR" sz="1600" b="1" dirty="0">
-                <a:solidFill>
-                  <a:srgbClr val="FF0000"/>
-                </a:solidFill>
-                <a:latin typeface="Times New Roman" panose="02020603050405020304" pitchFamily="18" charset="0"/>
-                <a:cs typeface="Times New Roman" panose="02020603050405020304" pitchFamily="18" charset="0"/>
-              </a:rPr>
-              <a:t>FERNANDES, Amaury</a:t>
-            </a:r>
-            <a:r>
-              <a:rPr lang="pt-BR" altLang="pt-BR" sz="1600" dirty="0">
-                <a:solidFill>
-                  <a:schemeClr val="tx1"/>
-                </a:solidFill>
-                <a:latin typeface="Times New Roman" panose="02020603050405020304" pitchFamily="18" charset="0"/>
-                <a:cs typeface="Times New Roman" panose="02020603050405020304" pitchFamily="18" charset="0"/>
-              </a:rPr>
-              <a:t>. Fundamentos de Produção Gráfica para Quem Não e Produtor Gráfico. Rio</a:t>
-            </a:r>
-          </a:p>
-          <a:p>
-            <a:pPr marL="0" indent="0" algn="just" eaLnBrk="0" hangingPunct="0">
-              <a:buNone/>
-            </a:pPr>
-            <a:r>
-              <a:rPr lang="pt-BR" altLang="pt-BR" sz="1600" dirty="0">
-                <a:solidFill>
-                  <a:schemeClr val="tx1"/>
-                </a:solidFill>
-                <a:latin typeface="Times New Roman" panose="02020603050405020304" pitchFamily="18" charset="0"/>
-                <a:cs typeface="Times New Roman" panose="02020603050405020304" pitchFamily="18" charset="0"/>
-              </a:rPr>
-              <a:t>de Janeiro: , 2003. </a:t>
-            </a:r>
-          </a:p>
-          <a:p>
-            <a:pPr marL="0" indent="0" algn="just" eaLnBrk="0" hangingPunct="0">
-              <a:buNone/>
-            </a:pPr>
-            <a:endParaRPr lang="pt-BR" altLang="pt-BR" sz="1600" dirty="0">
-              <a:solidFill>
-                <a:schemeClr val="tx1"/>
-              </a:solidFill>
-              <a:latin typeface="Times New Roman" panose="02020603050405020304" pitchFamily="18" charset="0"/>
-              <a:cs typeface="Times New Roman" panose="02020603050405020304" pitchFamily="18" charset="0"/>
-            </a:endParaRPr>
-          </a:p>
-        </p:txBody>
-      </p:sp>
-      <p:cxnSp>
-        <p:nvCxnSpPr>
-          <p:cNvPr id="4" name="Conector reto 3">
-            <a:extLst>
-              <a:ext uri="{FF2B5EF4-FFF2-40B4-BE49-F238E27FC236}">
-                <a16:creationId xmlns:a16="http://schemas.microsoft.com/office/drawing/2014/main" id="{53C1D5BE-B08D-43BA-9100-4319F7669DAD}"/>
-              </a:ext>
-            </a:extLst>
-          </p:cNvPr>
-          <p:cNvCxnSpPr>
-            <a:cxnSpLocks/>
-          </p:cNvCxnSpPr>
-          <p:nvPr/>
-        </p:nvCxnSpPr>
-        <p:spPr>
-          <a:xfrm flipV="1">
-            <a:off x="310728" y="902136"/>
-            <a:ext cx="8699160" cy="40954"/>
-          </a:xfrm>
-          <a:prstGeom prst="line">
-            <a:avLst/>
-          </a:prstGeom>
-          <a:ln w="38100">
-            <a:headEnd type="none" w="med" len="med"/>
-            <a:tailEnd type="none" w="med" len="med"/>
-          </a:ln>
-          <a:scene3d>
-            <a:camera prst="orthographicFront"/>
-            <a:lightRig rig="threePt" dir="t"/>
-          </a:scene3d>
-          <a:sp3d>
-            <a:bevelT prst="convex"/>
-          </a:sp3d>
-        </p:spPr>
-        <p:style>
-          <a:lnRef idx="3">
-            <a:schemeClr val="accent1"/>
-          </a:lnRef>
-          <a:fillRef idx="0">
-            <a:schemeClr val="accent1"/>
-          </a:fillRef>
-          <a:effectRef idx="2">
-            <a:schemeClr val="accent1"/>
-          </a:effectRef>
-          <a:fontRef idx="minor">
-            <a:schemeClr val="tx1"/>
-          </a:fontRef>
-        </p:style>
-      </p:cxnSp>
-    </p:spTree>
-    <p:extLst>
-      <p:ext uri="{BB962C8B-B14F-4D97-AF65-F5344CB8AC3E}">
-        <p14:creationId xmlns:p14="http://schemas.microsoft.com/office/powerpoint/2010/main" val="3489589337"/>
-      </p:ext>
-    </p:extLst>
-  </p:cSld>
-  <p:clrMapOvr>
-    <a:masterClrMapping/>
-  </p:clrMapOvr>
-  <p:transition spd="med"/>
-</p:sld>
-</file>
-
 <file path=ppt/slides/slide2.xml><?xml version="1.0" encoding="utf-8"?>
 <p:sld xmlns:a="http://schemas.openxmlformats.org/drawingml/2006/main" xmlns:r="http://schemas.openxmlformats.org/officeDocument/2006/relationships" xmlns:p="http://schemas.openxmlformats.org/presentationml/2006/main">
   <p:cSld>
@@ -15874,6 +16204,17 @@
               <a:t>. Heleno Cardoso</a:t>
             </a:r>
           </a:p>
+          <a:p>
+            <a:pPr algn="r" hangingPunct="1"/>
+            <a:r>
+              <a:rPr lang="pt-BR" sz="2000" b="1" dirty="0">
+                <a:solidFill>
+                  <a:schemeClr val="bg1"/>
+                </a:solidFill>
+              </a:rPr>
+              <a:t>E-mail: helenocardosofilho@gmail.com</a:t>
+            </a:r>
+          </a:p>
         </p:txBody>
       </p:sp>
       <p:sp>
@@ -16237,6 +16578,1763 @@
 </file>
 
 <file path=ppt/slides/slide20.xml><?xml version="1.0" encoding="utf-8"?>
+<p:sld xmlns:a="http://schemas.openxmlformats.org/drawingml/2006/main" xmlns:r="http://schemas.openxmlformats.org/officeDocument/2006/relationships" xmlns:p="http://schemas.openxmlformats.org/presentationml/2006/main">
+  <p:cSld>
+    <p:spTree>
+      <p:nvGrpSpPr>
+        <p:cNvPr id="1" name=""/>
+        <p:cNvGrpSpPr/>
+        <p:nvPr/>
+      </p:nvGrpSpPr>
+      <p:grpSpPr>
+        <a:xfrm>
+          <a:off x="0" y="0"/>
+          <a:ext cx="0" cy="0"/>
+          <a:chOff x="0" y="0"/>
+          <a:chExt cx="0" cy="0"/>
+        </a:xfrm>
+      </p:grpSpPr>
+      <p:sp>
+        <p:nvSpPr>
+          <p:cNvPr id="2" name="Título 1">
+            <a:extLst>
+              <a:ext uri="{FF2B5EF4-FFF2-40B4-BE49-F238E27FC236}">
+                <a16:creationId xmlns:a16="http://schemas.microsoft.com/office/drawing/2014/main" id="{BE70F8CA-DC02-4D15-8261-E003DFCF721F}"/>
+              </a:ext>
+            </a:extLst>
+          </p:cNvPr>
+          <p:cNvSpPr>
+            <a:spLocks noGrp="1"/>
+          </p:cNvSpPr>
+          <p:nvPr>
+            <p:ph type="title"/>
+          </p:nvPr>
+        </p:nvSpPr>
+        <p:spPr>
+          <a:xfrm>
+            <a:off x="822960" y="214953"/>
+            <a:ext cx="7543800" cy="1088068"/>
+          </a:xfrm>
+        </p:spPr>
+        <p:txBody>
+          <a:bodyPr>
+            <a:normAutofit/>
+          </a:bodyPr>
+          <a:lstStyle/>
+          <a:p>
+            <a:pPr defTabSz="336947">
+              <a:defRPr/>
+            </a:pPr>
+            <a:r>
+              <a:rPr lang="en-US" sz="4400" b="1" dirty="0" err="1">
+                <a:solidFill>
+                  <a:srgbClr val="0070C0"/>
+                </a:solidFill>
+              </a:rPr>
+              <a:t>Datas</a:t>
+            </a:r>
+            <a:r>
+              <a:rPr lang="en-US" sz="4400" b="1" dirty="0">
+                <a:solidFill>
+                  <a:srgbClr val="0070C0"/>
+                </a:solidFill>
+              </a:rPr>
+              <a:t> </a:t>
+            </a:r>
+            <a:r>
+              <a:rPr lang="en-US" sz="4400" b="1" dirty="0" err="1">
+                <a:solidFill>
+                  <a:srgbClr val="0070C0"/>
+                </a:solidFill>
+              </a:rPr>
+              <a:t>Avaliativas</a:t>
+            </a:r>
+            <a:r>
+              <a:rPr lang="en-US" sz="4400" b="1" dirty="0">
+                <a:solidFill>
+                  <a:srgbClr val="0070C0"/>
+                </a:solidFill>
+              </a:rPr>
+              <a:t> 2023.2</a:t>
+            </a:r>
+            <a:endParaRPr lang="en-US" sz="2400" dirty="0">
+              <a:latin typeface="Calibri"/>
+              <a:cs typeface="Calibri"/>
+            </a:endParaRPr>
+          </a:p>
+        </p:txBody>
+      </p:sp>
+      <p:sp>
+        <p:nvSpPr>
+          <p:cNvPr id="3" name="Espaço Reservado para Conteúdo 2">
+            <a:extLst>
+              <a:ext uri="{FF2B5EF4-FFF2-40B4-BE49-F238E27FC236}">
+                <a16:creationId xmlns:a16="http://schemas.microsoft.com/office/drawing/2014/main" id="{9E0854B4-920E-4A2E-8691-75CA4973B341}"/>
+              </a:ext>
+            </a:extLst>
+          </p:cNvPr>
+          <p:cNvSpPr>
+            <a:spLocks noGrp="1"/>
+          </p:cNvSpPr>
+          <p:nvPr>
+            <p:ph idx="1"/>
+          </p:nvPr>
+        </p:nvSpPr>
+        <p:spPr/>
+        <p:txBody>
+          <a:bodyPr>
+            <a:normAutofit/>
+          </a:bodyPr>
+          <a:lstStyle/>
+          <a:p>
+            <a:r>
+              <a:rPr lang="pt-BR" sz="2000" b="1" dirty="0">
+                <a:solidFill>
+                  <a:schemeClr val="tx1"/>
+                </a:solidFill>
+                <a:latin typeface="Times New Roman" panose="02020603050405020304" pitchFamily="18" charset="0"/>
+                <a:cs typeface="Times New Roman" panose="02020603050405020304" pitchFamily="18" charset="0"/>
+              </a:rPr>
+              <a:t>Avaliando o Aprendizado 1 (Presencial):</a:t>
+            </a:r>
+            <a:r>
+              <a:rPr lang="pt-BR" sz="2000" dirty="0">
+                <a:solidFill>
+                  <a:schemeClr val="tx1"/>
+                </a:solidFill>
+                <a:latin typeface="Times New Roman" panose="02020603050405020304" pitchFamily="18" charset="0"/>
+                <a:cs typeface="Times New Roman" panose="02020603050405020304" pitchFamily="18" charset="0"/>
+              </a:rPr>
+              <a:t> </a:t>
+            </a:r>
+            <a:r>
+              <a:rPr lang="pt-BR" sz="2000" b="1" dirty="0">
+                <a:solidFill>
+                  <a:srgbClr val="FF0000"/>
+                </a:solidFill>
+                <a:latin typeface="Times New Roman" panose="02020603050405020304" pitchFamily="18" charset="0"/>
+                <a:cs typeface="Times New Roman" panose="02020603050405020304" pitchFamily="18" charset="0"/>
+              </a:rPr>
+              <a:t>Final</a:t>
+            </a:r>
+            <a:r>
+              <a:rPr lang="pt-BR" sz="2000" dirty="0">
+                <a:solidFill>
+                  <a:schemeClr val="tx1"/>
+                </a:solidFill>
+                <a:latin typeface="Times New Roman" panose="02020603050405020304" pitchFamily="18" charset="0"/>
+                <a:cs typeface="Times New Roman" panose="02020603050405020304" pitchFamily="18" charset="0"/>
+              </a:rPr>
+              <a:t>/SETEMBRO</a:t>
+            </a:r>
+          </a:p>
+          <a:p>
+            <a:endParaRPr lang="pt-BR" sz="2000" b="1" dirty="0">
+              <a:solidFill>
+                <a:schemeClr val="tx1"/>
+              </a:solidFill>
+              <a:latin typeface="Times New Roman" panose="02020603050405020304" pitchFamily="18" charset="0"/>
+              <a:cs typeface="Times New Roman" panose="02020603050405020304" pitchFamily="18" charset="0"/>
+            </a:endParaRPr>
+          </a:p>
+          <a:p>
+            <a:r>
+              <a:rPr lang="pt-BR" sz="2000" b="1" dirty="0">
+                <a:solidFill>
+                  <a:schemeClr val="tx1"/>
+                </a:solidFill>
+                <a:latin typeface="Times New Roman" panose="02020603050405020304" pitchFamily="18" charset="0"/>
+                <a:cs typeface="Times New Roman" panose="02020603050405020304" pitchFamily="18" charset="0"/>
+              </a:rPr>
+              <a:t>Avaliando o Aprendizado 2 (Online):</a:t>
+            </a:r>
+            <a:r>
+              <a:rPr lang="pt-BR" sz="2000" dirty="0">
+                <a:solidFill>
+                  <a:schemeClr val="tx1"/>
+                </a:solidFill>
+                <a:latin typeface="Times New Roman" panose="02020603050405020304" pitchFamily="18" charset="0"/>
+                <a:cs typeface="Times New Roman" panose="02020603050405020304" pitchFamily="18" charset="0"/>
+              </a:rPr>
+              <a:t> </a:t>
+            </a:r>
+            <a:r>
+              <a:rPr lang="pt-BR" sz="2000" b="1" dirty="0">
+                <a:solidFill>
+                  <a:srgbClr val="FF0000"/>
+                </a:solidFill>
+                <a:latin typeface="Times New Roman" panose="02020603050405020304" pitchFamily="18" charset="0"/>
+                <a:cs typeface="Times New Roman" panose="02020603050405020304" pitchFamily="18" charset="0"/>
+              </a:rPr>
+              <a:t>02/OUT A 05/NOV</a:t>
+            </a:r>
+          </a:p>
+          <a:p>
+            <a:endParaRPr lang="pt-BR" sz="2000" b="1" dirty="0">
+              <a:solidFill>
+                <a:schemeClr val="tx1"/>
+              </a:solidFill>
+              <a:latin typeface="Times New Roman" panose="02020603050405020304" pitchFamily="18" charset="0"/>
+              <a:cs typeface="Times New Roman" panose="02020603050405020304" pitchFamily="18" charset="0"/>
+            </a:endParaRPr>
+          </a:p>
+          <a:p>
+            <a:r>
+              <a:rPr lang="pt-BR" sz="2000" b="1" dirty="0">
+                <a:solidFill>
+                  <a:schemeClr val="tx1"/>
+                </a:solidFill>
+                <a:latin typeface="Times New Roman" panose="02020603050405020304" pitchFamily="18" charset="0"/>
+                <a:cs typeface="Times New Roman" panose="02020603050405020304" pitchFamily="18" charset="0"/>
+              </a:rPr>
+              <a:t>AV (Presencial):</a:t>
+            </a:r>
+            <a:r>
+              <a:rPr lang="pt-BR" sz="2000" dirty="0">
+                <a:solidFill>
+                  <a:schemeClr val="tx1"/>
+                </a:solidFill>
+                <a:latin typeface="Times New Roman" panose="02020603050405020304" pitchFamily="18" charset="0"/>
+                <a:cs typeface="Times New Roman" panose="02020603050405020304" pitchFamily="18" charset="0"/>
+              </a:rPr>
+              <a:t> </a:t>
+            </a:r>
+            <a:r>
+              <a:rPr lang="pt-BR" sz="2000" b="1" dirty="0">
+                <a:solidFill>
+                  <a:srgbClr val="FF0000"/>
+                </a:solidFill>
+                <a:latin typeface="Times New Roman" panose="02020603050405020304" pitchFamily="18" charset="0"/>
+                <a:cs typeface="Times New Roman" panose="02020603050405020304" pitchFamily="18" charset="0"/>
+              </a:rPr>
+              <a:t>Início</a:t>
+            </a:r>
+            <a:r>
+              <a:rPr lang="pt-BR" sz="2000" dirty="0">
+                <a:solidFill>
+                  <a:schemeClr val="tx1"/>
+                </a:solidFill>
+                <a:latin typeface="Times New Roman" panose="02020603050405020304" pitchFamily="18" charset="0"/>
+                <a:cs typeface="Times New Roman" panose="02020603050405020304" pitchFamily="18" charset="0"/>
+              </a:rPr>
+              <a:t>/NOVEMBRO</a:t>
+            </a:r>
+          </a:p>
+          <a:p>
+            <a:endParaRPr lang="pt-BR" sz="2000" b="1" dirty="0">
+              <a:solidFill>
+                <a:srgbClr val="002060"/>
+              </a:solidFill>
+              <a:latin typeface="Times New Roman" panose="02020603050405020304" pitchFamily="18" charset="0"/>
+              <a:cs typeface="Times New Roman" panose="02020603050405020304" pitchFamily="18" charset="0"/>
+            </a:endParaRPr>
+          </a:p>
+          <a:p>
+            <a:r>
+              <a:rPr lang="pt-BR" sz="2000" b="1" dirty="0">
+                <a:solidFill>
+                  <a:srgbClr val="002060"/>
+                </a:solidFill>
+                <a:latin typeface="Times New Roman" panose="02020603050405020304" pitchFamily="18" charset="0"/>
+                <a:cs typeface="Times New Roman" panose="02020603050405020304" pitchFamily="18" charset="0"/>
+              </a:rPr>
+              <a:t>FIM DO SEMESTRE LETIVO:</a:t>
+            </a:r>
+            <a:r>
+              <a:rPr lang="pt-BR" sz="2000" dirty="0">
+                <a:solidFill>
+                  <a:schemeClr val="tx1"/>
+                </a:solidFill>
+                <a:latin typeface="Times New Roman" panose="02020603050405020304" pitchFamily="18" charset="0"/>
+                <a:cs typeface="Times New Roman" panose="02020603050405020304" pitchFamily="18" charset="0"/>
+              </a:rPr>
+              <a:t> </a:t>
+            </a:r>
+            <a:r>
+              <a:rPr lang="pt-BR" sz="2000" b="1" dirty="0">
+                <a:solidFill>
+                  <a:srgbClr val="FF0000"/>
+                </a:solidFill>
+                <a:latin typeface="Times New Roman" panose="02020603050405020304" pitchFamily="18" charset="0"/>
+                <a:cs typeface="Times New Roman" panose="02020603050405020304" pitchFamily="18" charset="0"/>
+              </a:rPr>
+              <a:t>07/DEZEMBRO</a:t>
+            </a:r>
+          </a:p>
+        </p:txBody>
+      </p:sp>
+      <p:sp>
+        <p:nvSpPr>
+          <p:cNvPr id="6" name="Espaço Reservado para Número de Slide 5">
+            <a:extLst>
+              <a:ext uri="{FF2B5EF4-FFF2-40B4-BE49-F238E27FC236}">
+                <a16:creationId xmlns:a16="http://schemas.microsoft.com/office/drawing/2014/main" id="{391249D3-C59D-41E6-AF88-D8DF193EA7EB}"/>
+              </a:ext>
+            </a:extLst>
+          </p:cNvPr>
+          <p:cNvSpPr>
+            <a:spLocks noGrp="1"/>
+          </p:cNvSpPr>
+          <p:nvPr>
+            <p:ph type="sldNum" sz="quarter" idx="12"/>
+          </p:nvPr>
+        </p:nvSpPr>
+        <p:spPr>
+          <a:xfrm>
+            <a:off x="8424556" y="4765688"/>
+            <a:ext cx="262247" cy="276995"/>
+          </a:xfrm>
+        </p:spPr>
+        <p:txBody>
+          <a:bodyPr/>
+          <a:lstStyle/>
+          <a:p>
+            <a:fld id="{E50FAC2A-6E90-4BEA-B3BF-15B8E63C5B7E}" type="slidenum">
+              <a:rPr lang="pt-BR" smtClean="0"/>
+              <a:pPr/>
+              <a:t>20</a:t>
+            </a:fld>
+            <a:endParaRPr lang="pt-BR"/>
+          </a:p>
+        </p:txBody>
+      </p:sp>
+    </p:spTree>
+    <p:extLst>
+      <p:ext uri="{BB962C8B-B14F-4D97-AF65-F5344CB8AC3E}">
+        <p14:creationId xmlns:p14="http://schemas.microsoft.com/office/powerpoint/2010/main" val="2726569474"/>
+      </p:ext>
+    </p:extLst>
+  </p:cSld>
+  <p:clrMapOvr>
+    <a:masterClrMapping/>
+  </p:clrMapOvr>
+</p:sld>
+</file>
+
+<file path=ppt/slides/slide21.xml><?xml version="1.0" encoding="utf-8"?>
+<p:sld xmlns:a="http://schemas.openxmlformats.org/drawingml/2006/main" xmlns:r="http://schemas.openxmlformats.org/officeDocument/2006/relationships" xmlns:p="http://schemas.openxmlformats.org/presentationml/2006/main">
+  <p:cSld>
+    <p:spTree>
+      <p:nvGrpSpPr>
+        <p:cNvPr id="1" name=""/>
+        <p:cNvGrpSpPr/>
+        <p:nvPr/>
+      </p:nvGrpSpPr>
+      <p:grpSpPr>
+        <a:xfrm>
+          <a:off x="0" y="0"/>
+          <a:ext cx="0" cy="0"/>
+          <a:chOff x="0" y="0"/>
+          <a:chExt cx="0" cy="0"/>
+        </a:xfrm>
+      </p:grpSpPr>
+      <p:sp>
+        <p:nvSpPr>
+          <p:cNvPr id="6" name="Title 1"/>
+          <p:cNvSpPr>
+            <a:spLocks noGrp="1"/>
+          </p:cNvSpPr>
+          <p:nvPr>
+            <p:ph type="title"/>
+          </p:nvPr>
+        </p:nvSpPr>
+        <p:spPr>
+          <a:xfrm>
+            <a:off x="457200" y="205980"/>
+            <a:ext cx="8229600" cy="857251"/>
+          </a:xfrm>
+        </p:spPr>
+        <p:txBody>
+          <a:bodyPr/>
+          <a:lstStyle/>
+          <a:p>
+            <a:r>
+              <a:rPr lang="en-US" b="1" dirty="0" err="1">
+                <a:solidFill>
+                  <a:srgbClr val="0070C0"/>
+                </a:solidFill>
+              </a:rPr>
+              <a:t>Referências</a:t>
+            </a:r>
+            <a:r>
+              <a:rPr lang="en-US" b="1" dirty="0">
+                <a:solidFill>
+                  <a:srgbClr val="0070C0"/>
+                </a:solidFill>
+              </a:rPr>
+              <a:t> </a:t>
+            </a:r>
+            <a:r>
+              <a:rPr lang="en-US" b="1" dirty="0" err="1">
+                <a:solidFill>
+                  <a:srgbClr val="0070C0"/>
+                </a:solidFill>
+              </a:rPr>
+              <a:t>Bibliográficas</a:t>
+            </a:r>
+            <a:endParaRPr lang="en-US" b="1" dirty="0">
+              <a:solidFill>
+                <a:srgbClr val="0070C0"/>
+              </a:solidFill>
+            </a:endParaRPr>
+          </a:p>
+        </p:txBody>
+      </p:sp>
+      <p:sp>
+        <p:nvSpPr>
+          <p:cNvPr id="8" name="Text Placeholder 2"/>
+          <p:cNvSpPr>
+            <a:spLocks noGrp="1"/>
+          </p:cNvSpPr>
+          <p:nvPr>
+            <p:ph type="body" sz="half" idx="1"/>
+          </p:nvPr>
+        </p:nvSpPr>
+        <p:spPr>
+          <a:xfrm>
+            <a:off x="142865" y="1116712"/>
+            <a:ext cx="8865056" cy="3833334"/>
+          </a:xfrm>
+        </p:spPr>
+        <p:txBody>
+          <a:bodyPr>
+            <a:noAutofit/>
+          </a:bodyPr>
+          <a:lstStyle/>
+          <a:p>
+            <a:pPr algn="just" eaLnBrk="0" hangingPunct="0"/>
+            <a:r>
+              <a:rPr lang="pt-BR" sz="1800" b="1" u="sng" dirty="0">
+                <a:solidFill>
+                  <a:schemeClr val="tx1"/>
+                </a:solidFill>
+                <a:latin typeface="Times New Roman" panose="02020603050405020304" pitchFamily="18" charset="0"/>
+                <a:cs typeface="Times New Roman" panose="02020603050405020304" pitchFamily="18" charset="0"/>
+              </a:rPr>
+              <a:t>BÁSICA</a:t>
+            </a:r>
+          </a:p>
+          <a:p>
+            <a:pPr marL="0" indent="0" algn="just" eaLnBrk="0" hangingPunct="0">
+              <a:buNone/>
+            </a:pPr>
+            <a:endParaRPr lang="pt-BR" sz="1600" dirty="0">
+              <a:solidFill>
+                <a:schemeClr val="tx1"/>
+              </a:solidFill>
+              <a:latin typeface="Times New Roman" panose="02020603050405020304" pitchFamily="18" charset="0"/>
+              <a:cs typeface="Times New Roman" panose="02020603050405020304" pitchFamily="18" charset="0"/>
+            </a:endParaRPr>
+          </a:p>
+          <a:p>
+            <a:pPr marL="0" indent="0" algn="just" eaLnBrk="0" hangingPunct="0">
+              <a:buNone/>
+            </a:pPr>
+            <a:r>
+              <a:rPr lang="pt-BR" sz="1600" dirty="0">
+                <a:solidFill>
+                  <a:schemeClr val="tx1"/>
+                </a:solidFill>
+                <a:latin typeface="Times New Roman" panose="02020603050405020304" pitchFamily="18" charset="0"/>
+                <a:cs typeface="Times New Roman" panose="02020603050405020304" pitchFamily="18" charset="0"/>
+              </a:rPr>
+              <a:t>	</a:t>
+            </a:r>
+            <a:r>
+              <a:rPr lang="pt-BR" sz="1600" b="1" dirty="0">
+                <a:solidFill>
+                  <a:srgbClr val="FF0000"/>
+                </a:solidFill>
+                <a:latin typeface="Times New Roman" panose="02020603050405020304" pitchFamily="18" charset="0"/>
+                <a:cs typeface="Times New Roman" panose="02020603050405020304" pitchFamily="18" charset="0"/>
+              </a:rPr>
+              <a:t>ELMASRI, R.; NAVATHE</a:t>
+            </a:r>
+            <a:r>
+              <a:rPr lang="pt-BR" sz="1600" dirty="0">
+                <a:solidFill>
+                  <a:schemeClr val="tx1"/>
+                </a:solidFill>
+                <a:latin typeface="Times New Roman" panose="02020603050405020304" pitchFamily="18" charset="0"/>
+                <a:cs typeface="Times New Roman" panose="02020603050405020304" pitchFamily="18" charset="0"/>
+              </a:rPr>
+              <a:t>, S. Sistemas de banco de dados. 7. São Paulo: Pearson, 2018.</a:t>
+            </a:r>
+          </a:p>
+          <a:p>
+            <a:pPr marL="0" indent="0" algn="just" eaLnBrk="0" hangingPunct="0">
+              <a:buNone/>
+            </a:pPr>
+            <a:r>
+              <a:rPr lang="pt-BR" sz="1600" dirty="0">
+                <a:solidFill>
+                  <a:schemeClr val="tx1"/>
+                </a:solidFill>
+                <a:latin typeface="Times New Roman" panose="02020603050405020304" pitchFamily="18" charset="0"/>
+                <a:cs typeface="Times New Roman" panose="02020603050405020304" pitchFamily="18" charset="0"/>
+              </a:rPr>
+              <a:t>	</a:t>
+            </a:r>
+            <a:r>
+              <a:rPr lang="pt-BR" sz="1600" b="1" dirty="0">
+                <a:solidFill>
+                  <a:schemeClr val="tx1"/>
+                </a:solidFill>
+                <a:latin typeface="Times New Roman" panose="02020603050405020304" pitchFamily="18" charset="0"/>
+                <a:cs typeface="Times New Roman" panose="02020603050405020304" pitchFamily="18" charset="0"/>
+              </a:rPr>
+              <a:t>Disponível em</a:t>
+            </a:r>
+            <a:r>
+              <a:rPr lang="pt-BR" sz="1600" dirty="0">
+                <a:solidFill>
+                  <a:schemeClr val="tx1"/>
+                </a:solidFill>
+                <a:latin typeface="Times New Roman" panose="02020603050405020304" pitchFamily="18" charset="0"/>
+                <a:cs typeface="Times New Roman" panose="02020603050405020304" pitchFamily="18" charset="0"/>
+              </a:rPr>
+              <a:t>: </a:t>
+            </a:r>
+            <a:r>
+              <a:rPr lang="pt-BR" sz="1600" dirty="0">
+                <a:solidFill>
+                  <a:schemeClr val="tx1"/>
+                </a:solidFill>
+                <a:latin typeface="Times New Roman" panose="02020603050405020304" pitchFamily="18" charset="0"/>
+                <a:cs typeface="Times New Roman" panose="02020603050405020304" pitchFamily="18" charset="0"/>
+                <a:hlinkClick r:id="rId3"/>
+              </a:rPr>
+              <a:t>https://plataforma.bvirtual.com.br/Acervo/Publicacao/168492</a:t>
+            </a:r>
+            <a:r>
+              <a:rPr lang="pt-BR" sz="1600" dirty="0">
+                <a:solidFill>
+                  <a:schemeClr val="tx1"/>
+                </a:solidFill>
+                <a:latin typeface="Times New Roman" panose="02020603050405020304" pitchFamily="18" charset="0"/>
+                <a:cs typeface="Times New Roman" panose="02020603050405020304" pitchFamily="18" charset="0"/>
+              </a:rPr>
+              <a:t> </a:t>
+            </a:r>
+          </a:p>
+          <a:p>
+            <a:pPr marL="0" indent="0" algn="just" eaLnBrk="0" hangingPunct="0">
+              <a:buNone/>
+            </a:pPr>
+            <a:endParaRPr lang="pt-BR" sz="1600" dirty="0">
+              <a:solidFill>
+                <a:schemeClr val="tx1"/>
+              </a:solidFill>
+              <a:latin typeface="Times New Roman" panose="02020603050405020304" pitchFamily="18" charset="0"/>
+              <a:cs typeface="Times New Roman" panose="02020603050405020304" pitchFamily="18" charset="0"/>
+            </a:endParaRPr>
+          </a:p>
+          <a:p>
+            <a:pPr marL="0" indent="0" algn="just" eaLnBrk="0" hangingPunct="0">
+              <a:buNone/>
+            </a:pPr>
+            <a:r>
+              <a:rPr lang="pt-BR" sz="1600" dirty="0">
+                <a:solidFill>
+                  <a:schemeClr val="tx1"/>
+                </a:solidFill>
+                <a:latin typeface="Times New Roman" panose="02020603050405020304" pitchFamily="18" charset="0"/>
+                <a:cs typeface="Times New Roman" panose="02020603050405020304" pitchFamily="18" charset="0"/>
+              </a:rPr>
+              <a:t>	</a:t>
+            </a:r>
+            <a:r>
+              <a:rPr lang="pt-BR" sz="1600" b="1" dirty="0">
+                <a:solidFill>
+                  <a:srgbClr val="FF0000"/>
+                </a:solidFill>
+                <a:latin typeface="Times New Roman" panose="02020603050405020304" pitchFamily="18" charset="0"/>
+                <a:cs typeface="Times New Roman" panose="02020603050405020304" pitchFamily="18" charset="0"/>
+              </a:rPr>
+              <a:t>HEUSER, C</a:t>
+            </a:r>
+            <a:r>
+              <a:rPr lang="pt-BR" sz="1600" dirty="0">
+                <a:solidFill>
+                  <a:schemeClr val="tx1"/>
+                </a:solidFill>
+                <a:latin typeface="Times New Roman" panose="02020603050405020304" pitchFamily="18" charset="0"/>
+                <a:cs typeface="Times New Roman" panose="02020603050405020304" pitchFamily="18" charset="0"/>
+              </a:rPr>
+              <a:t>. Projeto de banco de dados. 6. Porto Alegre: Artmed, 2009.</a:t>
+            </a:r>
+          </a:p>
+          <a:p>
+            <a:pPr marL="0" indent="0" algn="just" eaLnBrk="0" hangingPunct="0">
+              <a:buNone/>
+            </a:pPr>
+            <a:r>
+              <a:rPr lang="pt-BR" sz="1600" dirty="0">
+                <a:solidFill>
+                  <a:schemeClr val="tx1"/>
+                </a:solidFill>
+                <a:latin typeface="Times New Roman" panose="02020603050405020304" pitchFamily="18" charset="0"/>
+                <a:cs typeface="Times New Roman" panose="02020603050405020304" pitchFamily="18" charset="0"/>
+              </a:rPr>
+              <a:t>	</a:t>
+            </a:r>
+            <a:r>
+              <a:rPr lang="pt-BR" sz="1600" b="1" dirty="0">
+                <a:solidFill>
+                  <a:schemeClr val="tx1"/>
+                </a:solidFill>
+                <a:latin typeface="Times New Roman" panose="02020603050405020304" pitchFamily="18" charset="0"/>
+                <a:cs typeface="Times New Roman" panose="02020603050405020304" pitchFamily="18" charset="0"/>
+              </a:rPr>
+              <a:t>Disponível em</a:t>
+            </a:r>
+            <a:r>
+              <a:rPr lang="pt-BR" sz="1600" dirty="0">
+                <a:solidFill>
+                  <a:schemeClr val="tx1"/>
+                </a:solidFill>
+                <a:latin typeface="Times New Roman" panose="02020603050405020304" pitchFamily="18" charset="0"/>
+                <a:cs typeface="Times New Roman" panose="02020603050405020304" pitchFamily="18" charset="0"/>
+              </a:rPr>
+              <a:t>: </a:t>
+            </a:r>
+            <a:r>
+              <a:rPr lang="pt-BR" sz="1600" dirty="0">
+                <a:solidFill>
+                  <a:schemeClr val="tx1"/>
+                </a:solidFill>
+                <a:latin typeface="Times New Roman" panose="02020603050405020304" pitchFamily="18" charset="0"/>
+                <a:cs typeface="Times New Roman" panose="02020603050405020304" pitchFamily="18" charset="0"/>
+                <a:hlinkClick r:id="rId4"/>
+              </a:rPr>
+              <a:t>https://integrada.minhabiblioteca.com.br/#/books/9788577804528/</a:t>
+            </a:r>
+            <a:r>
+              <a:rPr lang="pt-BR" sz="1600" dirty="0">
+                <a:solidFill>
+                  <a:schemeClr val="tx1"/>
+                </a:solidFill>
+                <a:latin typeface="Times New Roman" panose="02020603050405020304" pitchFamily="18" charset="0"/>
+                <a:cs typeface="Times New Roman" panose="02020603050405020304" pitchFamily="18" charset="0"/>
+              </a:rPr>
+              <a:t> </a:t>
+            </a:r>
+          </a:p>
+          <a:p>
+            <a:pPr marL="0" indent="0" algn="just" eaLnBrk="0" hangingPunct="0">
+              <a:buNone/>
+            </a:pPr>
+            <a:endParaRPr lang="pt-BR" sz="1600" dirty="0">
+              <a:solidFill>
+                <a:schemeClr val="tx1"/>
+              </a:solidFill>
+              <a:latin typeface="Times New Roman" panose="02020603050405020304" pitchFamily="18" charset="0"/>
+              <a:cs typeface="Times New Roman" panose="02020603050405020304" pitchFamily="18" charset="0"/>
+            </a:endParaRPr>
+          </a:p>
+          <a:p>
+            <a:pPr marL="0" indent="0" algn="just" eaLnBrk="0" hangingPunct="0">
+              <a:buNone/>
+            </a:pPr>
+            <a:r>
+              <a:rPr lang="pt-BR" sz="1600" dirty="0">
+                <a:solidFill>
+                  <a:schemeClr val="tx1"/>
+                </a:solidFill>
+                <a:latin typeface="Times New Roman" panose="02020603050405020304" pitchFamily="18" charset="0"/>
+                <a:cs typeface="Times New Roman" panose="02020603050405020304" pitchFamily="18" charset="0"/>
+              </a:rPr>
+              <a:t>	</a:t>
+            </a:r>
+            <a:r>
+              <a:rPr lang="pt-BR" sz="1600" b="1" dirty="0">
+                <a:solidFill>
+                  <a:srgbClr val="FF0000"/>
+                </a:solidFill>
+                <a:latin typeface="Times New Roman" panose="02020603050405020304" pitchFamily="18" charset="0"/>
+                <a:cs typeface="Times New Roman" panose="02020603050405020304" pitchFamily="18" charset="0"/>
+              </a:rPr>
+              <a:t>PUGA, Sandra; FRANÇA, Edson; GOYA, Milton</a:t>
+            </a:r>
+            <a:r>
+              <a:rPr lang="pt-BR" sz="1600" dirty="0">
+                <a:solidFill>
+                  <a:schemeClr val="tx1"/>
+                </a:solidFill>
+                <a:latin typeface="Times New Roman" panose="02020603050405020304" pitchFamily="18" charset="0"/>
+                <a:cs typeface="Times New Roman" panose="02020603050405020304" pitchFamily="18" charset="0"/>
+              </a:rPr>
+              <a:t>. Banco de dados: implementação em SQL,</a:t>
+            </a:r>
+          </a:p>
+          <a:p>
+            <a:pPr marL="0" indent="0" algn="just" eaLnBrk="0" hangingPunct="0">
+              <a:buNone/>
+            </a:pPr>
+            <a:r>
+              <a:rPr lang="pt-BR" sz="1600" dirty="0">
+                <a:solidFill>
+                  <a:schemeClr val="tx1"/>
+                </a:solidFill>
+                <a:latin typeface="Times New Roman" panose="02020603050405020304" pitchFamily="18" charset="0"/>
+                <a:cs typeface="Times New Roman" panose="02020603050405020304" pitchFamily="18" charset="0"/>
+              </a:rPr>
+              <a:t>PL/SQL e Oracle 11g. 1. São Paulo: Pearson, 2013.</a:t>
+            </a:r>
+          </a:p>
+          <a:p>
+            <a:pPr marL="0" indent="0" algn="just" eaLnBrk="0" hangingPunct="0">
+              <a:buNone/>
+            </a:pPr>
+            <a:r>
+              <a:rPr lang="pt-BR" sz="1600" dirty="0">
+                <a:solidFill>
+                  <a:schemeClr val="tx1"/>
+                </a:solidFill>
+                <a:latin typeface="Times New Roman" panose="02020603050405020304" pitchFamily="18" charset="0"/>
+                <a:cs typeface="Times New Roman" panose="02020603050405020304" pitchFamily="18" charset="0"/>
+              </a:rPr>
+              <a:t>	</a:t>
+            </a:r>
+            <a:r>
+              <a:rPr lang="pt-BR" sz="1600" b="1" dirty="0">
+                <a:solidFill>
+                  <a:schemeClr val="tx1"/>
+                </a:solidFill>
+                <a:latin typeface="Times New Roman" panose="02020603050405020304" pitchFamily="18" charset="0"/>
+                <a:cs typeface="Times New Roman" panose="02020603050405020304" pitchFamily="18" charset="0"/>
+              </a:rPr>
+              <a:t>Disponível em</a:t>
+            </a:r>
+            <a:r>
+              <a:rPr lang="pt-BR" sz="1600" dirty="0">
+                <a:solidFill>
+                  <a:schemeClr val="tx1"/>
+                </a:solidFill>
+                <a:latin typeface="Times New Roman" panose="02020603050405020304" pitchFamily="18" charset="0"/>
+                <a:cs typeface="Times New Roman" panose="02020603050405020304" pitchFamily="18" charset="0"/>
+              </a:rPr>
+              <a:t>: </a:t>
+            </a:r>
+            <a:r>
+              <a:rPr lang="pt-BR" sz="1600" dirty="0">
+                <a:solidFill>
+                  <a:schemeClr val="tx1"/>
+                </a:solidFill>
+                <a:latin typeface="Times New Roman" panose="02020603050405020304" pitchFamily="18" charset="0"/>
+                <a:cs typeface="Times New Roman" panose="02020603050405020304" pitchFamily="18" charset="0"/>
+                <a:hlinkClick r:id="rId5"/>
+              </a:rPr>
+              <a:t>https://plataforma.bvirtual.com.br/Acervo/Publicacao/3842</a:t>
+            </a:r>
+            <a:r>
+              <a:rPr lang="pt-BR" sz="1600" dirty="0">
+                <a:solidFill>
+                  <a:schemeClr val="tx1"/>
+                </a:solidFill>
+                <a:latin typeface="Times New Roman" panose="02020603050405020304" pitchFamily="18" charset="0"/>
+                <a:cs typeface="Times New Roman" panose="02020603050405020304" pitchFamily="18" charset="0"/>
+              </a:rPr>
+              <a:t> </a:t>
+            </a:r>
+          </a:p>
+          <a:p>
+            <a:pPr marL="0" indent="0" algn="just" eaLnBrk="0" hangingPunct="0">
+              <a:buNone/>
+            </a:pPr>
+            <a:r>
+              <a:rPr lang="pt-BR" sz="1600" dirty="0">
+                <a:solidFill>
+                  <a:schemeClr val="tx1"/>
+                </a:solidFill>
+                <a:latin typeface="Times New Roman" panose="02020603050405020304" pitchFamily="18" charset="0"/>
+                <a:cs typeface="Times New Roman" panose="02020603050405020304" pitchFamily="18" charset="0"/>
+              </a:rPr>
+              <a:t>	</a:t>
+            </a:r>
+          </a:p>
+        </p:txBody>
+      </p:sp>
+      <p:cxnSp>
+        <p:nvCxnSpPr>
+          <p:cNvPr id="4" name="Conector reto 3">
+            <a:extLst>
+              <a:ext uri="{FF2B5EF4-FFF2-40B4-BE49-F238E27FC236}">
+                <a16:creationId xmlns:a16="http://schemas.microsoft.com/office/drawing/2014/main" id="{53C1D5BE-B08D-43BA-9100-4319F7669DAD}"/>
+              </a:ext>
+            </a:extLst>
+          </p:cNvPr>
+          <p:cNvCxnSpPr>
+            <a:cxnSpLocks/>
+          </p:cNvCxnSpPr>
+          <p:nvPr/>
+        </p:nvCxnSpPr>
+        <p:spPr>
+          <a:xfrm flipV="1">
+            <a:off x="310728" y="902136"/>
+            <a:ext cx="8699160" cy="40954"/>
+          </a:xfrm>
+          <a:prstGeom prst="line">
+            <a:avLst/>
+          </a:prstGeom>
+          <a:ln w="38100">
+            <a:headEnd type="none" w="med" len="med"/>
+            <a:tailEnd type="none" w="med" len="med"/>
+          </a:ln>
+          <a:scene3d>
+            <a:camera prst="orthographicFront"/>
+            <a:lightRig rig="threePt" dir="t"/>
+          </a:scene3d>
+          <a:sp3d>
+            <a:bevelT prst="convex"/>
+          </a:sp3d>
+        </p:spPr>
+        <p:style>
+          <a:lnRef idx="3">
+            <a:schemeClr val="accent1"/>
+          </a:lnRef>
+          <a:fillRef idx="0">
+            <a:schemeClr val="accent1"/>
+          </a:fillRef>
+          <a:effectRef idx="2">
+            <a:schemeClr val="accent1"/>
+          </a:effectRef>
+          <a:fontRef idx="minor">
+            <a:schemeClr val="tx1"/>
+          </a:fontRef>
+        </p:style>
+      </p:cxnSp>
+    </p:spTree>
+    <p:extLst>
+      <p:ext uri="{BB962C8B-B14F-4D97-AF65-F5344CB8AC3E}">
+        <p14:creationId xmlns:p14="http://schemas.microsoft.com/office/powerpoint/2010/main" val="3363891325"/>
+      </p:ext>
+    </p:extLst>
+  </p:cSld>
+  <p:clrMapOvr>
+    <a:masterClrMapping/>
+  </p:clrMapOvr>
+  <p:transition spd="med"/>
+</p:sld>
+</file>
+
+<file path=ppt/slides/slide22.xml><?xml version="1.0" encoding="utf-8"?>
+<p:sld xmlns:a="http://schemas.openxmlformats.org/drawingml/2006/main" xmlns:r="http://schemas.openxmlformats.org/officeDocument/2006/relationships" xmlns:p="http://schemas.openxmlformats.org/presentationml/2006/main">
+  <p:cSld>
+    <p:spTree>
+      <p:nvGrpSpPr>
+        <p:cNvPr id="1" name=""/>
+        <p:cNvGrpSpPr/>
+        <p:nvPr/>
+      </p:nvGrpSpPr>
+      <p:grpSpPr>
+        <a:xfrm>
+          <a:off x="0" y="0"/>
+          <a:ext cx="0" cy="0"/>
+          <a:chOff x="0" y="0"/>
+          <a:chExt cx="0" cy="0"/>
+        </a:xfrm>
+      </p:grpSpPr>
+      <p:sp>
+        <p:nvSpPr>
+          <p:cNvPr id="6" name="Title 1"/>
+          <p:cNvSpPr>
+            <a:spLocks noGrp="1"/>
+          </p:cNvSpPr>
+          <p:nvPr>
+            <p:ph type="title"/>
+          </p:nvPr>
+        </p:nvSpPr>
+        <p:spPr>
+          <a:xfrm>
+            <a:off x="457200" y="205980"/>
+            <a:ext cx="8229600" cy="857251"/>
+          </a:xfrm>
+        </p:spPr>
+        <p:txBody>
+          <a:bodyPr/>
+          <a:lstStyle/>
+          <a:p>
+            <a:r>
+              <a:rPr lang="en-US" b="1" dirty="0" err="1">
+                <a:solidFill>
+                  <a:srgbClr val="0070C0"/>
+                </a:solidFill>
+              </a:rPr>
+              <a:t>Referências</a:t>
+            </a:r>
+            <a:r>
+              <a:rPr lang="en-US" b="1" dirty="0">
+                <a:solidFill>
+                  <a:srgbClr val="0070C0"/>
+                </a:solidFill>
+              </a:rPr>
+              <a:t> </a:t>
+            </a:r>
+            <a:r>
+              <a:rPr lang="en-US" b="1" dirty="0" err="1">
+                <a:solidFill>
+                  <a:srgbClr val="0070C0"/>
+                </a:solidFill>
+              </a:rPr>
+              <a:t>Bibliográficas</a:t>
+            </a:r>
+            <a:endParaRPr lang="en-US" b="1" dirty="0">
+              <a:solidFill>
+                <a:srgbClr val="0070C0"/>
+              </a:solidFill>
+            </a:endParaRPr>
+          </a:p>
+        </p:txBody>
+      </p:sp>
+      <p:sp>
+        <p:nvSpPr>
+          <p:cNvPr id="8" name="Text Placeholder 2"/>
+          <p:cNvSpPr>
+            <a:spLocks noGrp="1"/>
+          </p:cNvSpPr>
+          <p:nvPr>
+            <p:ph type="body" sz="half" idx="1"/>
+          </p:nvPr>
+        </p:nvSpPr>
+        <p:spPr>
+          <a:xfrm>
+            <a:off x="142865" y="1104186"/>
+            <a:ext cx="8865056" cy="3833334"/>
+          </a:xfrm>
+        </p:spPr>
+        <p:txBody>
+          <a:bodyPr>
+            <a:noAutofit/>
+          </a:bodyPr>
+          <a:lstStyle/>
+          <a:p>
+            <a:pPr algn="just" eaLnBrk="0" hangingPunct="0"/>
+            <a:r>
+              <a:rPr lang="pt-BR" sz="1800" b="1" u="sng" dirty="0">
+                <a:solidFill>
+                  <a:schemeClr val="tx1"/>
+                </a:solidFill>
+                <a:latin typeface="Times New Roman" panose="02020603050405020304" pitchFamily="18" charset="0"/>
+                <a:cs typeface="Times New Roman" panose="02020603050405020304" pitchFamily="18" charset="0"/>
+              </a:rPr>
+              <a:t>COMPLEMENTAR</a:t>
+            </a:r>
+          </a:p>
+          <a:p>
+            <a:pPr marL="447675" lvl="1" indent="0" algn="just" eaLnBrk="0" hangingPunct="0">
+              <a:buNone/>
+            </a:pPr>
+            <a:endParaRPr lang="pt-BR" altLang="pt-BR" sz="1600" dirty="0">
+              <a:solidFill>
+                <a:schemeClr val="tx1"/>
+              </a:solidFill>
+              <a:latin typeface="Times New Roman" panose="02020603050405020304" pitchFamily="18" charset="0"/>
+              <a:cs typeface="Times New Roman" panose="02020603050405020304" pitchFamily="18" charset="0"/>
+            </a:endParaRPr>
+          </a:p>
+          <a:p>
+            <a:pPr marL="447675" lvl="1" indent="0" algn="just" eaLnBrk="0" hangingPunct="0">
+              <a:buNone/>
+            </a:pPr>
+            <a:r>
+              <a:rPr lang="pt-BR" altLang="pt-BR" sz="1600" b="1" dirty="0">
+                <a:solidFill>
+                  <a:srgbClr val="FF0000"/>
+                </a:solidFill>
+                <a:latin typeface="Times New Roman" panose="02020603050405020304" pitchFamily="18" charset="0"/>
+                <a:cs typeface="Times New Roman" panose="02020603050405020304" pitchFamily="18" charset="0"/>
+              </a:rPr>
+              <a:t>ALVES, William Pereira</a:t>
+            </a:r>
+            <a:r>
+              <a:rPr lang="pt-BR" altLang="pt-BR" sz="1600" dirty="0">
+                <a:solidFill>
+                  <a:schemeClr val="tx1"/>
+                </a:solidFill>
+                <a:latin typeface="Times New Roman" panose="02020603050405020304" pitchFamily="18" charset="0"/>
+                <a:cs typeface="Times New Roman" panose="02020603050405020304" pitchFamily="18" charset="0"/>
+              </a:rPr>
+              <a:t>. Banco de dados. 1. São Paulo: Érica, 2014.</a:t>
+            </a:r>
+          </a:p>
+          <a:p>
+            <a:pPr marL="447675" lvl="1" indent="0" algn="just" eaLnBrk="0" hangingPunct="0">
+              <a:buNone/>
+            </a:pPr>
+            <a:r>
+              <a:rPr lang="pt-BR" altLang="pt-BR" sz="1600" b="1" dirty="0">
+                <a:solidFill>
+                  <a:schemeClr val="tx1"/>
+                </a:solidFill>
+                <a:latin typeface="Times New Roman" panose="02020603050405020304" pitchFamily="18" charset="0"/>
+                <a:cs typeface="Times New Roman" panose="02020603050405020304" pitchFamily="18" charset="0"/>
+              </a:rPr>
+              <a:t>Disponível em</a:t>
+            </a:r>
+            <a:r>
+              <a:rPr lang="pt-BR" altLang="pt-BR" sz="1600" dirty="0">
+                <a:solidFill>
+                  <a:schemeClr val="tx1"/>
+                </a:solidFill>
+                <a:latin typeface="Times New Roman" panose="02020603050405020304" pitchFamily="18" charset="0"/>
+                <a:cs typeface="Times New Roman" panose="02020603050405020304" pitchFamily="18" charset="0"/>
+              </a:rPr>
+              <a:t>: </a:t>
+            </a:r>
+            <a:r>
+              <a:rPr lang="pt-BR" altLang="pt-BR" sz="1600" dirty="0">
+                <a:solidFill>
+                  <a:schemeClr val="tx1"/>
+                </a:solidFill>
+                <a:latin typeface="Times New Roman" panose="02020603050405020304" pitchFamily="18" charset="0"/>
+                <a:cs typeface="Times New Roman" panose="02020603050405020304" pitchFamily="18" charset="0"/>
+                <a:hlinkClick r:id="rId3"/>
+              </a:rPr>
+              <a:t>https://integrada.minhabiblioteca.com.br/#/books/9788536518961/cfi/0!/4/2</a:t>
+            </a:r>
+            <a:r>
+              <a:rPr lang="pt-BR" altLang="pt-BR" sz="1600" dirty="0">
+                <a:solidFill>
+                  <a:schemeClr val="tx1"/>
+                </a:solidFill>
+                <a:latin typeface="Times New Roman" panose="02020603050405020304" pitchFamily="18" charset="0"/>
+                <a:cs typeface="Times New Roman" panose="02020603050405020304" pitchFamily="18" charset="0"/>
+              </a:rPr>
+              <a:t> </a:t>
+            </a:r>
+          </a:p>
+          <a:p>
+            <a:pPr marL="447675" lvl="1" indent="0" algn="just" eaLnBrk="0" hangingPunct="0">
+              <a:buNone/>
+            </a:pPr>
+            <a:endParaRPr lang="pt-BR" altLang="pt-BR" sz="1600" dirty="0">
+              <a:solidFill>
+                <a:schemeClr val="tx1"/>
+              </a:solidFill>
+              <a:latin typeface="Times New Roman" panose="02020603050405020304" pitchFamily="18" charset="0"/>
+              <a:cs typeface="Times New Roman" panose="02020603050405020304" pitchFamily="18" charset="0"/>
+            </a:endParaRPr>
+          </a:p>
+          <a:p>
+            <a:pPr marL="447675" lvl="1" indent="0" algn="just" eaLnBrk="0" hangingPunct="0">
+              <a:buNone/>
+            </a:pPr>
+            <a:r>
+              <a:rPr lang="pt-BR" altLang="pt-BR" sz="1600" b="1" dirty="0">
+                <a:solidFill>
+                  <a:srgbClr val="FF0000"/>
+                </a:solidFill>
+                <a:latin typeface="Times New Roman" panose="02020603050405020304" pitchFamily="18" charset="0"/>
+                <a:cs typeface="Times New Roman" panose="02020603050405020304" pitchFamily="18" charset="0"/>
+              </a:rPr>
+              <a:t>BALIEIRO, R</a:t>
+            </a:r>
+            <a:r>
+              <a:rPr lang="pt-BR" altLang="pt-BR" sz="1600" dirty="0">
+                <a:solidFill>
+                  <a:schemeClr val="tx1"/>
+                </a:solidFill>
+                <a:latin typeface="Times New Roman" panose="02020603050405020304" pitchFamily="18" charset="0"/>
+                <a:cs typeface="Times New Roman" panose="02020603050405020304" pitchFamily="18" charset="0"/>
+              </a:rPr>
+              <a:t>. Banco de dados. 1. Rio de Janeiro: </a:t>
+            </a:r>
+            <a:r>
+              <a:rPr lang="pt-BR" altLang="pt-BR" sz="1600" dirty="0" err="1">
+                <a:solidFill>
+                  <a:schemeClr val="tx1"/>
+                </a:solidFill>
+                <a:latin typeface="Times New Roman" panose="02020603050405020304" pitchFamily="18" charset="0"/>
+                <a:cs typeface="Times New Roman" panose="02020603050405020304" pitchFamily="18" charset="0"/>
+              </a:rPr>
+              <a:t>Seses</a:t>
+            </a:r>
+            <a:r>
+              <a:rPr lang="pt-BR" altLang="pt-BR" sz="1600" dirty="0">
+                <a:solidFill>
+                  <a:schemeClr val="tx1"/>
+                </a:solidFill>
+                <a:latin typeface="Times New Roman" panose="02020603050405020304" pitchFamily="18" charset="0"/>
+                <a:cs typeface="Times New Roman" panose="02020603050405020304" pitchFamily="18" charset="0"/>
+              </a:rPr>
+              <a:t>, 2015.</a:t>
+            </a:r>
+          </a:p>
+          <a:p>
+            <a:pPr marL="447675" lvl="1" indent="0" algn="just" eaLnBrk="0" hangingPunct="0">
+              <a:buNone/>
+            </a:pPr>
+            <a:r>
+              <a:rPr lang="pt-BR" altLang="pt-BR" sz="1600" b="1" dirty="0">
+                <a:solidFill>
+                  <a:schemeClr val="tx1"/>
+                </a:solidFill>
+                <a:latin typeface="Times New Roman" panose="02020603050405020304" pitchFamily="18" charset="0"/>
+                <a:cs typeface="Times New Roman" panose="02020603050405020304" pitchFamily="18" charset="0"/>
+              </a:rPr>
+              <a:t>Disponível em</a:t>
+            </a:r>
+            <a:r>
+              <a:rPr lang="pt-BR" altLang="pt-BR" sz="1600" dirty="0">
+                <a:solidFill>
+                  <a:schemeClr val="tx1"/>
+                </a:solidFill>
+                <a:latin typeface="Times New Roman" panose="02020603050405020304" pitchFamily="18" charset="0"/>
+                <a:cs typeface="Times New Roman" panose="02020603050405020304" pitchFamily="18" charset="0"/>
+              </a:rPr>
+              <a:t>: http://repositorio.savaestacio.com.br/site/index.html#/objeto/detalhes/863C0185­</a:t>
+            </a:r>
+          </a:p>
+          <a:p>
+            <a:pPr marL="447675" lvl="1" indent="0" algn="just" eaLnBrk="0" hangingPunct="0">
+              <a:buNone/>
+            </a:pPr>
+            <a:r>
+              <a:rPr lang="pt-BR" altLang="pt-BR" sz="1600" dirty="0">
+                <a:solidFill>
+                  <a:schemeClr val="tx1"/>
+                </a:solidFill>
+                <a:latin typeface="Times New Roman" panose="02020603050405020304" pitchFamily="18" charset="0"/>
+                <a:cs typeface="Times New Roman" panose="02020603050405020304" pitchFamily="18" charset="0"/>
+              </a:rPr>
+              <a:t>0EA3­4A1C­A9D0­9218755FC46F </a:t>
+            </a:r>
+          </a:p>
+          <a:p>
+            <a:pPr marL="447675" lvl="1" indent="0" algn="just" eaLnBrk="0" hangingPunct="0">
+              <a:buNone/>
+            </a:pPr>
+            <a:endParaRPr lang="pt-BR" altLang="pt-BR" sz="1600" dirty="0">
+              <a:solidFill>
+                <a:schemeClr val="tx1"/>
+              </a:solidFill>
+              <a:latin typeface="Times New Roman" panose="02020603050405020304" pitchFamily="18" charset="0"/>
+              <a:cs typeface="Times New Roman" panose="02020603050405020304" pitchFamily="18" charset="0"/>
+            </a:endParaRPr>
+          </a:p>
+          <a:p>
+            <a:pPr marL="447675" lvl="1" indent="0" algn="just" eaLnBrk="0" hangingPunct="0">
+              <a:buNone/>
+            </a:pPr>
+            <a:r>
+              <a:rPr lang="pt-BR" altLang="pt-BR" sz="1600" b="1" dirty="0">
+                <a:solidFill>
+                  <a:srgbClr val="FF0000"/>
+                </a:solidFill>
+                <a:latin typeface="Times New Roman" panose="02020603050405020304" pitchFamily="18" charset="0"/>
+                <a:cs typeface="Times New Roman" panose="02020603050405020304" pitchFamily="18" charset="0"/>
+              </a:rPr>
+              <a:t>FONSECA, Cleber Costa da</a:t>
+            </a:r>
+            <a:r>
+              <a:rPr lang="pt-BR" altLang="pt-BR" sz="1600" dirty="0">
+                <a:solidFill>
+                  <a:schemeClr val="tx1"/>
+                </a:solidFill>
+                <a:latin typeface="Times New Roman" panose="02020603050405020304" pitchFamily="18" charset="0"/>
+                <a:cs typeface="Times New Roman" panose="02020603050405020304" pitchFamily="18" charset="0"/>
+              </a:rPr>
+              <a:t>. Implementação de banco de dados. 1. Rio de Janeiro: </a:t>
+            </a:r>
+            <a:r>
+              <a:rPr lang="pt-BR" altLang="pt-BR" sz="1600" dirty="0" err="1">
+                <a:solidFill>
+                  <a:schemeClr val="tx1"/>
+                </a:solidFill>
+                <a:latin typeface="Times New Roman" panose="02020603050405020304" pitchFamily="18" charset="0"/>
+                <a:cs typeface="Times New Roman" panose="02020603050405020304" pitchFamily="18" charset="0"/>
+              </a:rPr>
+              <a:t>Seses</a:t>
+            </a:r>
+            <a:r>
+              <a:rPr lang="pt-BR" altLang="pt-BR" sz="1600" dirty="0">
+                <a:solidFill>
+                  <a:schemeClr val="tx1"/>
+                </a:solidFill>
+                <a:latin typeface="Times New Roman" panose="02020603050405020304" pitchFamily="18" charset="0"/>
+                <a:cs typeface="Times New Roman" panose="02020603050405020304" pitchFamily="18" charset="0"/>
+              </a:rPr>
+              <a:t>, 2016.</a:t>
+            </a:r>
+          </a:p>
+          <a:p>
+            <a:pPr marL="447675" lvl="1" indent="0" algn="just" eaLnBrk="0" hangingPunct="0">
+              <a:buNone/>
+            </a:pPr>
+            <a:r>
+              <a:rPr lang="pt-BR" altLang="pt-BR" sz="1600" b="1" dirty="0">
+                <a:solidFill>
+                  <a:schemeClr val="tx1"/>
+                </a:solidFill>
+                <a:latin typeface="Times New Roman" panose="02020603050405020304" pitchFamily="18" charset="0"/>
+                <a:cs typeface="Times New Roman" panose="02020603050405020304" pitchFamily="18" charset="0"/>
+              </a:rPr>
+              <a:t>Disponível em</a:t>
+            </a:r>
+            <a:r>
+              <a:rPr lang="pt-BR" altLang="pt-BR" sz="1600" dirty="0">
+                <a:solidFill>
+                  <a:schemeClr val="tx1"/>
+                </a:solidFill>
+                <a:latin typeface="Times New Roman" panose="02020603050405020304" pitchFamily="18" charset="0"/>
+                <a:cs typeface="Times New Roman" panose="02020603050405020304" pitchFamily="18" charset="0"/>
+              </a:rPr>
+              <a:t>: http://repositorio.savaestacio.com.br/site/index.html#/objeto/detalhes/77DC7FC9­</a:t>
+            </a:r>
+          </a:p>
+          <a:p>
+            <a:pPr marL="447675" lvl="1" indent="0" algn="just" eaLnBrk="0" hangingPunct="0">
+              <a:buNone/>
+            </a:pPr>
+            <a:r>
+              <a:rPr lang="pt-BR" altLang="pt-BR" sz="1600" dirty="0">
+                <a:solidFill>
+                  <a:schemeClr val="tx1"/>
+                </a:solidFill>
+                <a:latin typeface="Times New Roman" panose="02020603050405020304" pitchFamily="18" charset="0"/>
+                <a:cs typeface="Times New Roman" panose="02020603050405020304" pitchFamily="18" charset="0"/>
+              </a:rPr>
+              <a:t>4A47­489B­9FF1­37095AA7C5AA </a:t>
+            </a:r>
+          </a:p>
+        </p:txBody>
+      </p:sp>
+      <p:cxnSp>
+        <p:nvCxnSpPr>
+          <p:cNvPr id="4" name="Conector reto 3">
+            <a:extLst>
+              <a:ext uri="{FF2B5EF4-FFF2-40B4-BE49-F238E27FC236}">
+                <a16:creationId xmlns:a16="http://schemas.microsoft.com/office/drawing/2014/main" id="{53C1D5BE-B08D-43BA-9100-4319F7669DAD}"/>
+              </a:ext>
+            </a:extLst>
+          </p:cNvPr>
+          <p:cNvCxnSpPr>
+            <a:cxnSpLocks/>
+          </p:cNvCxnSpPr>
+          <p:nvPr/>
+        </p:nvCxnSpPr>
+        <p:spPr>
+          <a:xfrm flipV="1">
+            <a:off x="310728" y="902136"/>
+            <a:ext cx="8699160" cy="40954"/>
+          </a:xfrm>
+          <a:prstGeom prst="line">
+            <a:avLst/>
+          </a:prstGeom>
+          <a:ln w="38100">
+            <a:headEnd type="none" w="med" len="med"/>
+            <a:tailEnd type="none" w="med" len="med"/>
+          </a:ln>
+          <a:scene3d>
+            <a:camera prst="orthographicFront"/>
+            <a:lightRig rig="threePt" dir="t"/>
+          </a:scene3d>
+          <a:sp3d>
+            <a:bevelT prst="convex"/>
+          </a:sp3d>
+        </p:spPr>
+        <p:style>
+          <a:lnRef idx="3">
+            <a:schemeClr val="accent1"/>
+          </a:lnRef>
+          <a:fillRef idx="0">
+            <a:schemeClr val="accent1"/>
+          </a:fillRef>
+          <a:effectRef idx="2">
+            <a:schemeClr val="accent1"/>
+          </a:effectRef>
+          <a:fontRef idx="minor">
+            <a:schemeClr val="tx1"/>
+          </a:fontRef>
+        </p:style>
+      </p:cxnSp>
+    </p:spTree>
+    <p:extLst>
+      <p:ext uri="{BB962C8B-B14F-4D97-AF65-F5344CB8AC3E}">
+        <p14:creationId xmlns:p14="http://schemas.microsoft.com/office/powerpoint/2010/main" val="3489589337"/>
+      </p:ext>
+    </p:extLst>
+  </p:cSld>
+  <p:clrMapOvr>
+    <a:masterClrMapping/>
+  </p:clrMapOvr>
+  <p:transition spd="med"/>
+</p:sld>
+</file>
+
+<file path=ppt/slides/slide23.xml><?xml version="1.0" encoding="utf-8"?>
+<p:sld xmlns:a="http://schemas.openxmlformats.org/drawingml/2006/main" xmlns:r="http://schemas.openxmlformats.org/officeDocument/2006/relationships" xmlns:p="http://schemas.openxmlformats.org/presentationml/2006/main">
+  <p:cSld>
+    <p:spTree>
+      <p:nvGrpSpPr>
+        <p:cNvPr id="1" name=""/>
+        <p:cNvGrpSpPr/>
+        <p:nvPr/>
+      </p:nvGrpSpPr>
+      <p:grpSpPr>
+        <a:xfrm>
+          <a:off x="0" y="0"/>
+          <a:ext cx="0" cy="0"/>
+          <a:chOff x="0" y="0"/>
+          <a:chExt cx="0" cy="0"/>
+        </a:xfrm>
+      </p:grpSpPr>
+      <p:sp>
+        <p:nvSpPr>
+          <p:cNvPr id="6" name="Title 1"/>
+          <p:cNvSpPr>
+            <a:spLocks noGrp="1"/>
+          </p:cNvSpPr>
+          <p:nvPr>
+            <p:ph type="title"/>
+          </p:nvPr>
+        </p:nvSpPr>
+        <p:spPr>
+          <a:xfrm>
+            <a:off x="457200" y="205980"/>
+            <a:ext cx="8229600" cy="857251"/>
+          </a:xfrm>
+        </p:spPr>
+        <p:txBody>
+          <a:bodyPr/>
+          <a:lstStyle/>
+          <a:p>
+            <a:r>
+              <a:rPr lang="en-US" b="1" dirty="0" err="1">
+                <a:solidFill>
+                  <a:srgbClr val="0070C0"/>
+                </a:solidFill>
+              </a:rPr>
+              <a:t>Referências</a:t>
+            </a:r>
+            <a:r>
+              <a:rPr lang="en-US" b="1" dirty="0">
+                <a:solidFill>
+                  <a:srgbClr val="0070C0"/>
+                </a:solidFill>
+              </a:rPr>
+              <a:t> </a:t>
+            </a:r>
+            <a:r>
+              <a:rPr lang="en-US" b="1" dirty="0" err="1">
+                <a:solidFill>
+                  <a:srgbClr val="0070C0"/>
+                </a:solidFill>
+              </a:rPr>
+              <a:t>Bibliográficas</a:t>
+            </a:r>
+            <a:endParaRPr lang="en-US" b="1" dirty="0">
+              <a:solidFill>
+                <a:srgbClr val="0070C0"/>
+              </a:solidFill>
+            </a:endParaRPr>
+          </a:p>
+        </p:txBody>
+      </p:sp>
+      <p:sp>
+        <p:nvSpPr>
+          <p:cNvPr id="8" name="Text Placeholder 2"/>
+          <p:cNvSpPr>
+            <a:spLocks noGrp="1"/>
+          </p:cNvSpPr>
+          <p:nvPr>
+            <p:ph type="body" sz="half" idx="1"/>
+          </p:nvPr>
+        </p:nvSpPr>
+        <p:spPr>
+          <a:xfrm>
+            <a:off x="142865" y="1104186"/>
+            <a:ext cx="8865056" cy="3833334"/>
+          </a:xfrm>
+        </p:spPr>
+        <p:txBody>
+          <a:bodyPr>
+            <a:noAutofit/>
+          </a:bodyPr>
+          <a:lstStyle/>
+          <a:p>
+            <a:pPr algn="just" eaLnBrk="0" hangingPunct="0"/>
+            <a:r>
+              <a:rPr lang="pt-BR" sz="1800" b="1" u="sng" dirty="0">
+                <a:solidFill>
+                  <a:schemeClr val="tx1"/>
+                </a:solidFill>
+                <a:latin typeface="Times New Roman" panose="02020603050405020304" pitchFamily="18" charset="0"/>
+                <a:cs typeface="Times New Roman" panose="02020603050405020304" pitchFamily="18" charset="0"/>
+              </a:rPr>
+              <a:t>COMPLEMENTAR</a:t>
+            </a:r>
+          </a:p>
+          <a:p>
+            <a:pPr marL="447675" lvl="1" indent="0" algn="just" eaLnBrk="0" hangingPunct="0">
+              <a:buNone/>
+            </a:pPr>
+            <a:endParaRPr lang="pt-BR" altLang="pt-BR" sz="1600" dirty="0">
+              <a:solidFill>
+                <a:schemeClr val="tx1"/>
+              </a:solidFill>
+              <a:latin typeface="Times New Roman" panose="02020603050405020304" pitchFamily="18" charset="0"/>
+              <a:cs typeface="Times New Roman" panose="02020603050405020304" pitchFamily="18" charset="0"/>
+            </a:endParaRPr>
+          </a:p>
+          <a:p>
+            <a:pPr marL="447675" lvl="1" indent="0" algn="just" eaLnBrk="0" hangingPunct="0">
+              <a:buNone/>
+            </a:pPr>
+            <a:r>
+              <a:rPr lang="pt-BR" altLang="pt-BR" sz="1600" b="1" dirty="0">
+                <a:solidFill>
+                  <a:srgbClr val="FF0000"/>
+                </a:solidFill>
+                <a:latin typeface="Times New Roman" panose="02020603050405020304" pitchFamily="18" charset="0"/>
+                <a:cs typeface="Times New Roman" panose="02020603050405020304" pitchFamily="18" charset="0"/>
+              </a:rPr>
+              <a:t>MACHADO, Felipe N. R</a:t>
+            </a:r>
+            <a:r>
+              <a:rPr lang="pt-BR" altLang="pt-BR" sz="1600" dirty="0">
+                <a:solidFill>
+                  <a:schemeClr val="tx1"/>
+                </a:solidFill>
+                <a:latin typeface="Times New Roman" panose="02020603050405020304" pitchFamily="18" charset="0"/>
+                <a:cs typeface="Times New Roman" panose="02020603050405020304" pitchFamily="18" charset="0"/>
+              </a:rPr>
+              <a:t>. Banco de dados: projeto e implementação. 2014. São Paulo: Érica, 2014.</a:t>
+            </a:r>
+          </a:p>
+          <a:p>
+            <a:pPr marL="447675" lvl="1" indent="0" algn="just" eaLnBrk="0" hangingPunct="0">
+              <a:buNone/>
+            </a:pPr>
+            <a:r>
+              <a:rPr lang="pt-BR" altLang="pt-BR" sz="1600" b="1" dirty="0">
+                <a:solidFill>
+                  <a:schemeClr val="tx1"/>
+                </a:solidFill>
+                <a:latin typeface="Times New Roman" panose="02020603050405020304" pitchFamily="18" charset="0"/>
+                <a:cs typeface="Times New Roman" panose="02020603050405020304" pitchFamily="18" charset="0"/>
+              </a:rPr>
+              <a:t>Disponível em</a:t>
+            </a:r>
+            <a:r>
+              <a:rPr lang="pt-BR" altLang="pt-BR" sz="1600" dirty="0">
+                <a:solidFill>
+                  <a:schemeClr val="tx1"/>
+                </a:solidFill>
+                <a:latin typeface="Times New Roman" panose="02020603050405020304" pitchFamily="18" charset="0"/>
+                <a:cs typeface="Times New Roman" panose="02020603050405020304" pitchFamily="18" charset="0"/>
+              </a:rPr>
+              <a:t>: </a:t>
+            </a:r>
+            <a:r>
+              <a:rPr lang="pt-BR" altLang="pt-BR" sz="1600" dirty="0">
+                <a:solidFill>
+                  <a:schemeClr val="tx1"/>
+                </a:solidFill>
+                <a:latin typeface="Times New Roman" panose="02020603050405020304" pitchFamily="18" charset="0"/>
+                <a:cs typeface="Times New Roman" panose="02020603050405020304" pitchFamily="18" charset="0"/>
+                <a:hlinkClick r:id="rId3"/>
+              </a:rPr>
+              <a:t>https://integrada.minhabiblioteca.com.br/#/books/9788536518978/</a:t>
+            </a:r>
+            <a:r>
+              <a:rPr lang="pt-BR" altLang="pt-BR" sz="1600" dirty="0">
+                <a:solidFill>
+                  <a:schemeClr val="tx1"/>
+                </a:solidFill>
+                <a:latin typeface="Times New Roman" panose="02020603050405020304" pitchFamily="18" charset="0"/>
+                <a:cs typeface="Times New Roman" panose="02020603050405020304" pitchFamily="18" charset="0"/>
+              </a:rPr>
+              <a:t> </a:t>
+            </a:r>
+          </a:p>
+          <a:p>
+            <a:pPr marL="447675" lvl="1" indent="0" algn="just" eaLnBrk="0" hangingPunct="0">
+              <a:buNone/>
+            </a:pPr>
+            <a:endParaRPr lang="pt-BR" altLang="pt-BR" sz="1600" dirty="0">
+              <a:solidFill>
+                <a:schemeClr val="tx1"/>
+              </a:solidFill>
+              <a:latin typeface="Times New Roman" panose="02020603050405020304" pitchFamily="18" charset="0"/>
+              <a:cs typeface="Times New Roman" panose="02020603050405020304" pitchFamily="18" charset="0"/>
+            </a:endParaRPr>
+          </a:p>
+          <a:p>
+            <a:pPr marL="447675" lvl="1" indent="0" algn="just" eaLnBrk="0" hangingPunct="0">
+              <a:buNone/>
+            </a:pPr>
+            <a:r>
+              <a:rPr lang="pt-BR" altLang="pt-BR" sz="1600" b="1" dirty="0">
+                <a:solidFill>
+                  <a:srgbClr val="FF0000"/>
+                </a:solidFill>
+                <a:latin typeface="Times New Roman" panose="02020603050405020304" pitchFamily="18" charset="0"/>
+                <a:cs typeface="Times New Roman" panose="02020603050405020304" pitchFamily="18" charset="0"/>
+              </a:rPr>
+              <a:t>NETO, Geraldo H</a:t>
+            </a:r>
+            <a:r>
+              <a:rPr lang="pt-BR" altLang="pt-BR" sz="1600" dirty="0">
+                <a:solidFill>
+                  <a:schemeClr val="tx1"/>
+                </a:solidFill>
+                <a:latin typeface="Times New Roman" panose="02020603050405020304" pitchFamily="18" charset="0"/>
+                <a:cs typeface="Times New Roman" panose="02020603050405020304" pitchFamily="18" charset="0"/>
+              </a:rPr>
+              <a:t>. Modelagem de dados. 1. Rio de Janeiro: </a:t>
+            </a:r>
+            <a:r>
+              <a:rPr lang="pt-BR" altLang="pt-BR" sz="1600" dirty="0" err="1">
+                <a:solidFill>
+                  <a:schemeClr val="tx1"/>
+                </a:solidFill>
+                <a:latin typeface="Times New Roman" panose="02020603050405020304" pitchFamily="18" charset="0"/>
+                <a:cs typeface="Times New Roman" panose="02020603050405020304" pitchFamily="18" charset="0"/>
+              </a:rPr>
+              <a:t>Seses</a:t>
+            </a:r>
+            <a:r>
+              <a:rPr lang="pt-BR" altLang="pt-BR" sz="1600" dirty="0">
+                <a:solidFill>
+                  <a:schemeClr val="tx1"/>
+                </a:solidFill>
+                <a:latin typeface="Times New Roman" panose="02020603050405020304" pitchFamily="18" charset="0"/>
+                <a:cs typeface="Times New Roman" panose="02020603050405020304" pitchFamily="18" charset="0"/>
+              </a:rPr>
+              <a:t>, 2015.</a:t>
+            </a:r>
+          </a:p>
+          <a:p>
+            <a:pPr marL="447675" lvl="1" indent="0" algn="just" eaLnBrk="0" hangingPunct="0">
+              <a:buNone/>
+            </a:pPr>
+            <a:r>
+              <a:rPr lang="pt-BR" altLang="pt-BR" sz="1600" b="1" dirty="0">
+                <a:solidFill>
+                  <a:schemeClr val="tx1"/>
+                </a:solidFill>
+                <a:latin typeface="Times New Roman" panose="02020603050405020304" pitchFamily="18" charset="0"/>
+                <a:cs typeface="Times New Roman" panose="02020603050405020304" pitchFamily="18" charset="0"/>
+              </a:rPr>
+              <a:t>Disponível em</a:t>
+            </a:r>
+            <a:r>
+              <a:rPr lang="pt-BR" altLang="pt-BR" sz="1600" dirty="0">
+                <a:solidFill>
+                  <a:schemeClr val="tx1"/>
+                </a:solidFill>
+                <a:latin typeface="Times New Roman" panose="02020603050405020304" pitchFamily="18" charset="0"/>
+                <a:cs typeface="Times New Roman" panose="02020603050405020304" pitchFamily="18" charset="0"/>
+              </a:rPr>
+              <a:t>: http://api.repositorio.savaestacio.com.br/api/objetos/</a:t>
+            </a:r>
+            <a:r>
+              <a:rPr lang="pt-BR" altLang="pt-BR" sz="1600" dirty="0" err="1">
+                <a:solidFill>
+                  <a:schemeClr val="tx1"/>
+                </a:solidFill>
+                <a:latin typeface="Times New Roman" panose="02020603050405020304" pitchFamily="18" charset="0"/>
+                <a:cs typeface="Times New Roman" panose="02020603050405020304" pitchFamily="18" charset="0"/>
+              </a:rPr>
+              <a:t>efetuaDownload</a:t>
+            </a:r>
+            <a:r>
+              <a:rPr lang="pt-BR" altLang="pt-BR" sz="1600" dirty="0">
+                <a:solidFill>
+                  <a:schemeClr val="tx1"/>
+                </a:solidFill>
+                <a:latin typeface="Times New Roman" panose="02020603050405020304" pitchFamily="18" charset="0"/>
+                <a:cs typeface="Times New Roman" panose="02020603050405020304" pitchFamily="18" charset="0"/>
+              </a:rPr>
+              <a:t>/ff152857­6c50­</a:t>
+            </a:r>
+          </a:p>
+          <a:p>
+            <a:pPr marL="447675" lvl="1" indent="0" algn="just" eaLnBrk="0" hangingPunct="0">
+              <a:buNone/>
+            </a:pPr>
+            <a:r>
+              <a:rPr lang="pt-BR" altLang="pt-BR" sz="1600" dirty="0">
+                <a:solidFill>
+                  <a:schemeClr val="tx1"/>
+                </a:solidFill>
+                <a:latin typeface="Times New Roman" panose="02020603050405020304" pitchFamily="18" charset="0"/>
+                <a:cs typeface="Times New Roman" panose="02020603050405020304" pitchFamily="18" charset="0"/>
+              </a:rPr>
+              <a:t>46ce­bce4­e60710acdfe0</a:t>
+            </a:r>
+          </a:p>
+          <a:p>
+            <a:pPr marL="447675" lvl="1" indent="0" algn="just" eaLnBrk="0" hangingPunct="0">
+              <a:buNone/>
+            </a:pPr>
+            <a:endParaRPr lang="pt-BR" altLang="pt-BR" sz="1600" dirty="0">
+              <a:solidFill>
+                <a:schemeClr val="tx1"/>
+              </a:solidFill>
+              <a:latin typeface="Times New Roman" panose="02020603050405020304" pitchFamily="18" charset="0"/>
+              <a:cs typeface="Times New Roman" panose="02020603050405020304" pitchFamily="18" charset="0"/>
+            </a:endParaRPr>
+          </a:p>
+          <a:p>
+            <a:pPr marL="447675" lvl="1" indent="0" algn="just" eaLnBrk="0" hangingPunct="0">
+              <a:buNone/>
+            </a:pPr>
+            <a:r>
+              <a:rPr lang="pt-BR" altLang="pt-BR" sz="1600" b="1" dirty="0">
+                <a:solidFill>
+                  <a:srgbClr val="FF0000"/>
+                </a:solidFill>
+                <a:latin typeface="Times New Roman" panose="02020603050405020304" pitchFamily="18" charset="0"/>
+                <a:cs typeface="Times New Roman" panose="02020603050405020304" pitchFamily="18" charset="0"/>
+              </a:rPr>
+              <a:t>RAMARKRISHMAN, R</a:t>
+            </a:r>
+            <a:r>
+              <a:rPr lang="pt-BR" altLang="pt-BR" sz="1600" dirty="0">
+                <a:solidFill>
+                  <a:schemeClr val="tx1"/>
+                </a:solidFill>
+                <a:latin typeface="Times New Roman" panose="02020603050405020304" pitchFamily="18" charset="0"/>
+                <a:cs typeface="Times New Roman" panose="02020603050405020304" pitchFamily="18" charset="0"/>
+              </a:rPr>
+              <a:t>. Sistemas de gerenciamento de banco de dados. 3. Porto Alegre: </a:t>
+            </a:r>
+            <a:r>
+              <a:rPr lang="pt-BR" altLang="pt-BR" sz="1600" dirty="0" err="1">
+                <a:solidFill>
+                  <a:schemeClr val="tx1"/>
+                </a:solidFill>
+                <a:latin typeface="Times New Roman" panose="02020603050405020304" pitchFamily="18" charset="0"/>
+                <a:cs typeface="Times New Roman" panose="02020603050405020304" pitchFamily="18" charset="0"/>
+              </a:rPr>
+              <a:t>McGrawHill</a:t>
+            </a:r>
+            <a:r>
+              <a:rPr lang="pt-BR" altLang="pt-BR" sz="1600" dirty="0">
+                <a:solidFill>
+                  <a:schemeClr val="tx1"/>
+                </a:solidFill>
+                <a:latin typeface="Times New Roman" panose="02020603050405020304" pitchFamily="18" charset="0"/>
+                <a:cs typeface="Times New Roman" panose="02020603050405020304" pitchFamily="18" charset="0"/>
+              </a:rPr>
+              <a:t>, 2008.</a:t>
+            </a:r>
+          </a:p>
+          <a:p>
+            <a:pPr marL="447675" lvl="1" indent="0" algn="just" eaLnBrk="0" hangingPunct="0">
+              <a:buNone/>
+            </a:pPr>
+            <a:r>
+              <a:rPr lang="pt-BR" altLang="pt-BR" sz="1600" b="1" dirty="0">
+                <a:solidFill>
+                  <a:schemeClr val="tx1"/>
+                </a:solidFill>
+                <a:latin typeface="Times New Roman" panose="02020603050405020304" pitchFamily="18" charset="0"/>
+                <a:cs typeface="Times New Roman" panose="02020603050405020304" pitchFamily="18" charset="0"/>
+              </a:rPr>
+              <a:t>Disponível em</a:t>
+            </a:r>
+            <a:r>
+              <a:rPr lang="pt-BR" altLang="pt-BR" sz="1600" dirty="0">
+                <a:solidFill>
+                  <a:schemeClr val="tx1"/>
+                </a:solidFill>
+                <a:latin typeface="Times New Roman" panose="02020603050405020304" pitchFamily="18" charset="0"/>
+                <a:cs typeface="Times New Roman" panose="02020603050405020304" pitchFamily="18" charset="0"/>
+              </a:rPr>
+              <a:t>: </a:t>
+            </a:r>
+            <a:r>
+              <a:rPr lang="pt-BR" altLang="pt-BR" sz="1600" dirty="0">
+                <a:solidFill>
+                  <a:schemeClr val="tx1"/>
+                </a:solidFill>
+                <a:latin typeface="Times New Roman" panose="02020603050405020304" pitchFamily="18" charset="0"/>
+                <a:cs typeface="Times New Roman" panose="02020603050405020304" pitchFamily="18" charset="0"/>
+                <a:hlinkClick r:id="rId4"/>
+              </a:rPr>
+              <a:t>https://integrada.minhabiblioteca.com.br/#/books/9788563308771</a:t>
+            </a:r>
+            <a:r>
+              <a:rPr lang="pt-BR" altLang="pt-BR" sz="1600" dirty="0">
+                <a:solidFill>
+                  <a:schemeClr val="tx1"/>
+                </a:solidFill>
+                <a:latin typeface="Times New Roman" panose="02020603050405020304" pitchFamily="18" charset="0"/>
+                <a:cs typeface="Times New Roman" panose="02020603050405020304" pitchFamily="18" charset="0"/>
+              </a:rPr>
+              <a:t> </a:t>
+            </a:r>
+          </a:p>
+        </p:txBody>
+      </p:sp>
+      <p:cxnSp>
+        <p:nvCxnSpPr>
+          <p:cNvPr id="4" name="Conector reto 3">
+            <a:extLst>
+              <a:ext uri="{FF2B5EF4-FFF2-40B4-BE49-F238E27FC236}">
+                <a16:creationId xmlns:a16="http://schemas.microsoft.com/office/drawing/2014/main" id="{53C1D5BE-B08D-43BA-9100-4319F7669DAD}"/>
+              </a:ext>
+            </a:extLst>
+          </p:cNvPr>
+          <p:cNvCxnSpPr>
+            <a:cxnSpLocks/>
+          </p:cNvCxnSpPr>
+          <p:nvPr/>
+        </p:nvCxnSpPr>
+        <p:spPr>
+          <a:xfrm flipV="1">
+            <a:off x="310728" y="902136"/>
+            <a:ext cx="8699160" cy="40954"/>
+          </a:xfrm>
+          <a:prstGeom prst="line">
+            <a:avLst/>
+          </a:prstGeom>
+          <a:ln w="38100">
+            <a:headEnd type="none" w="med" len="med"/>
+            <a:tailEnd type="none" w="med" len="med"/>
+          </a:ln>
+          <a:scene3d>
+            <a:camera prst="orthographicFront"/>
+            <a:lightRig rig="threePt" dir="t"/>
+          </a:scene3d>
+          <a:sp3d>
+            <a:bevelT prst="convex"/>
+          </a:sp3d>
+        </p:spPr>
+        <p:style>
+          <a:lnRef idx="3">
+            <a:schemeClr val="accent1"/>
+          </a:lnRef>
+          <a:fillRef idx="0">
+            <a:schemeClr val="accent1"/>
+          </a:fillRef>
+          <a:effectRef idx="2">
+            <a:schemeClr val="accent1"/>
+          </a:effectRef>
+          <a:fontRef idx="minor">
+            <a:schemeClr val="tx1"/>
+          </a:fontRef>
+        </p:style>
+      </p:cxnSp>
+    </p:spTree>
+    <p:extLst>
+      <p:ext uri="{BB962C8B-B14F-4D97-AF65-F5344CB8AC3E}">
+        <p14:creationId xmlns:p14="http://schemas.microsoft.com/office/powerpoint/2010/main" val="4192630304"/>
+      </p:ext>
+    </p:extLst>
+  </p:cSld>
+  <p:clrMapOvr>
+    <a:masterClrMapping/>
+  </p:clrMapOvr>
+  <p:transition spd="med"/>
+</p:sld>
+</file>
+
+<file path=ppt/slides/slide24.xml><?xml version="1.0" encoding="utf-8"?>
 <p:sld xmlns:a="http://schemas.openxmlformats.org/drawingml/2006/main" xmlns:r="http://schemas.openxmlformats.org/officeDocument/2006/relationships" xmlns:p="http://schemas.openxmlformats.org/presentationml/2006/main">
   <p:cSld>
     <p:spTree>
@@ -17453,7 +19551,7 @@
                 <a:latin typeface="Times New Roman" panose="02020603050405020304" pitchFamily="18" charset="0"/>
                 <a:cs typeface="Times New Roman" panose="02020603050405020304" pitchFamily="18" charset="0"/>
               </a:rPr>
-              <a:t>A disciplina visa habilitar o discente na área da Ciência da Computação que se dedica ao estudo e desenvolvimento de técnicas e algoritmos para a geração (síntese) de imagens através do computador, no que tange:</a:t>
+              <a:t>A disciplina visa habilitar o discente na área da Ciência da Computação que se dedica ao estudo e desenvolvimento de técnicas para manipulação de dados.</a:t>
             </a:r>
           </a:p>
           <a:p>
@@ -17469,7 +19567,9 @@
             </a:endParaRPr>
           </a:p>
           <a:p>
-            <a:pPr algn="just" eaLnBrk="0" hangingPunct="0"/>
+            <a:pPr marL="0" indent="0" algn="just" eaLnBrk="0" hangingPunct="0">
+              <a:buNone/>
+            </a:pPr>
             <a:r>
               <a:rPr lang="pt-BR" altLang="pt-BR" sz="2000" dirty="0">
                 <a:solidFill>
@@ -17478,11 +19578,13 @@
                 <a:latin typeface="Times New Roman" panose="02020603050405020304" pitchFamily="18" charset="0"/>
                 <a:cs typeface="Times New Roman" panose="02020603050405020304" pitchFamily="18" charset="0"/>
               </a:rPr>
-              <a:t>Aplicar as técnicas de síntese e processamento de imagens para construir e modificar imagens no computador. </a:t>
-            </a:r>
-          </a:p>
-          <a:p>
-            <a:pPr algn="just" eaLnBrk="0" hangingPunct="0"/>
+              <a:t>Um banco de dados é uma coleção de dados armazenados de maneira ordenada. Para executar um sistema com eficiência, você precisaria de uma memória adequada dos registros passados ​​e presentes que entraram e saíram desse sistema específico.</a:t>
+            </a:r>
+          </a:p>
+          <a:p>
+            <a:pPr marL="0" indent="0" algn="just" eaLnBrk="0" hangingPunct="0">
+              <a:buNone/>
+            </a:pPr>
             <a:endParaRPr lang="pt-BR" altLang="pt-BR" sz="2000" dirty="0">
               <a:solidFill>
                 <a:schemeClr val="tx1"/>
@@ -17492,7 +19594,9 @@
             </a:endParaRPr>
           </a:p>
           <a:p>
-            <a:pPr algn="just" eaLnBrk="0" hangingPunct="0"/>
+            <a:pPr marL="0" indent="0" algn="just" eaLnBrk="0" hangingPunct="0">
+              <a:buNone/>
+            </a:pPr>
             <a:r>
               <a:rPr lang="pt-BR" altLang="pt-BR" sz="2000" dirty="0">
                 <a:solidFill>
@@ -17501,7 +19605,7 @@
                 <a:latin typeface="Times New Roman" panose="02020603050405020304" pitchFamily="18" charset="0"/>
                 <a:cs typeface="Times New Roman" panose="02020603050405020304" pitchFamily="18" charset="0"/>
               </a:rPr>
-              <a:t>Construir objetos sólidos tridimensionais e outras formas geométricas presentes na natureza, bem como gerar animações no computador, utilizando as técnicas de representação e modelagem de objetos e os métodos de animação. </a:t>
+              <a:t>é um conjunto resultado de uma consulta armazenada sobre os dados, em que os usuários do banco de dados podem consultar simplesmente como eles fariam em um objeto de coleção de banco de dados persistente.</a:t>
             </a:r>
           </a:p>
         </p:txBody>
@@ -17672,12 +19776,53 @@
                 <a:latin typeface="Times New Roman" panose="02020603050405020304" pitchFamily="18" charset="0"/>
                 <a:cs typeface="Times New Roman" panose="02020603050405020304" pitchFamily="18" charset="0"/>
               </a:rPr>
-              <a:t>Construir ou modificar imagens digitais, utilizando linguagens de computador, e aplicando as técnicas de síntese de imagens e transformações geométricas no plano. </a:t>
-            </a:r>
-          </a:p>
-          <a:p>
-            <a:pPr marL="0" indent="0" algn="just" eaLnBrk="0" hangingPunct="0">
-              <a:buNone/>
+              <a:t>­ Identificar a evolução histórica dos bancos de dados, as características dos </a:t>
+            </a:r>
+            <a:r>
+              <a:rPr lang="pt-BR" sz="2000" dirty="0" err="1">
+                <a:solidFill>
+                  <a:schemeClr val="tx1"/>
+                </a:solidFill>
+                <a:latin typeface="Times New Roman" panose="02020603050405020304" pitchFamily="18" charset="0"/>
+                <a:cs typeface="Times New Roman" panose="02020603050405020304" pitchFamily="18" charset="0"/>
+              </a:rPr>
+              <a:t>SBDs</a:t>
+            </a:r>
+            <a:r>
+              <a:rPr lang="pt-BR" sz="2000" dirty="0">
+                <a:solidFill>
+                  <a:schemeClr val="tx1"/>
+                </a:solidFill>
+                <a:latin typeface="Times New Roman" panose="02020603050405020304" pitchFamily="18" charset="0"/>
+                <a:cs typeface="Times New Roman" panose="02020603050405020304" pitchFamily="18" charset="0"/>
+              </a:rPr>
+              <a:t> e a arquitetura dos </a:t>
+            </a:r>
+            <a:r>
+              <a:rPr lang="pt-BR" sz="2000" dirty="0" err="1">
+                <a:solidFill>
+                  <a:schemeClr val="tx1"/>
+                </a:solidFill>
+                <a:latin typeface="Times New Roman" panose="02020603050405020304" pitchFamily="18" charset="0"/>
+                <a:cs typeface="Times New Roman" panose="02020603050405020304" pitchFamily="18" charset="0"/>
+              </a:rPr>
+              <a:t>SGBDs</a:t>
+            </a:r>
+            <a:r>
+              <a:rPr lang="pt-BR" sz="2000" dirty="0">
+                <a:solidFill>
+                  <a:schemeClr val="tx1"/>
+                </a:solidFill>
+                <a:latin typeface="Times New Roman" panose="02020603050405020304" pitchFamily="18" charset="0"/>
+                <a:cs typeface="Times New Roman" panose="02020603050405020304" pitchFamily="18" charset="0"/>
+              </a:rPr>
+              <a:t>, com base na abordagem relacional, para compor o alicerce o desenvolvimento de banco de dados.</a:t>
+            </a:r>
+          </a:p>
+          <a:p>
+            <a:pPr algn="just" eaLnBrk="0" hangingPunct="0">
+              <a:buFont typeface="Wingdings" panose="05000000000000000000" pitchFamily="2" charset="2"/>
+              <a:buChar char="§"/>
             </a:pPr>
             <a:endParaRPr lang="pt-BR" sz="2000" dirty="0">
               <a:solidFill>
@@ -17700,35 +19845,7 @@
                 <a:latin typeface="Times New Roman" panose="02020603050405020304" pitchFamily="18" charset="0"/>
                 <a:cs typeface="Times New Roman" panose="02020603050405020304" pitchFamily="18" charset="0"/>
               </a:rPr>
-              <a:t>Usar técnicas de representação e modelagem de sólidos para construir e armazenar, no computador, objetos sólidos 3D e representá­-los em 2D. </a:t>
-            </a:r>
-          </a:p>
-          <a:p>
-            <a:pPr marL="0" indent="0" algn="just" eaLnBrk="0" hangingPunct="0">
-              <a:buNone/>
-            </a:pPr>
-            <a:endParaRPr lang="pt-BR" sz="2000" dirty="0">
-              <a:solidFill>
-                <a:schemeClr val="tx1"/>
-              </a:solidFill>
-              <a:latin typeface="Times New Roman" panose="02020603050405020304" pitchFamily="18" charset="0"/>
-              <a:cs typeface="Times New Roman" panose="02020603050405020304" pitchFamily="18" charset="0"/>
-            </a:endParaRPr>
-          </a:p>
-          <a:p>
-            <a:pPr algn="just" eaLnBrk="0" hangingPunct="0">
-              <a:buFont typeface="Wingdings" panose="05000000000000000000" pitchFamily="2" charset="2"/>
-              <a:buChar char="§"/>
-            </a:pPr>
-            <a:r>
-              <a:rPr lang="pt-BR" sz="2000" dirty="0">
-                <a:solidFill>
-                  <a:schemeClr val="tx1"/>
-                </a:solidFill>
-                <a:latin typeface="Times New Roman" panose="02020603050405020304" pitchFamily="18" charset="0"/>
-                <a:cs typeface="Times New Roman" panose="02020603050405020304" pitchFamily="18" charset="0"/>
-              </a:rPr>
-              <a:t>Tratar imagens digitais, modificando suas características para atender a objetivos específicos de eliminação de ruídos, realce de características e iluminação.</a:t>
+              <a:t>­ Implementar as etapas de um projeto conceitual de banco de dados, com base na abordagem relacional e no diagrama de entidade ­relacionamento, para organizar a forma de pensamento sobre os dados a partir do conhecimento obtido nas especificações do negócio.</a:t>
             </a:r>
           </a:p>
         </p:txBody>
@@ -17899,12 +20016,13 @@
                 <a:latin typeface="Times New Roman" panose="02020603050405020304" pitchFamily="18" charset="0"/>
                 <a:cs typeface="Times New Roman" panose="02020603050405020304" pitchFamily="18" charset="0"/>
               </a:rPr>
-              <a:t>Simular situações reais ou não, utilizando técnicas de animação 2D e 3D, para construir animações em computador.</a:t>
-            </a:r>
-          </a:p>
-          <a:p>
-            <a:pPr marL="0" indent="0" algn="just" eaLnBrk="0" hangingPunct="0">
-              <a:buNone/>
+              <a:t>­ Implementar as etapas de um projeto lógico e físico de banco de dados, com base nas técnicas de normalização, no mapeamento conceitual­ lógico e nos aspectos físicos que influenciam a implementação do modelo no SGBD, para a construção de estruturas de dados adequadas e de armazenamento eficiente de dados.</a:t>
+            </a:r>
+          </a:p>
+          <a:p>
+            <a:pPr algn="just" eaLnBrk="0" hangingPunct="0">
+              <a:buFont typeface="Wingdings" panose="05000000000000000000" pitchFamily="2" charset="2"/>
+              <a:buChar char="§"/>
             </a:pPr>
             <a:endParaRPr lang="pt-BR" sz="2000" dirty="0">
               <a:solidFill>
@@ -17927,7 +20045,7 @@
                 <a:latin typeface="Times New Roman" panose="02020603050405020304" pitchFamily="18" charset="0"/>
                 <a:cs typeface="Times New Roman" panose="02020603050405020304" pitchFamily="18" charset="0"/>
               </a:rPr>
-              <a:t>Aplicar técnicas apropriadas para modelar e desenhar formas geométricas presentes na natureza, no computador</a:t>
+              <a:t>­ Gerenciar objetos no SGBD PostgreSQL, com base na implementação de bancos de dados relacionais, a linguagem SQL e os conceitos de transação, para refletir o projeto criado durante a modelagem e normalização dos dados, bem como manipular dados de forma eficiente.</a:t>
             </a:r>
           </a:p>
         </p:txBody>
@@ -17984,7 +20102,7 @@
     </p:spTree>
     <p:extLst>
       <p:ext uri="{BB962C8B-B14F-4D97-AF65-F5344CB8AC3E}">
-        <p14:creationId xmlns:p14="http://schemas.microsoft.com/office/powerpoint/2010/main" val="3480266754"/>
+        <p14:creationId xmlns:p14="http://schemas.microsoft.com/office/powerpoint/2010/main" val="675183548"/>
       </p:ext>
     </p:extLst>
   </p:cSld>
@@ -18038,7 +20156,7 @@
                   <a:srgbClr val="0070C0"/>
                 </a:solidFill>
               </a:rPr>
-              <a:t>Unidades</a:t>
+              <a:t>Objetivos</a:t>
             </a:r>
             <a:r>
               <a:rPr lang="en-US" b="1" dirty="0">
@@ -18054,7 +20172,7 @@
                   <a:srgbClr val="0070C0"/>
                 </a:solidFill>
               </a:rPr>
-              <a:t>Conteúdos</a:t>
+              <a:t>Habilidades</a:t>
             </a:r>
             <a:endParaRPr lang="en-US" b="1" dirty="0">
               <a:solidFill>
@@ -18086,6 +20204,206 @@
           </a:bodyPr>
           <a:lstStyle/>
           <a:p>
+            <a:pPr algn="just" eaLnBrk="0" hangingPunct="0">
+              <a:buFont typeface="Wingdings" panose="05000000000000000000" pitchFamily="2" charset="2"/>
+              <a:buChar char="§"/>
+            </a:pPr>
+            <a:r>
+              <a:rPr lang="pt-BR" sz="2000" dirty="0">
+                <a:solidFill>
+                  <a:schemeClr val="tx1"/>
+                </a:solidFill>
+                <a:latin typeface="Times New Roman" panose="02020603050405020304" pitchFamily="18" charset="0"/>
+                <a:cs typeface="Times New Roman" panose="02020603050405020304" pitchFamily="18" charset="0"/>
+              </a:rPr>
+              <a:t>­ Realizar consultas em uma tabela, com base em expressões SELECT, em condições utilizando a cláusula WHERE e com agrupamento de dados utilizando o SGBD PostgreSQL, para especificar quais colunas de uma tabela devem ser retornadas no conjunto de resultados e filtrar registros que atendem a uma condição especificada.</a:t>
+            </a:r>
+          </a:p>
+          <a:p>
+            <a:pPr algn="just" eaLnBrk="0" hangingPunct="0">
+              <a:buFont typeface="Wingdings" panose="05000000000000000000" pitchFamily="2" charset="2"/>
+              <a:buChar char="§"/>
+            </a:pPr>
+            <a:endParaRPr lang="pt-BR" sz="2000" dirty="0">
+              <a:solidFill>
+                <a:schemeClr val="tx1"/>
+              </a:solidFill>
+              <a:latin typeface="Times New Roman" panose="02020603050405020304" pitchFamily="18" charset="0"/>
+              <a:cs typeface="Times New Roman" panose="02020603050405020304" pitchFamily="18" charset="0"/>
+            </a:endParaRPr>
+          </a:p>
+          <a:p>
+            <a:pPr algn="just" eaLnBrk="0" hangingPunct="0">
+              <a:buFont typeface="Wingdings" panose="05000000000000000000" pitchFamily="2" charset="2"/>
+              <a:buChar char="§"/>
+            </a:pPr>
+            <a:r>
+              <a:rPr lang="pt-BR" sz="2000" dirty="0">
+                <a:solidFill>
+                  <a:schemeClr val="tx1"/>
+                </a:solidFill>
+                <a:latin typeface="Times New Roman" panose="02020603050405020304" pitchFamily="18" charset="0"/>
+                <a:cs typeface="Times New Roman" panose="02020603050405020304" pitchFamily="18" charset="0"/>
+              </a:rPr>
+              <a:t>­ Realizar consultas com várias tabelas, com base em junções interior e exterior, em consultas correlatas e aninhadas e com operadores de conjunto utilizando o SGBD PostgreSQL, para a construção de consultas que combinem registros de duas ou mais tabelas, restringindo ou retornando os dados a serem recuperados.</a:t>
+            </a:r>
+          </a:p>
+        </p:txBody>
+      </p:sp>
+      <p:cxnSp>
+        <p:nvCxnSpPr>
+          <p:cNvPr id="4" name="Conector reto 3">
+            <a:extLst>
+              <a:ext uri="{FF2B5EF4-FFF2-40B4-BE49-F238E27FC236}">
+                <a16:creationId xmlns:a16="http://schemas.microsoft.com/office/drawing/2014/main" id="{53C1D5BE-B08D-43BA-9100-4319F7669DAD}"/>
+              </a:ext>
+            </a:extLst>
+          </p:cNvPr>
+          <p:cNvCxnSpPr>
+            <a:cxnSpLocks/>
+          </p:cNvCxnSpPr>
+          <p:nvPr/>
+        </p:nvCxnSpPr>
+        <p:spPr>
+          <a:xfrm flipV="1">
+            <a:off x="310728" y="902136"/>
+            <a:ext cx="8699160" cy="40954"/>
+          </a:xfrm>
+          <a:prstGeom prst="line">
+            <a:avLst/>
+          </a:prstGeom>
+          <a:ln w="38100">
+            <a:headEnd type="none" w="med" len="med"/>
+            <a:tailEnd type="none" w="med" len="med"/>
+          </a:ln>
+          <a:scene3d>
+            <a:camera prst="orthographicFront"/>
+            <a:lightRig rig="threePt" dir="t"/>
+          </a:scene3d>
+          <a:sp3d>
+            <a:bevelT prst="convex"/>
+          </a:sp3d>
+        </p:spPr>
+        <p:style>
+          <a:lnRef idx="3">
+            <a:schemeClr val="accent1"/>
+          </a:lnRef>
+          <a:fillRef idx="0">
+            <a:schemeClr val="accent1"/>
+          </a:fillRef>
+          <a:effectRef idx="2">
+            <a:schemeClr val="accent1"/>
+          </a:effectRef>
+          <a:fontRef idx="minor">
+            <a:schemeClr val="tx1"/>
+          </a:fontRef>
+        </p:style>
+      </p:cxnSp>
+    </p:spTree>
+    <p:extLst>
+      <p:ext uri="{BB962C8B-B14F-4D97-AF65-F5344CB8AC3E}">
+        <p14:creationId xmlns:p14="http://schemas.microsoft.com/office/powerpoint/2010/main" val="980827106"/>
+      </p:ext>
+    </p:extLst>
+  </p:cSld>
+  <p:clrMapOvr>
+    <a:masterClrMapping/>
+  </p:clrMapOvr>
+  <p:transition spd="med"/>
+</p:sld>
+</file>
+
+<file path=ppt/slides/slide8.xml><?xml version="1.0" encoding="utf-8"?>
+<p:sld xmlns:a="http://schemas.openxmlformats.org/drawingml/2006/main" xmlns:r="http://schemas.openxmlformats.org/officeDocument/2006/relationships" xmlns:p="http://schemas.openxmlformats.org/presentationml/2006/main">
+  <p:cSld>
+    <p:spTree>
+      <p:nvGrpSpPr>
+        <p:cNvPr id="1" name=""/>
+        <p:cNvGrpSpPr/>
+        <p:nvPr/>
+      </p:nvGrpSpPr>
+      <p:grpSpPr>
+        <a:xfrm>
+          <a:off x="0" y="0"/>
+          <a:ext cx="0" cy="0"/>
+          <a:chOff x="0" y="0"/>
+          <a:chExt cx="0" cy="0"/>
+        </a:xfrm>
+      </p:grpSpPr>
+      <p:sp>
+        <p:nvSpPr>
+          <p:cNvPr id="6" name="Title 1"/>
+          <p:cNvSpPr>
+            <a:spLocks noGrp="1"/>
+          </p:cNvSpPr>
+          <p:nvPr>
+            <p:ph type="title"/>
+          </p:nvPr>
+        </p:nvSpPr>
+        <p:spPr>
+          <a:xfrm>
+            <a:off x="457200" y="205980"/>
+            <a:ext cx="8229600" cy="857251"/>
+          </a:xfrm>
+        </p:spPr>
+        <p:txBody>
+          <a:bodyPr/>
+          <a:lstStyle/>
+          <a:p>
+            <a:r>
+              <a:rPr lang="en-US" b="1" dirty="0" err="1">
+                <a:solidFill>
+                  <a:srgbClr val="0070C0"/>
+                </a:solidFill>
+              </a:rPr>
+              <a:t>Unidades</a:t>
+            </a:r>
+            <a:r>
+              <a:rPr lang="en-US" b="1" dirty="0">
+                <a:solidFill>
+                  <a:srgbClr val="0070C0"/>
+                </a:solidFill>
+              </a:rPr>
+              <a:t>/</a:t>
+            </a:r>
+            <a:r>
+              <a:rPr lang="en-US" b="1" dirty="0" err="1">
+                <a:solidFill>
+                  <a:srgbClr val="0070C0"/>
+                </a:solidFill>
+              </a:rPr>
+              <a:t>Conteúdos</a:t>
+            </a:r>
+            <a:endParaRPr lang="en-US" b="1" dirty="0">
+              <a:solidFill>
+                <a:srgbClr val="0070C0"/>
+              </a:solidFill>
+            </a:endParaRPr>
+          </a:p>
+        </p:txBody>
+      </p:sp>
+      <p:sp>
+        <p:nvSpPr>
+          <p:cNvPr id="8" name="Text Placeholder 2"/>
+          <p:cNvSpPr>
+            <a:spLocks noGrp="1"/>
+          </p:cNvSpPr>
+          <p:nvPr>
+            <p:ph type="body" sz="half" idx="1"/>
+          </p:nvPr>
+        </p:nvSpPr>
+        <p:spPr>
+          <a:xfrm>
+            <a:off x="142865" y="1104186"/>
+            <a:ext cx="8865056" cy="3833334"/>
+          </a:xfrm>
+        </p:spPr>
+        <p:txBody>
+          <a:bodyPr>
+            <a:noAutofit/>
+          </a:bodyPr>
+          <a:lstStyle/>
+          <a:p>
             <a:pPr marL="457200" indent="-457200" algn="just" eaLnBrk="0" hangingPunct="0">
               <a:buAutoNum type="arabicPeriod"/>
             </a:pPr>
@@ -18097,7 +20415,7 @@
                 <a:latin typeface="Times New Roman" panose="02020603050405020304" pitchFamily="18" charset="0"/>
                 <a:cs typeface="Times New Roman" panose="02020603050405020304" pitchFamily="18" charset="0"/>
               </a:rPr>
-              <a:t>Computação Gráfica: história e evolução;</a:t>
+              <a:t>Sistema De Banco De Dados</a:t>
             </a:r>
           </a:p>
           <a:p>
@@ -18113,8 +20431,8 @@
             </a:endParaRPr>
           </a:p>
           <a:p>
-            <a:pPr marL="457200" indent="-457200" algn="just" eaLnBrk="0" hangingPunct="0">
-              <a:buAutoNum type="arabicPeriod"/>
+            <a:pPr marL="0" indent="0" algn="just" eaLnBrk="0" hangingPunct="0">
+              <a:buNone/>
             </a:pPr>
             <a:r>
               <a:rPr lang="pt-BR" sz="2200" dirty="0">
@@ -18124,12 +20442,12 @@
                 <a:latin typeface="Times New Roman" panose="02020603050405020304" pitchFamily="18" charset="0"/>
                 <a:cs typeface="Times New Roman" panose="02020603050405020304" pitchFamily="18" charset="0"/>
               </a:rPr>
-              <a:t>Estudo da cor e sua representação no computador;</a:t>
-            </a:r>
-          </a:p>
-          <a:p>
-            <a:pPr marL="457200" indent="-457200" algn="just" eaLnBrk="0" hangingPunct="0">
-              <a:buAutoNum type="arabicPeriod"/>
+              <a:t>1.1 Histórico Dos Bancos De Dados</a:t>
+            </a:r>
+          </a:p>
+          <a:p>
+            <a:pPr marL="0" indent="0" algn="just" eaLnBrk="0" hangingPunct="0">
+              <a:buNone/>
             </a:pPr>
             <a:endParaRPr lang="pt-BR" sz="2200" dirty="0">
               <a:solidFill>
@@ -18140,8 +20458,8 @@
             </a:endParaRPr>
           </a:p>
           <a:p>
-            <a:pPr marL="457200" indent="-457200" algn="just" eaLnBrk="0" hangingPunct="0">
-              <a:buAutoNum type="arabicPeriod"/>
+            <a:pPr marL="0" indent="0" algn="just" eaLnBrk="0" hangingPunct="0">
+              <a:buNone/>
             </a:pPr>
             <a:r>
               <a:rPr lang="pt-BR" sz="2200" dirty="0">
@@ -18151,12 +20469,12 @@
                 <a:latin typeface="Times New Roman" panose="02020603050405020304" pitchFamily="18" charset="0"/>
                 <a:cs typeface="Times New Roman" panose="02020603050405020304" pitchFamily="18" charset="0"/>
               </a:rPr>
-              <a:t>Estudo e aplicação de transformações geométricas no plano e no espaço: aritmética de vetores e matrizes;</a:t>
-            </a:r>
-          </a:p>
-          <a:p>
-            <a:pPr marL="457200" indent="-457200" algn="just" eaLnBrk="0" hangingPunct="0">
-              <a:buAutoNum type="arabicPeriod"/>
+              <a:t>1.2 Sistemas De Banco De Dados (SBD)</a:t>
+            </a:r>
+          </a:p>
+          <a:p>
+            <a:pPr marL="0" indent="0" algn="just" eaLnBrk="0" hangingPunct="0">
+              <a:buNone/>
             </a:pPr>
             <a:endParaRPr lang="pt-BR" sz="2200" dirty="0">
               <a:solidFill>
@@ -18167,8 +20485,8 @@
             </a:endParaRPr>
           </a:p>
           <a:p>
-            <a:pPr marL="457200" indent="-457200" algn="just" eaLnBrk="0" hangingPunct="0">
-              <a:buAutoNum type="arabicPeriod"/>
+            <a:pPr marL="0" indent="0" algn="just" eaLnBrk="0" hangingPunct="0">
+              <a:buNone/>
             </a:pPr>
             <a:r>
               <a:rPr lang="pt-BR" sz="2200" dirty="0">
@@ -18178,7 +20496,7 @@
                 <a:latin typeface="Times New Roman" panose="02020603050405020304" pitchFamily="18" charset="0"/>
                 <a:cs typeface="Times New Roman" panose="02020603050405020304" pitchFamily="18" charset="0"/>
               </a:rPr>
-              <a:t>Uso de coordenadas homogêneas;</a:t>
+              <a:t>1.3 Sistemas De Gerência De Banco De Dados (SGDB)</a:t>
             </a:r>
           </a:p>
         </p:txBody>
@@ -18246,7 +20564,7 @@
 </p:sld>
 </file>
 
-<file path=ppt/slides/slide8.xml><?xml version="1.0" encoding="utf-8"?>
+<file path=ppt/slides/slide9.xml><?xml version="1.0" encoding="utf-8"?>
 <p:sld xmlns:a="http://schemas.openxmlformats.org/drawingml/2006/main" xmlns:r="http://schemas.openxmlformats.org/officeDocument/2006/relationships" xmlns:p="http://schemas.openxmlformats.org/presentationml/2006/main">
   <p:cSld>
     <p:spTree>
@@ -18338,8 +20656,7 @@
           <a:lstStyle/>
           <a:p>
             <a:pPr marL="457200" indent="-457200" algn="just" eaLnBrk="0" hangingPunct="0">
-              <a:buFont typeface="+mj-lt"/>
-              <a:buAutoNum type="arabicPeriod" startAt="5"/>
+              <a:buAutoNum type="arabicPeriod" startAt="2"/>
             </a:pPr>
             <a:r>
               <a:rPr lang="pt-BR" sz="2200" dirty="0">
@@ -18349,13 +20666,12 @@
                 <a:latin typeface="Times New Roman" panose="02020603050405020304" pitchFamily="18" charset="0"/>
                 <a:cs typeface="Times New Roman" panose="02020603050405020304" pitchFamily="18" charset="0"/>
               </a:rPr>
-              <a:t>Representação de curvas no computador;</a:t>
+              <a:t>Projeto De Banco De Dados: Modelagem Conceitual</a:t>
             </a:r>
           </a:p>
           <a:p>
             <a:pPr marL="457200" indent="-457200" algn="just" eaLnBrk="0" hangingPunct="0">
-              <a:buFont typeface="+mj-lt"/>
-              <a:buAutoNum type="arabicPeriod" startAt="5"/>
+              <a:buAutoNum type="arabicPeriod" startAt="2"/>
             </a:pPr>
             <a:endParaRPr lang="pt-BR" sz="2200" dirty="0">
               <a:solidFill>
@@ -18366,8 +20682,8 @@
             </a:endParaRPr>
           </a:p>
           <a:p>
-            <a:pPr marL="457200" indent="-457200" algn="just" eaLnBrk="0" hangingPunct="0">
-              <a:buAutoNum type="arabicPeriod" startAt="5"/>
+            <a:pPr marL="0" indent="0" algn="just" eaLnBrk="0" hangingPunct="0">
+              <a:buNone/>
             </a:pPr>
             <a:r>
               <a:rPr lang="pt-BR" sz="2200" dirty="0">
@@ -18377,12 +20693,12 @@
                 <a:latin typeface="Times New Roman" panose="02020603050405020304" pitchFamily="18" charset="0"/>
                 <a:cs typeface="Times New Roman" panose="02020603050405020304" pitchFamily="18" charset="0"/>
               </a:rPr>
-              <a:t>Estudo de técnicas de construção de superfícies;</a:t>
-            </a:r>
-          </a:p>
-          <a:p>
-            <a:pPr marL="457200" indent="-457200" algn="just" eaLnBrk="0" hangingPunct="0">
-              <a:buAutoNum type="arabicPeriod" startAt="5"/>
+              <a:t>2.1 Etapas Do Projeto</a:t>
+            </a:r>
+          </a:p>
+          <a:p>
+            <a:pPr marL="0" indent="0" algn="just" eaLnBrk="0" hangingPunct="0">
+              <a:buNone/>
             </a:pPr>
             <a:endParaRPr lang="pt-BR" sz="2200" dirty="0">
               <a:solidFill>
@@ -18393,8 +20709,8 @@
             </a:endParaRPr>
           </a:p>
           <a:p>
-            <a:pPr marL="457200" indent="-457200" algn="just" eaLnBrk="0" hangingPunct="0">
-              <a:buAutoNum type="arabicPeriod" startAt="5"/>
+            <a:pPr marL="0" indent="0" algn="just" eaLnBrk="0" hangingPunct="0">
+              <a:buNone/>
             </a:pPr>
             <a:r>
               <a:rPr lang="pt-BR" sz="2200" dirty="0">
@@ -18404,12 +20720,12 @@
                 <a:latin typeface="Times New Roman" panose="02020603050405020304" pitchFamily="18" charset="0"/>
                 <a:cs typeface="Times New Roman" panose="02020603050405020304" pitchFamily="18" charset="0"/>
               </a:rPr>
-              <a:t>Representação e modelagem de sólidos;</a:t>
-            </a:r>
-          </a:p>
-          <a:p>
-            <a:pPr marL="457200" indent="-457200" algn="just" eaLnBrk="0" hangingPunct="0">
-              <a:buAutoNum type="arabicPeriod" startAt="5"/>
+              <a:t>2.2 Diagrama De Entidade E Relacionamento</a:t>
+            </a:r>
+          </a:p>
+          <a:p>
+            <a:pPr marL="0" indent="0" algn="just" eaLnBrk="0" hangingPunct="0">
+              <a:buNone/>
             </a:pPr>
             <a:endParaRPr lang="pt-BR" sz="2200" dirty="0">
               <a:solidFill>
@@ -18420,8 +20736,8 @@
             </a:endParaRPr>
           </a:p>
           <a:p>
-            <a:pPr marL="457200" indent="-457200" algn="just" eaLnBrk="0" hangingPunct="0">
-              <a:buAutoNum type="arabicPeriod" startAt="5"/>
+            <a:pPr marL="0" indent="0" algn="just" eaLnBrk="0" hangingPunct="0">
+              <a:buNone/>
             </a:pPr>
             <a:r>
               <a:rPr lang="pt-BR" sz="2200" dirty="0">
@@ -18431,7 +20747,34 @@
                 <a:latin typeface="Times New Roman" panose="02020603050405020304" pitchFamily="18" charset="0"/>
                 <a:cs typeface="Times New Roman" panose="02020603050405020304" pitchFamily="18" charset="0"/>
               </a:rPr>
-              <a:t>Técnicas de modelagem geométrica;</a:t>
+              <a:t>2.3 Modelagem De Entidades E Relacionamentos</a:t>
+            </a:r>
+          </a:p>
+          <a:p>
+            <a:pPr marL="0" indent="0" algn="just" eaLnBrk="0" hangingPunct="0">
+              <a:buNone/>
+            </a:pPr>
+            <a:endParaRPr lang="pt-BR" sz="2200" dirty="0">
+              <a:solidFill>
+                <a:schemeClr val="tx1"/>
+              </a:solidFill>
+              <a:latin typeface="Times New Roman" panose="02020603050405020304" pitchFamily="18" charset="0"/>
+              <a:cs typeface="Times New Roman" panose="02020603050405020304" pitchFamily="18" charset="0"/>
+            </a:endParaRPr>
+          </a:p>
+          <a:p>
+            <a:pPr marL="0" indent="0" algn="just" eaLnBrk="0" hangingPunct="0">
+              <a:buNone/>
+            </a:pPr>
+            <a:r>
+              <a:rPr lang="pt-BR" sz="2200" dirty="0">
+                <a:solidFill>
+                  <a:schemeClr val="tx1"/>
+                </a:solidFill>
+                <a:latin typeface="Times New Roman" panose="02020603050405020304" pitchFamily="18" charset="0"/>
+                <a:cs typeface="Times New Roman" panose="02020603050405020304" pitchFamily="18" charset="0"/>
+              </a:rPr>
+              <a:t>2.4 Modelagem De Atributos</a:t>
             </a:r>
           </a:p>
         </p:txBody>
@@ -18489,278 +20832,6 @@
     <p:extLst>
       <p:ext uri="{BB962C8B-B14F-4D97-AF65-F5344CB8AC3E}">
         <p14:creationId xmlns:p14="http://schemas.microsoft.com/office/powerpoint/2010/main" val="4251093330"/>
-      </p:ext>
-    </p:extLst>
-  </p:cSld>
-  <p:clrMapOvr>
-    <a:masterClrMapping/>
-  </p:clrMapOvr>
-  <p:transition spd="med"/>
-</p:sld>
-</file>
-
-<file path=ppt/slides/slide9.xml><?xml version="1.0" encoding="utf-8"?>
-<p:sld xmlns:a="http://schemas.openxmlformats.org/drawingml/2006/main" xmlns:r="http://schemas.openxmlformats.org/officeDocument/2006/relationships" xmlns:p="http://schemas.openxmlformats.org/presentationml/2006/main">
-  <p:cSld>
-    <p:spTree>
-      <p:nvGrpSpPr>
-        <p:cNvPr id="1" name=""/>
-        <p:cNvGrpSpPr/>
-        <p:nvPr/>
-      </p:nvGrpSpPr>
-      <p:grpSpPr>
-        <a:xfrm>
-          <a:off x="0" y="0"/>
-          <a:ext cx="0" cy="0"/>
-          <a:chOff x="0" y="0"/>
-          <a:chExt cx="0" cy="0"/>
-        </a:xfrm>
-      </p:grpSpPr>
-      <p:sp>
-        <p:nvSpPr>
-          <p:cNvPr id="6" name="Title 1"/>
-          <p:cNvSpPr>
-            <a:spLocks noGrp="1"/>
-          </p:cNvSpPr>
-          <p:nvPr>
-            <p:ph type="title"/>
-          </p:nvPr>
-        </p:nvSpPr>
-        <p:spPr>
-          <a:xfrm>
-            <a:off x="457200" y="205980"/>
-            <a:ext cx="8229600" cy="857251"/>
-          </a:xfrm>
-        </p:spPr>
-        <p:txBody>
-          <a:bodyPr/>
-          <a:lstStyle/>
-          <a:p>
-            <a:r>
-              <a:rPr lang="en-US" b="1" dirty="0" err="1">
-                <a:solidFill>
-                  <a:srgbClr val="0070C0"/>
-                </a:solidFill>
-              </a:rPr>
-              <a:t>Unidades</a:t>
-            </a:r>
-            <a:r>
-              <a:rPr lang="en-US" b="1" dirty="0">
-                <a:solidFill>
-                  <a:srgbClr val="0070C0"/>
-                </a:solidFill>
-              </a:rPr>
-              <a:t>/</a:t>
-            </a:r>
-            <a:r>
-              <a:rPr lang="en-US" b="1" dirty="0" err="1">
-                <a:solidFill>
-                  <a:srgbClr val="0070C0"/>
-                </a:solidFill>
-              </a:rPr>
-              <a:t>Conteúdos</a:t>
-            </a:r>
-            <a:endParaRPr lang="en-US" b="1" dirty="0">
-              <a:solidFill>
-                <a:srgbClr val="0070C0"/>
-              </a:solidFill>
-            </a:endParaRPr>
-          </a:p>
-        </p:txBody>
-      </p:sp>
-      <p:sp>
-        <p:nvSpPr>
-          <p:cNvPr id="8" name="Text Placeholder 2"/>
-          <p:cNvSpPr>
-            <a:spLocks noGrp="1"/>
-          </p:cNvSpPr>
-          <p:nvPr>
-            <p:ph type="body" sz="half" idx="1"/>
-          </p:nvPr>
-        </p:nvSpPr>
-        <p:spPr>
-          <a:xfrm>
-            <a:off x="142865" y="1104186"/>
-            <a:ext cx="8865056" cy="3833334"/>
-          </a:xfrm>
-        </p:spPr>
-        <p:txBody>
-          <a:bodyPr>
-            <a:noAutofit/>
-          </a:bodyPr>
-          <a:lstStyle/>
-          <a:p>
-            <a:pPr marL="457200" indent="-457200" algn="just" eaLnBrk="0" hangingPunct="0">
-              <a:buFont typeface="+mj-lt"/>
-              <a:buAutoNum type="arabicPeriod" startAt="9"/>
-            </a:pPr>
-            <a:r>
-              <a:rPr lang="pt-BR" sz="2200" dirty="0">
-                <a:solidFill>
-                  <a:schemeClr val="tx1"/>
-                </a:solidFill>
-                <a:latin typeface="Times New Roman" panose="02020603050405020304" pitchFamily="18" charset="0"/>
-                <a:cs typeface="Times New Roman" panose="02020603050405020304" pitchFamily="18" charset="0"/>
-              </a:rPr>
-              <a:t>Desenvolvimento de animações;</a:t>
-            </a:r>
-          </a:p>
-          <a:p>
-            <a:pPr marL="457200" indent="-457200" algn="just" eaLnBrk="0" hangingPunct="0">
-              <a:buAutoNum type="arabicPeriod" startAt="9"/>
-            </a:pPr>
-            <a:endParaRPr lang="pt-BR" sz="2200" dirty="0">
-              <a:solidFill>
-                <a:schemeClr val="tx1"/>
-              </a:solidFill>
-              <a:latin typeface="Times New Roman" panose="02020603050405020304" pitchFamily="18" charset="0"/>
-              <a:cs typeface="Times New Roman" panose="02020603050405020304" pitchFamily="18" charset="0"/>
-            </a:endParaRPr>
-          </a:p>
-          <a:p>
-            <a:pPr marL="457200" indent="-457200" algn="just" eaLnBrk="0" hangingPunct="0">
-              <a:buAutoNum type="arabicPeriod" startAt="9"/>
-            </a:pPr>
-            <a:r>
-              <a:rPr lang="pt-BR" sz="2200" dirty="0">
-                <a:solidFill>
-                  <a:schemeClr val="tx1"/>
-                </a:solidFill>
-                <a:latin typeface="Times New Roman" panose="02020603050405020304" pitchFamily="18" charset="0"/>
-                <a:cs typeface="Times New Roman" panose="02020603050405020304" pitchFamily="18" charset="0"/>
-              </a:rPr>
-              <a:t>Conceito de histograma;</a:t>
-            </a:r>
-          </a:p>
-          <a:p>
-            <a:pPr marL="457200" indent="-457200" algn="just" eaLnBrk="0" hangingPunct="0">
-              <a:buAutoNum type="arabicPeriod" startAt="9"/>
-            </a:pPr>
-            <a:endParaRPr lang="pt-BR" sz="2200" dirty="0">
-              <a:solidFill>
-                <a:schemeClr val="tx1"/>
-              </a:solidFill>
-              <a:latin typeface="Times New Roman" panose="02020603050405020304" pitchFamily="18" charset="0"/>
-              <a:cs typeface="Times New Roman" panose="02020603050405020304" pitchFamily="18" charset="0"/>
-            </a:endParaRPr>
-          </a:p>
-          <a:p>
-            <a:pPr marL="457200" indent="-457200" algn="just" eaLnBrk="0" hangingPunct="0">
-              <a:buAutoNum type="arabicPeriod" startAt="9"/>
-            </a:pPr>
-            <a:r>
-              <a:rPr lang="pt-BR" sz="2200" dirty="0">
-                <a:solidFill>
-                  <a:schemeClr val="tx1"/>
-                </a:solidFill>
-                <a:latin typeface="Times New Roman" panose="02020603050405020304" pitchFamily="18" charset="0"/>
-                <a:cs typeface="Times New Roman" panose="02020603050405020304" pitchFamily="18" charset="0"/>
-              </a:rPr>
-              <a:t>Suavização de imagens no domínio espacial;</a:t>
-            </a:r>
-          </a:p>
-          <a:p>
-            <a:pPr marL="457200" indent="-457200" algn="just" eaLnBrk="0" hangingPunct="0">
-              <a:buAutoNum type="arabicPeriod" startAt="9"/>
-            </a:pPr>
-            <a:endParaRPr lang="pt-BR" sz="2200" dirty="0">
-              <a:solidFill>
-                <a:schemeClr val="tx1"/>
-              </a:solidFill>
-              <a:latin typeface="Times New Roman" panose="02020603050405020304" pitchFamily="18" charset="0"/>
-              <a:cs typeface="Times New Roman" panose="02020603050405020304" pitchFamily="18" charset="0"/>
-            </a:endParaRPr>
-          </a:p>
-          <a:p>
-            <a:pPr marL="457200" indent="-457200" algn="just" eaLnBrk="0" hangingPunct="0">
-              <a:buAutoNum type="arabicPeriod" startAt="9"/>
-            </a:pPr>
-            <a:r>
-              <a:rPr lang="pt-BR" sz="2200" dirty="0">
-                <a:solidFill>
-                  <a:schemeClr val="tx1"/>
-                </a:solidFill>
-                <a:latin typeface="Times New Roman" panose="02020603050405020304" pitchFamily="18" charset="0"/>
-                <a:cs typeface="Times New Roman" panose="02020603050405020304" pitchFamily="18" charset="0"/>
-              </a:rPr>
-              <a:t>Visão geral do </a:t>
-            </a:r>
-            <a:r>
-              <a:rPr lang="pt-BR" sz="2200" dirty="0" err="1">
-                <a:solidFill>
-                  <a:schemeClr val="tx1"/>
-                </a:solidFill>
-                <a:latin typeface="Times New Roman" panose="02020603050405020304" pitchFamily="18" charset="0"/>
-                <a:cs typeface="Times New Roman" panose="02020603050405020304" pitchFamily="18" charset="0"/>
-              </a:rPr>
-              <a:t>Matlab</a:t>
-            </a:r>
-            <a:r>
-              <a:rPr lang="pt-BR" sz="2200" dirty="0">
-                <a:solidFill>
-                  <a:schemeClr val="tx1"/>
-                </a:solidFill>
-                <a:latin typeface="Times New Roman" panose="02020603050405020304" pitchFamily="18" charset="0"/>
-                <a:cs typeface="Times New Roman" panose="02020603050405020304" pitchFamily="18" charset="0"/>
-              </a:rPr>
-              <a:t>;</a:t>
-            </a:r>
-          </a:p>
-        </p:txBody>
-      </p:sp>
-      <p:cxnSp>
-        <p:nvCxnSpPr>
-          <p:cNvPr id="4" name="Conector reto 3">
-            <a:extLst>
-              <a:ext uri="{FF2B5EF4-FFF2-40B4-BE49-F238E27FC236}">
-                <a16:creationId xmlns:a16="http://schemas.microsoft.com/office/drawing/2014/main" id="{53C1D5BE-B08D-43BA-9100-4319F7669DAD}"/>
-              </a:ext>
-            </a:extLst>
-          </p:cNvPr>
-          <p:cNvCxnSpPr>
-            <a:cxnSpLocks/>
-          </p:cNvCxnSpPr>
-          <p:nvPr/>
-        </p:nvCxnSpPr>
-        <p:spPr>
-          <a:xfrm flipV="1">
-            <a:off x="310728" y="902136"/>
-            <a:ext cx="8699160" cy="40954"/>
-          </a:xfrm>
-          <a:prstGeom prst="line">
-            <a:avLst/>
-          </a:prstGeom>
-          <a:ln w="38100">
-            <a:headEnd type="none" w="med" len="med"/>
-            <a:tailEnd type="none" w="med" len="med"/>
-          </a:ln>
-          <a:scene3d>
-            <a:camera prst="orthographicFront"/>
-            <a:lightRig rig="threePt" dir="t"/>
-          </a:scene3d>
-          <a:sp3d>
-            <a:bevelT prst="convex"/>
-          </a:sp3d>
-        </p:spPr>
-        <p:style>
-          <a:lnRef idx="3">
-            <a:schemeClr val="accent1"/>
-          </a:lnRef>
-          <a:fillRef idx="0">
-            <a:schemeClr val="accent1"/>
-          </a:fillRef>
-          <a:effectRef idx="2">
-            <a:schemeClr val="accent1"/>
-          </a:effectRef>
-          <a:fontRef idx="minor">
-            <a:schemeClr val="tx1"/>
-          </a:fontRef>
-        </p:style>
-      </p:cxnSp>
-    </p:spTree>
-    <p:extLst>
-      <p:ext uri="{BB962C8B-B14F-4D97-AF65-F5344CB8AC3E}">
-        <p14:creationId xmlns:p14="http://schemas.microsoft.com/office/powerpoint/2010/main" val="3782970873"/>
       </p:ext>
     </p:extLst>
   </p:cSld>
